--- a/doc/02_外部設計/02_画面遷移図_B3ビーチサンダル.pptx
+++ b/doc/02_外部設計/02_画面遷移図_B3ビーチサンダル.pptx
@@ -8,7 +8,8 @@
     <p:sldId id="256" r:id="rId2"/>
     <p:sldId id="257" r:id="rId3"/>
     <p:sldId id="258" r:id="rId4"/>
-    <p:sldId id="259" r:id="rId5"/>
+    <p:sldId id="260" r:id="rId5"/>
+    <p:sldId id="259" r:id="rId6"/>
   </p:sldIdLst>
   <p:sldSz cx="12192000" cy="6858000"/>
   <p:notesSz cx="6858000" cy="9144000"/>
@@ -262,7 +263,7 @@
           <a:p>
             <a:fld id="{2BE9DDC8-688C-4E91-B391-6CD86234E750}" type="datetimeFigureOut">
               <a:rPr kumimoji="1" lang="ja-JP" altLang="en-US" smtClean="0"/>
-              <a:t>2024/6/12</a:t>
+              <a:t>2024/6/13</a:t>
             </a:fld>
             <a:endParaRPr kumimoji="1" lang="ja-JP" altLang="en-US"/>
           </a:p>
@@ -492,7 +493,7 @@
           <a:p>
             <a:fld id="{2BE9DDC8-688C-4E91-B391-6CD86234E750}" type="datetimeFigureOut">
               <a:rPr kumimoji="1" lang="ja-JP" altLang="en-US" smtClean="0"/>
-              <a:t>2024/6/12</a:t>
+              <a:t>2024/6/13</a:t>
             </a:fld>
             <a:endParaRPr kumimoji="1" lang="ja-JP" altLang="en-US"/>
           </a:p>
@@ -732,7 +733,7 @@
           <a:p>
             <a:fld id="{2BE9DDC8-688C-4E91-B391-6CD86234E750}" type="datetimeFigureOut">
               <a:rPr kumimoji="1" lang="ja-JP" altLang="en-US" smtClean="0"/>
-              <a:t>2024/6/12</a:t>
+              <a:t>2024/6/13</a:t>
             </a:fld>
             <a:endParaRPr kumimoji="1" lang="ja-JP" altLang="en-US"/>
           </a:p>
@@ -962,7 +963,7 @@
           <a:p>
             <a:fld id="{2BE9DDC8-688C-4E91-B391-6CD86234E750}" type="datetimeFigureOut">
               <a:rPr kumimoji="1" lang="ja-JP" altLang="en-US" smtClean="0"/>
-              <a:t>2024/6/12</a:t>
+              <a:t>2024/6/13</a:t>
             </a:fld>
             <a:endParaRPr kumimoji="1" lang="ja-JP" altLang="en-US"/>
           </a:p>
@@ -1237,7 +1238,7 @@
           <a:p>
             <a:fld id="{2BE9DDC8-688C-4E91-B391-6CD86234E750}" type="datetimeFigureOut">
               <a:rPr kumimoji="1" lang="ja-JP" altLang="en-US" smtClean="0"/>
-              <a:t>2024/6/12</a:t>
+              <a:t>2024/6/13</a:t>
             </a:fld>
             <a:endParaRPr kumimoji="1" lang="ja-JP" altLang="en-US"/>
           </a:p>
@@ -1566,7 +1567,7 @@
           <a:p>
             <a:fld id="{2BE9DDC8-688C-4E91-B391-6CD86234E750}" type="datetimeFigureOut">
               <a:rPr kumimoji="1" lang="ja-JP" altLang="en-US" smtClean="0"/>
-              <a:t>2024/6/12</a:t>
+              <a:t>2024/6/13</a:t>
             </a:fld>
             <a:endParaRPr kumimoji="1" lang="ja-JP" altLang="en-US"/>
           </a:p>
@@ -2042,7 +2043,7 @@
           <a:p>
             <a:fld id="{2BE9DDC8-688C-4E91-B391-6CD86234E750}" type="datetimeFigureOut">
               <a:rPr kumimoji="1" lang="ja-JP" altLang="en-US" smtClean="0"/>
-              <a:t>2024/6/12</a:t>
+              <a:t>2024/6/13</a:t>
             </a:fld>
             <a:endParaRPr kumimoji="1" lang="ja-JP" altLang="en-US"/>
           </a:p>
@@ -2183,7 +2184,7 @@
           <a:p>
             <a:fld id="{2BE9DDC8-688C-4E91-B391-6CD86234E750}" type="datetimeFigureOut">
               <a:rPr kumimoji="1" lang="ja-JP" altLang="en-US" smtClean="0"/>
-              <a:t>2024/6/12</a:t>
+              <a:t>2024/6/13</a:t>
             </a:fld>
             <a:endParaRPr kumimoji="1" lang="ja-JP" altLang="en-US"/>
           </a:p>
@@ -2296,7 +2297,7 @@
           <a:p>
             <a:fld id="{2BE9DDC8-688C-4E91-B391-6CD86234E750}" type="datetimeFigureOut">
               <a:rPr kumimoji="1" lang="ja-JP" altLang="en-US" smtClean="0"/>
-              <a:t>2024/6/12</a:t>
+              <a:t>2024/6/13</a:t>
             </a:fld>
             <a:endParaRPr kumimoji="1" lang="ja-JP" altLang="en-US"/>
           </a:p>
@@ -2639,7 +2640,7 @@
           <a:p>
             <a:fld id="{2BE9DDC8-688C-4E91-B391-6CD86234E750}" type="datetimeFigureOut">
               <a:rPr kumimoji="1" lang="ja-JP" altLang="en-US" smtClean="0"/>
-              <a:t>2024/6/12</a:t>
+              <a:t>2024/6/13</a:t>
             </a:fld>
             <a:endParaRPr kumimoji="1" lang="ja-JP" altLang="en-US"/>
           </a:p>
@@ -2927,7 +2928,7 @@
           <a:p>
             <a:fld id="{2BE9DDC8-688C-4E91-B391-6CD86234E750}" type="datetimeFigureOut">
               <a:rPr kumimoji="1" lang="ja-JP" altLang="en-US" smtClean="0"/>
-              <a:t>2024/6/12</a:t>
+              <a:t>2024/6/13</a:t>
             </a:fld>
             <a:endParaRPr kumimoji="1" lang="ja-JP" altLang="en-US"/>
           </a:p>
@@ -3200,7 +3201,7 @@
           <a:p>
             <a:fld id="{2BE9DDC8-688C-4E91-B391-6CD86234E750}" type="datetimeFigureOut">
               <a:rPr kumimoji="1" lang="ja-JP" altLang="en-US" smtClean="0"/>
-              <a:t>2024/6/12</a:t>
+              <a:t>2024/6/13</a:t>
             </a:fld>
             <a:endParaRPr kumimoji="1" lang="ja-JP" altLang="en-US"/>
           </a:p>
@@ -3773,7 +3774,7 @@
         </p:nvSpPr>
         <p:spPr>
           <a:xfrm>
-            <a:off x="172279" y="1190102"/>
+            <a:off x="172279" y="1340773"/>
             <a:ext cx="5923721" cy="5000664"/>
           </a:xfrm>
           <a:prstGeom prst="rect">
@@ -3874,8 +3875,8 @@
         </p:nvSpPr>
         <p:spPr>
           <a:xfrm>
-            <a:off x="6096000" y="1340773"/>
-            <a:ext cx="5775158" cy="4169668"/>
+            <a:off x="6096000" y="513169"/>
+            <a:ext cx="5775158" cy="5831661"/>
           </a:xfrm>
           <a:prstGeom prst="rect">
             <a:avLst/>
@@ -3943,7 +3944,31 @@
             </a:pPr>
             <a:r>
               <a:rPr lang="ja-JP" altLang="en-US" sz="3600" dirty="0"/>
-              <a:t>１１．報告書</a:t>
+              <a:t>１１．式後対応</a:t>
+            </a:r>
+            <a:endParaRPr lang="en-US" altLang="ja-JP" sz="3600" dirty="0"/>
+          </a:p>
+          <a:p>
+            <a:pPr>
+              <a:lnSpc>
+                <a:spcPct val="150000"/>
+              </a:lnSpc>
+            </a:pPr>
+            <a:r>
+              <a:rPr kumimoji="1" lang="ja-JP" altLang="en-US" sz="3600" dirty="0"/>
+              <a:t>１２．式後アンケート</a:t>
+            </a:r>
+            <a:endParaRPr kumimoji="1" lang="en-US" altLang="ja-JP" sz="3600" dirty="0"/>
+          </a:p>
+          <a:p>
+            <a:pPr>
+              <a:lnSpc>
+                <a:spcPct val="150000"/>
+              </a:lnSpc>
+            </a:pPr>
+            <a:r>
+              <a:rPr lang="ja-JP" altLang="en-US" sz="3600" dirty="0"/>
+              <a:t>１３．報告書</a:t>
             </a:r>
             <a:endParaRPr kumimoji="1" lang="ja-JP" altLang="en-US" sz="3600" dirty="0"/>
           </a:p>
@@ -4026,7 +4051,7 @@
                 <a:ea typeface="游ゴシック" panose="020B0400000000000000" pitchFamily="50" charset="-128"/>
                 <a:cs typeface="+mn-cs"/>
               </a:rPr>
-              <a:t>11</a:t>
+              <a:t>13</a:t>
             </a:r>
             <a:r>
               <a:rPr kumimoji="1" lang="ja-JP" altLang="en-US" sz="3600" b="0" i="0" u="none" strike="noStrike" kern="1200" cap="none" spc="0" normalizeH="0" baseline="0" noProof="0" dirty="0">
@@ -4110,7 +4135,7 @@
         <p:spPr>
           <a:xfrm>
             <a:off x="24062" y="47158"/>
-            <a:ext cx="2558718" cy="845681"/>
+            <a:ext cx="2919662" cy="845681"/>
           </a:xfrm>
           <a:prstGeom prst="rect">
             <a:avLst/>
@@ -4157,6 +4182,23 @@
               </a:rPr>
               <a:t>画面遷移図</a:t>
             </a:r>
+            <a:r>
+              <a:rPr kumimoji="1" lang="en-US" altLang="ja-JP" sz="3600" b="0" i="0" u="none" strike="noStrike" kern="1200" cap="none" spc="0" normalizeH="0" baseline="0" noProof="0" dirty="0">
+                <a:ln>
+                  <a:noFill/>
+                </a:ln>
+                <a:solidFill>
+                  <a:prstClr val="black"/>
+                </a:solidFill>
+                <a:effectLst/>
+                <a:uLnTx/>
+                <a:uFillTx/>
+                <a:latin typeface="游ゴシック" panose="02110004020202020204"/>
+                <a:ea typeface="游ゴシック" panose="020B0400000000000000" pitchFamily="50" charset="-128"/>
+                <a:cs typeface="+mn-cs"/>
+              </a:rPr>
+              <a:t>A</a:t>
+            </a:r>
             <a:endParaRPr kumimoji="1" lang="ja-JP" altLang="en-US" dirty="0"/>
           </a:p>
         </p:txBody>
@@ -6031,18 +6073,13 @@
           <a:p>
             <a:pPr algn="ctr"/>
             <a:r>
-              <a:rPr lang="ja-JP" altLang="en-US" dirty="0">
+              <a:rPr kumimoji="1" lang="ja-JP" altLang="en-US" dirty="0">
                 <a:solidFill>
                   <a:sysClr val="windowText" lastClr="000000"/>
                 </a:solidFill>
               </a:rPr>
-              <a:t>座席</a:t>
-            </a:r>
-            <a:endParaRPr kumimoji="1" lang="ja-JP" altLang="en-US" dirty="0">
-              <a:solidFill>
-                <a:sysClr val="windowText" lastClr="000000"/>
-              </a:solidFill>
-            </a:endParaRPr>
+              <a:t>配置</a:t>
+            </a:r>
           </a:p>
         </p:txBody>
       </p:sp>
@@ -6696,6 +6733,3056 @@
           <a:xfrm>
             <a:off x="5171207" y="3710277"/>
             <a:ext cx="1287831" cy="0"/>
+          </a:xfrm>
+          <a:prstGeom prst="straightConnector1">
+            <a:avLst/>
+          </a:prstGeom>
+          <a:ln w="76200">
+            <a:solidFill>
+              <a:schemeClr val="tx1"/>
+            </a:solidFill>
+            <a:tailEnd type="triangle"/>
+          </a:ln>
+        </p:spPr>
+        <p:style>
+          <a:lnRef idx="2">
+            <a:schemeClr val="accent1"/>
+          </a:lnRef>
+          <a:fillRef idx="0">
+            <a:schemeClr val="accent1"/>
+          </a:fillRef>
+          <a:effectRef idx="1">
+            <a:schemeClr val="accent1"/>
+          </a:effectRef>
+          <a:fontRef idx="minor">
+            <a:schemeClr val="tx1"/>
+          </a:fontRef>
+        </p:style>
+      </p:cxnSp>
+      <p:sp>
+        <p:nvSpPr>
+          <p:cNvPr id="17" name="乗算記号 16">
+            <a:extLst>
+              <a:ext uri="{FF2B5EF4-FFF2-40B4-BE49-F238E27FC236}">
+                <a16:creationId xmlns:a16="http://schemas.microsoft.com/office/drawing/2014/main" id="{BBDDFBDB-9FDC-1F47-D331-4B16603397FA}"/>
+              </a:ext>
+            </a:extLst>
+          </p:cNvPr>
+          <p:cNvSpPr/>
+          <p:nvPr/>
+        </p:nvSpPr>
+        <p:spPr>
+          <a:xfrm>
+            <a:off x="819187" y="-355656"/>
+            <a:ext cx="10553625" cy="7443017"/>
+          </a:xfrm>
+          <a:prstGeom prst="mathMultiply">
+            <a:avLst>
+              <a:gd name="adj1" fmla="val 2968"/>
+            </a:avLst>
+          </a:prstGeom>
+          <a:solidFill>
+            <a:srgbClr val="FF0000"/>
+          </a:solidFill>
+        </p:spPr>
+        <p:style>
+          <a:lnRef idx="2">
+            <a:schemeClr val="accent1">
+              <a:shade val="15000"/>
+            </a:schemeClr>
+          </a:lnRef>
+          <a:fillRef idx="1">
+            <a:schemeClr val="accent1"/>
+          </a:fillRef>
+          <a:effectRef idx="0">
+            <a:schemeClr val="accent1"/>
+          </a:effectRef>
+          <a:fontRef idx="minor">
+            <a:schemeClr val="lt1"/>
+          </a:fontRef>
+        </p:style>
+        <p:txBody>
+          <a:bodyPr rtlCol="0" anchor="ctr"/>
+          <a:lstStyle/>
+          <a:p>
+            <a:pPr algn="ctr"/>
+            <a:endParaRPr kumimoji="1" lang="ja-JP" altLang="en-US"/>
+          </a:p>
+        </p:txBody>
+      </p:sp>
+    </p:spTree>
+    <p:extLst>
+      <p:ext uri="{BB962C8B-B14F-4D97-AF65-F5344CB8AC3E}">
+        <p14:creationId xmlns:p14="http://schemas.microsoft.com/office/powerpoint/2010/main" val="4148372484"/>
+      </p:ext>
+    </p:extLst>
+  </p:cSld>
+  <p:clrMapOvr>
+    <a:masterClrMapping/>
+  </p:clrMapOvr>
+</p:sld>
+</file>
+
+<file path=ppt/slides/slide5.xml><?xml version="1.0" encoding="utf-8"?>
+<p:sld xmlns:a="http://schemas.openxmlformats.org/drawingml/2006/main" xmlns:r="http://schemas.openxmlformats.org/officeDocument/2006/relationships" xmlns:p="http://schemas.openxmlformats.org/presentationml/2006/main">
+  <p:cSld>
+    <p:spTree>
+      <p:nvGrpSpPr>
+        <p:cNvPr id="1" name=""/>
+        <p:cNvGrpSpPr/>
+        <p:nvPr/>
+      </p:nvGrpSpPr>
+      <p:grpSpPr>
+        <a:xfrm>
+          <a:off x="0" y="0"/>
+          <a:ext cx="0" cy="0"/>
+          <a:chOff x="0" y="0"/>
+          <a:chExt cx="0" cy="0"/>
+        </a:xfrm>
+      </p:grpSpPr>
+      <p:sp>
+        <p:nvSpPr>
+          <p:cNvPr id="2" name="テキスト ボックス 1">
+            <a:extLst>
+              <a:ext uri="{FF2B5EF4-FFF2-40B4-BE49-F238E27FC236}">
+                <a16:creationId xmlns:a16="http://schemas.microsoft.com/office/drawing/2014/main" id="{432E7F84-6216-572B-E0D7-C77FFC422D71}"/>
+              </a:ext>
+            </a:extLst>
+          </p:cNvPr>
+          <p:cNvSpPr txBox="1"/>
+          <p:nvPr/>
+        </p:nvSpPr>
+        <p:spPr>
+          <a:xfrm>
+            <a:off x="24062" y="47158"/>
+            <a:ext cx="2919662" cy="845681"/>
+          </a:xfrm>
+          <a:prstGeom prst="rect">
+            <a:avLst/>
+          </a:prstGeom>
+          <a:noFill/>
+        </p:spPr>
+        <p:txBody>
+          <a:bodyPr wrap="square" rtlCol="0">
+            <a:spAutoFit/>
+          </a:bodyPr>
+          <a:lstStyle/>
+          <a:p>
+            <a:pPr marL="0" marR="0" lvl="0" indent="0" algn="l" defTabSz="914400" rtl="0" eaLnBrk="1" fontAlgn="auto" latinLnBrk="0" hangingPunct="1">
+              <a:lnSpc>
+                <a:spcPct val="150000"/>
+              </a:lnSpc>
+              <a:spcBef>
+                <a:spcPts val="0"/>
+              </a:spcBef>
+              <a:spcAft>
+                <a:spcPts val="0"/>
+              </a:spcAft>
+              <a:buClrTx/>
+              <a:buSzTx/>
+              <a:buFontTx/>
+              <a:buNone/>
+              <a:tabLst/>
+              <a:defRPr/>
+            </a:pPr>
+            <a:r>
+              <a:rPr kumimoji="1" lang="ja-JP" altLang="en-US" sz="3600" b="0" i="0" u="none" strike="noStrike" kern="1200" cap="none" spc="0" normalizeH="0" baseline="0" noProof="0" dirty="0">
+                <a:ln>
+                  <a:noFill/>
+                </a:ln>
+                <a:solidFill>
+                  <a:prstClr val="black"/>
+                </a:solidFill>
+                <a:effectLst/>
+                <a:uLnTx/>
+                <a:uFillTx/>
+                <a:latin typeface="游ゴシック" panose="02110004020202020204"/>
+                <a:ea typeface="游ゴシック" panose="020B0400000000000000" pitchFamily="50" charset="-128"/>
+                <a:cs typeface="+mn-cs"/>
+              </a:rPr>
+              <a:t>画面遷移図</a:t>
+            </a:r>
+            <a:r>
+              <a:rPr kumimoji="1" lang="en-US" altLang="ja-JP" sz="3600" b="0" i="0" u="none" strike="noStrike" kern="1200" cap="none" spc="0" normalizeH="0" baseline="0" noProof="0" dirty="0">
+                <a:ln>
+                  <a:noFill/>
+                </a:ln>
+                <a:solidFill>
+                  <a:prstClr val="black"/>
+                </a:solidFill>
+                <a:effectLst/>
+                <a:uLnTx/>
+                <a:uFillTx/>
+                <a:latin typeface="游ゴシック" panose="02110004020202020204"/>
+                <a:ea typeface="游ゴシック" panose="020B0400000000000000" pitchFamily="50" charset="-128"/>
+                <a:cs typeface="+mn-cs"/>
+              </a:rPr>
+              <a:t>B</a:t>
+            </a:r>
+            <a:endParaRPr kumimoji="1" lang="ja-JP" altLang="en-US" dirty="0"/>
+          </a:p>
+        </p:txBody>
+      </p:sp>
+      <p:sp>
+        <p:nvSpPr>
+          <p:cNvPr id="5" name="四角形: 角を丸くする 4">
+            <a:extLst>
+              <a:ext uri="{FF2B5EF4-FFF2-40B4-BE49-F238E27FC236}">
+                <a16:creationId xmlns:a16="http://schemas.microsoft.com/office/drawing/2014/main" id="{4690846E-49B2-C2E4-BB75-A35A6565E12C}"/>
+              </a:ext>
+            </a:extLst>
+          </p:cNvPr>
+          <p:cNvSpPr/>
+          <p:nvPr/>
+        </p:nvSpPr>
+        <p:spPr>
+          <a:xfrm>
+            <a:off x="481263" y="1251284"/>
+            <a:ext cx="1716505" cy="1026695"/>
+          </a:xfrm>
+          <a:prstGeom prst="roundRect">
+            <a:avLst/>
+          </a:prstGeom>
+          <a:solidFill>
+            <a:schemeClr val="bg1">
+              <a:lumMod val="95000"/>
+            </a:schemeClr>
+          </a:solidFill>
+        </p:spPr>
+        <p:style>
+          <a:lnRef idx="2">
+            <a:schemeClr val="accent1">
+              <a:shade val="15000"/>
+            </a:schemeClr>
+          </a:lnRef>
+          <a:fillRef idx="1">
+            <a:schemeClr val="accent1"/>
+          </a:fillRef>
+          <a:effectRef idx="0">
+            <a:schemeClr val="accent1"/>
+          </a:effectRef>
+          <a:fontRef idx="minor">
+            <a:schemeClr val="lt1"/>
+          </a:fontRef>
+        </p:style>
+        <p:txBody>
+          <a:bodyPr rtlCol="0" anchor="ctr"/>
+          <a:lstStyle/>
+          <a:p>
+            <a:r>
+              <a:rPr lang="ja-JP" altLang="en-US" dirty="0">
+                <a:solidFill>
+                  <a:sysClr val="windowText" lastClr="000000"/>
+                </a:solidFill>
+              </a:rPr>
+              <a:t>１．</a:t>
+            </a:r>
+            <a:endParaRPr lang="en-US" altLang="ja-JP" dirty="0">
+              <a:solidFill>
+                <a:sysClr val="windowText" lastClr="000000"/>
+              </a:solidFill>
+            </a:endParaRPr>
+          </a:p>
+          <a:p>
+            <a:r>
+              <a:rPr kumimoji="1" lang="ja-JP" altLang="en-US" dirty="0">
+                <a:solidFill>
+                  <a:sysClr val="windowText" lastClr="000000"/>
+                </a:solidFill>
+              </a:rPr>
+              <a:t>ログイン</a:t>
+            </a:r>
+          </a:p>
+        </p:txBody>
+      </p:sp>
+      <p:sp>
+        <p:nvSpPr>
+          <p:cNvPr id="3" name="四角形: 角を丸くする 2">
+            <a:extLst>
+              <a:ext uri="{FF2B5EF4-FFF2-40B4-BE49-F238E27FC236}">
+                <a16:creationId xmlns:a16="http://schemas.microsoft.com/office/drawing/2014/main" id="{60C10D81-45A8-0AD8-2D3B-0B656A79D01B}"/>
+              </a:ext>
+            </a:extLst>
+          </p:cNvPr>
+          <p:cNvSpPr/>
+          <p:nvPr/>
+        </p:nvSpPr>
+        <p:spPr>
+          <a:xfrm>
+            <a:off x="4295359" y="4235930"/>
+            <a:ext cx="1716505" cy="1026695"/>
+          </a:xfrm>
+          <a:prstGeom prst="roundRect">
+            <a:avLst/>
+          </a:prstGeom>
+          <a:solidFill>
+            <a:schemeClr val="bg1">
+              <a:lumMod val="95000"/>
+            </a:schemeClr>
+          </a:solidFill>
+        </p:spPr>
+        <p:style>
+          <a:lnRef idx="2">
+            <a:schemeClr val="accent1">
+              <a:shade val="15000"/>
+            </a:schemeClr>
+          </a:lnRef>
+          <a:fillRef idx="1">
+            <a:schemeClr val="accent1"/>
+          </a:fillRef>
+          <a:effectRef idx="0">
+            <a:schemeClr val="accent1"/>
+          </a:effectRef>
+          <a:fontRef idx="minor">
+            <a:schemeClr val="lt1"/>
+          </a:fontRef>
+        </p:style>
+        <p:txBody>
+          <a:bodyPr rtlCol="0" anchor="ctr"/>
+          <a:lstStyle/>
+          <a:p>
+            <a:r>
+              <a:rPr lang="ja-JP" altLang="en-US" dirty="0">
+                <a:solidFill>
+                  <a:sysClr val="windowText" lastClr="000000"/>
+                </a:solidFill>
+              </a:rPr>
+              <a:t>５．</a:t>
+            </a:r>
+            <a:endParaRPr lang="en-US" altLang="ja-JP" dirty="0">
+              <a:solidFill>
+                <a:sysClr val="windowText" lastClr="000000"/>
+              </a:solidFill>
+            </a:endParaRPr>
+          </a:p>
+          <a:p>
+            <a:r>
+              <a:rPr kumimoji="1" lang="ja-JP" altLang="en-US" dirty="0">
+                <a:solidFill>
+                  <a:sysClr val="windowText" lastClr="000000"/>
+                </a:solidFill>
+              </a:rPr>
+              <a:t>検索結果</a:t>
+            </a:r>
+          </a:p>
+        </p:txBody>
+      </p:sp>
+      <p:sp>
+        <p:nvSpPr>
+          <p:cNvPr id="4" name="四角形: 角を丸くする 3">
+            <a:extLst>
+              <a:ext uri="{FF2B5EF4-FFF2-40B4-BE49-F238E27FC236}">
+                <a16:creationId xmlns:a16="http://schemas.microsoft.com/office/drawing/2014/main" id="{C2A1352A-06A9-18A3-8843-CFDFA30B8618}"/>
+              </a:ext>
+            </a:extLst>
+          </p:cNvPr>
+          <p:cNvSpPr/>
+          <p:nvPr/>
+        </p:nvSpPr>
+        <p:spPr>
+          <a:xfrm>
+            <a:off x="7061358" y="4198242"/>
+            <a:ext cx="1716505" cy="1026695"/>
+          </a:xfrm>
+          <a:prstGeom prst="roundRect">
+            <a:avLst/>
+          </a:prstGeom>
+          <a:solidFill>
+            <a:schemeClr val="bg1">
+              <a:lumMod val="95000"/>
+            </a:schemeClr>
+          </a:solidFill>
+        </p:spPr>
+        <p:style>
+          <a:lnRef idx="2">
+            <a:schemeClr val="accent1">
+              <a:shade val="15000"/>
+            </a:schemeClr>
+          </a:lnRef>
+          <a:fillRef idx="1">
+            <a:schemeClr val="accent1"/>
+          </a:fillRef>
+          <a:effectRef idx="0">
+            <a:schemeClr val="accent1"/>
+          </a:effectRef>
+          <a:fontRef idx="minor">
+            <a:schemeClr val="lt1"/>
+          </a:fontRef>
+        </p:style>
+        <p:txBody>
+          <a:bodyPr rtlCol="0" anchor="ctr"/>
+          <a:lstStyle/>
+          <a:p>
+            <a:r>
+              <a:rPr lang="ja-JP" altLang="en-US" dirty="0">
+                <a:solidFill>
+                  <a:sysClr val="windowText" lastClr="000000"/>
+                </a:solidFill>
+              </a:rPr>
+              <a:t>１０．</a:t>
+            </a:r>
+            <a:endParaRPr lang="en-US" altLang="ja-JP" dirty="0">
+              <a:solidFill>
+                <a:sysClr val="windowText" lastClr="000000"/>
+              </a:solidFill>
+            </a:endParaRPr>
+          </a:p>
+          <a:p>
+            <a:r>
+              <a:rPr lang="ja-JP" altLang="en-US" dirty="0">
+                <a:solidFill>
+                  <a:sysClr val="windowText" lastClr="000000"/>
+                </a:solidFill>
+              </a:rPr>
+              <a:t>当日リスト</a:t>
+            </a:r>
+            <a:endParaRPr kumimoji="1" lang="ja-JP" altLang="en-US" dirty="0">
+              <a:solidFill>
+                <a:sysClr val="windowText" lastClr="000000"/>
+              </a:solidFill>
+            </a:endParaRPr>
+          </a:p>
+        </p:txBody>
+      </p:sp>
+      <p:sp>
+        <p:nvSpPr>
+          <p:cNvPr id="6" name="四角形: 角を丸くする 5">
+            <a:extLst>
+              <a:ext uri="{FF2B5EF4-FFF2-40B4-BE49-F238E27FC236}">
+                <a16:creationId xmlns:a16="http://schemas.microsoft.com/office/drawing/2014/main" id="{0879CE3F-9018-5ACA-B502-AAF469EEA2C4}"/>
+              </a:ext>
+            </a:extLst>
+          </p:cNvPr>
+          <p:cNvSpPr/>
+          <p:nvPr/>
+        </p:nvSpPr>
+        <p:spPr>
+          <a:xfrm>
+            <a:off x="7061358" y="5357362"/>
+            <a:ext cx="1716505" cy="1026695"/>
+          </a:xfrm>
+          <a:prstGeom prst="roundRect">
+            <a:avLst/>
+          </a:prstGeom>
+          <a:solidFill>
+            <a:schemeClr val="bg1">
+              <a:lumMod val="95000"/>
+            </a:schemeClr>
+          </a:solidFill>
+        </p:spPr>
+        <p:style>
+          <a:lnRef idx="2">
+            <a:schemeClr val="accent1">
+              <a:shade val="15000"/>
+            </a:schemeClr>
+          </a:lnRef>
+          <a:fillRef idx="1">
+            <a:schemeClr val="accent1"/>
+          </a:fillRef>
+          <a:effectRef idx="0">
+            <a:schemeClr val="accent1"/>
+          </a:effectRef>
+          <a:fontRef idx="minor">
+            <a:schemeClr val="lt1"/>
+          </a:fontRef>
+        </p:style>
+        <p:txBody>
+          <a:bodyPr rtlCol="0" anchor="ctr"/>
+          <a:lstStyle/>
+          <a:p>
+            <a:r>
+              <a:rPr lang="ja-JP" altLang="en-US" dirty="0">
+                <a:solidFill>
+                  <a:sysClr val="windowText" lastClr="000000"/>
+                </a:solidFill>
+              </a:rPr>
+              <a:t>１１．</a:t>
+            </a:r>
+            <a:endParaRPr lang="en-US" altLang="ja-JP" dirty="0">
+              <a:solidFill>
+                <a:sysClr val="windowText" lastClr="000000"/>
+              </a:solidFill>
+            </a:endParaRPr>
+          </a:p>
+          <a:p>
+            <a:r>
+              <a:rPr lang="ja-JP" altLang="en-US" dirty="0">
+                <a:solidFill>
+                  <a:sysClr val="windowText" lastClr="000000"/>
+                </a:solidFill>
+              </a:rPr>
+              <a:t>式後対応</a:t>
+            </a:r>
+            <a:endParaRPr lang="en-US" altLang="ja-JP" dirty="0">
+              <a:solidFill>
+                <a:sysClr val="windowText" lastClr="000000"/>
+              </a:solidFill>
+            </a:endParaRPr>
+          </a:p>
+        </p:txBody>
+      </p:sp>
+      <p:sp>
+        <p:nvSpPr>
+          <p:cNvPr id="7" name="四角形: 角を丸くする 6">
+            <a:extLst>
+              <a:ext uri="{FF2B5EF4-FFF2-40B4-BE49-F238E27FC236}">
+                <a16:creationId xmlns:a16="http://schemas.microsoft.com/office/drawing/2014/main" id="{91B7091F-C787-2618-C904-A41732097579}"/>
+              </a:ext>
+            </a:extLst>
+          </p:cNvPr>
+          <p:cNvSpPr/>
+          <p:nvPr/>
+        </p:nvSpPr>
+        <p:spPr>
+          <a:xfrm>
+            <a:off x="7073248" y="3039122"/>
+            <a:ext cx="1716505" cy="1026695"/>
+          </a:xfrm>
+          <a:prstGeom prst="roundRect">
+            <a:avLst/>
+          </a:prstGeom>
+          <a:solidFill>
+            <a:schemeClr val="bg1">
+              <a:lumMod val="95000"/>
+            </a:schemeClr>
+          </a:solidFill>
+        </p:spPr>
+        <p:style>
+          <a:lnRef idx="2">
+            <a:schemeClr val="accent1">
+              <a:shade val="15000"/>
+            </a:schemeClr>
+          </a:lnRef>
+          <a:fillRef idx="1">
+            <a:schemeClr val="accent1"/>
+          </a:fillRef>
+          <a:effectRef idx="0">
+            <a:schemeClr val="accent1"/>
+          </a:effectRef>
+          <a:fontRef idx="minor">
+            <a:schemeClr val="lt1"/>
+          </a:fontRef>
+        </p:style>
+        <p:txBody>
+          <a:bodyPr rtlCol="0" anchor="ctr"/>
+          <a:lstStyle/>
+          <a:p>
+            <a:r>
+              <a:rPr lang="ja-JP" altLang="en-US" dirty="0">
+                <a:solidFill>
+                  <a:sysClr val="windowText" lastClr="000000"/>
+                </a:solidFill>
+              </a:rPr>
+              <a:t>９．</a:t>
+            </a:r>
+            <a:endParaRPr lang="en-US" altLang="ja-JP" dirty="0">
+              <a:solidFill>
+                <a:sysClr val="windowText" lastClr="000000"/>
+              </a:solidFill>
+            </a:endParaRPr>
+          </a:p>
+          <a:p>
+            <a:r>
+              <a:rPr lang="ja-JP" altLang="en-US" dirty="0">
+                <a:solidFill>
+                  <a:sysClr val="windowText" lastClr="000000"/>
+                </a:solidFill>
+              </a:rPr>
+              <a:t>発注リスト</a:t>
+            </a:r>
+            <a:endParaRPr kumimoji="1" lang="ja-JP" altLang="en-US" dirty="0">
+              <a:solidFill>
+                <a:sysClr val="windowText" lastClr="000000"/>
+              </a:solidFill>
+            </a:endParaRPr>
+          </a:p>
+        </p:txBody>
+      </p:sp>
+      <p:sp>
+        <p:nvSpPr>
+          <p:cNvPr id="8" name="四角形: 角を丸くする 7">
+            <a:extLst>
+              <a:ext uri="{FF2B5EF4-FFF2-40B4-BE49-F238E27FC236}">
+                <a16:creationId xmlns:a16="http://schemas.microsoft.com/office/drawing/2014/main" id="{CBC601E6-599C-BD27-A2BA-A95CB23CDC89}"/>
+              </a:ext>
+            </a:extLst>
+          </p:cNvPr>
+          <p:cNvSpPr/>
+          <p:nvPr/>
+        </p:nvSpPr>
+        <p:spPr>
+          <a:xfrm>
+            <a:off x="481262" y="2683582"/>
+            <a:ext cx="1716505" cy="1026695"/>
+          </a:xfrm>
+          <a:prstGeom prst="roundRect">
+            <a:avLst/>
+          </a:prstGeom>
+          <a:solidFill>
+            <a:schemeClr val="bg1">
+              <a:lumMod val="95000"/>
+            </a:schemeClr>
+          </a:solidFill>
+        </p:spPr>
+        <p:style>
+          <a:lnRef idx="2">
+            <a:schemeClr val="accent1">
+              <a:shade val="15000"/>
+            </a:schemeClr>
+          </a:lnRef>
+          <a:fillRef idx="1">
+            <a:schemeClr val="accent1"/>
+          </a:fillRef>
+          <a:effectRef idx="0">
+            <a:schemeClr val="accent1"/>
+          </a:effectRef>
+          <a:fontRef idx="minor">
+            <a:schemeClr val="lt1"/>
+          </a:fontRef>
+        </p:style>
+        <p:txBody>
+          <a:bodyPr rtlCol="0" anchor="ctr"/>
+          <a:lstStyle/>
+          <a:p>
+            <a:r>
+              <a:rPr lang="ja-JP" altLang="en-US" dirty="0">
+                <a:solidFill>
+                  <a:sysClr val="windowText" lastClr="000000"/>
+                </a:solidFill>
+              </a:rPr>
+              <a:t>２．</a:t>
+            </a:r>
+            <a:endParaRPr lang="en-US" altLang="ja-JP" dirty="0">
+              <a:solidFill>
+                <a:sysClr val="windowText" lastClr="000000"/>
+              </a:solidFill>
+            </a:endParaRPr>
+          </a:p>
+          <a:p>
+            <a:r>
+              <a:rPr lang="ja-JP" altLang="en-US" dirty="0">
+                <a:solidFill>
+                  <a:sysClr val="windowText" lastClr="000000"/>
+                </a:solidFill>
+              </a:rPr>
+              <a:t>ホーム</a:t>
+            </a:r>
+            <a:endParaRPr kumimoji="1" lang="ja-JP" altLang="en-US" dirty="0">
+              <a:solidFill>
+                <a:sysClr val="windowText" lastClr="000000"/>
+              </a:solidFill>
+            </a:endParaRPr>
+          </a:p>
+        </p:txBody>
+      </p:sp>
+      <p:sp>
+        <p:nvSpPr>
+          <p:cNvPr id="9" name="四角形: 角を丸くする 8">
+            <a:extLst>
+              <a:ext uri="{FF2B5EF4-FFF2-40B4-BE49-F238E27FC236}">
+                <a16:creationId xmlns:a16="http://schemas.microsoft.com/office/drawing/2014/main" id="{EAD2E8A8-D75C-FFD6-C091-BAFE95FCBC4F}"/>
+              </a:ext>
+            </a:extLst>
+          </p:cNvPr>
+          <p:cNvSpPr/>
+          <p:nvPr/>
+        </p:nvSpPr>
+        <p:spPr>
+          <a:xfrm>
+            <a:off x="7061358" y="1880002"/>
+            <a:ext cx="1716505" cy="1026695"/>
+          </a:xfrm>
+          <a:prstGeom prst="roundRect">
+            <a:avLst/>
+          </a:prstGeom>
+          <a:solidFill>
+            <a:schemeClr val="bg1">
+              <a:lumMod val="95000"/>
+            </a:schemeClr>
+          </a:solidFill>
+        </p:spPr>
+        <p:style>
+          <a:lnRef idx="2">
+            <a:schemeClr val="accent1">
+              <a:shade val="15000"/>
+            </a:schemeClr>
+          </a:lnRef>
+          <a:fillRef idx="1">
+            <a:schemeClr val="accent1"/>
+          </a:fillRef>
+          <a:effectRef idx="0">
+            <a:schemeClr val="accent1"/>
+          </a:effectRef>
+          <a:fontRef idx="minor">
+            <a:schemeClr val="lt1"/>
+          </a:fontRef>
+        </p:style>
+        <p:txBody>
+          <a:bodyPr rtlCol="0" anchor="ctr"/>
+          <a:lstStyle/>
+          <a:p>
+            <a:r>
+              <a:rPr lang="ja-JP" altLang="en-US" dirty="0">
+                <a:solidFill>
+                  <a:sysClr val="windowText" lastClr="000000"/>
+                </a:solidFill>
+              </a:rPr>
+              <a:t>８．</a:t>
+            </a:r>
+            <a:endParaRPr lang="en-US" altLang="ja-JP" dirty="0">
+              <a:solidFill>
+                <a:sysClr val="windowText" lastClr="000000"/>
+              </a:solidFill>
+            </a:endParaRPr>
+          </a:p>
+          <a:p>
+            <a:r>
+              <a:rPr lang="ja-JP" altLang="en-US" dirty="0">
+                <a:solidFill>
+                  <a:sysClr val="windowText" lastClr="000000"/>
+                </a:solidFill>
+              </a:rPr>
+              <a:t>シミュレーション</a:t>
+            </a:r>
+            <a:endParaRPr kumimoji="1" lang="ja-JP" altLang="en-US" dirty="0">
+              <a:solidFill>
+                <a:sysClr val="windowText" lastClr="000000"/>
+              </a:solidFill>
+            </a:endParaRPr>
+          </a:p>
+        </p:txBody>
+      </p:sp>
+      <p:sp>
+        <p:nvSpPr>
+          <p:cNvPr id="10" name="四角形: 角を丸くする 9">
+            <a:extLst>
+              <a:ext uri="{FF2B5EF4-FFF2-40B4-BE49-F238E27FC236}">
+                <a16:creationId xmlns:a16="http://schemas.microsoft.com/office/drawing/2014/main" id="{9A02AA60-7AA4-9ECD-B717-DB2E62AF862D}"/>
+              </a:ext>
+            </a:extLst>
+          </p:cNvPr>
+          <p:cNvSpPr/>
+          <p:nvPr/>
+        </p:nvSpPr>
+        <p:spPr>
+          <a:xfrm>
+            <a:off x="7048056" y="720883"/>
+            <a:ext cx="1716505" cy="1026695"/>
+          </a:xfrm>
+          <a:prstGeom prst="roundRect">
+            <a:avLst/>
+          </a:prstGeom>
+          <a:solidFill>
+            <a:schemeClr val="bg1">
+              <a:lumMod val="95000"/>
+            </a:schemeClr>
+          </a:solidFill>
+        </p:spPr>
+        <p:style>
+          <a:lnRef idx="2">
+            <a:schemeClr val="accent1">
+              <a:shade val="15000"/>
+            </a:schemeClr>
+          </a:lnRef>
+          <a:fillRef idx="1">
+            <a:schemeClr val="accent1"/>
+          </a:fillRef>
+          <a:effectRef idx="0">
+            <a:schemeClr val="accent1"/>
+          </a:effectRef>
+          <a:fontRef idx="minor">
+            <a:schemeClr val="lt1"/>
+          </a:fontRef>
+        </p:style>
+        <p:txBody>
+          <a:bodyPr rtlCol="0" anchor="ctr"/>
+          <a:lstStyle/>
+          <a:p>
+            <a:r>
+              <a:rPr lang="ja-JP" altLang="en-US" dirty="0">
+                <a:solidFill>
+                  <a:sysClr val="windowText" lastClr="000000"/>
+                </a:solidFill>
+              </a:rPr>
+              <a:t>７．</a:t>
+            </a:r>
+            <a:endParaRPr lang="en-US" altLang="ja-JP" dirty="0">
+              <a:solidFill>
+                <a:sysClr val="windowText" lastClr="000000"/>
+              </a:solidFill>
+            </a:endParaRPr>
+          </a:p>
+          <a:p>
+            <a:r>
+              <a:rPr lang="ja-JP" altLang="en-US" dirty="0">
+                <a:solidFill>
+                  <a:sysClr val="windowText" lastClr="000000"/>
+                </a:solidFill>
+              </a:rPr>
+              <a:t>編集</a:t>
+            </a:r>
+            <a:endParaRPr kumimoji="1" lang="ja-JP" altLang="en-US" dirty="0">
+              <a:solidFill>
+                <a:sysClr val="windowText" lastClr="000000"/>
+              </a:solidFill>
+            </a:endParaRPr>
+          </a:p>
+        </p:txBody>
+      </p:sp>
+      <p:sp>
+        <p:nvSpPr>
+          <p:cNvPr id="11" name="四角形: 角を丸くする 10">
+            <a:extLst>
+              <a:ext uri="{FF2B5EF4-FFF2-40B4-BE49-F238E27FC236}">
+                <a16:creationId xmlns:a16="http://schemas.microsoft.com/office/drawing/2014/main" id="{1A88DCFA-6B6A-7B95-BBE4-73262D34BD89}"/>
+              </a:ext>
+            </a:extLst>
+          </p:cNvPr>
+          <p:cNvSpPr/>
+          <p:nvPr/>
+        </p:nvSpPr>
+        <p:spPr>
+          <a:xfrm>
+            <a:off x="4295359" y="1880002"/>
+            <a:ext cx="1716505" cy="1026695"/>
+          </a:xfrm>
+          <a:prstGeom prst="roundRect">
+            <a:avLst/>
+          </a:prstGeom>
+          <a:solidFill>
+            <a:schemeClr val="bg1">
+              <a:lumMod val="95000"/>
+            </a:schemeClr>
+          </a:solidFill>
+        </p:spPr>
+        <p:style>
+          <a:lnRef idx="2">
+            <a:schemeClr val="accent1">
+              <a:shade val="15000"/>
+            </a:schemeClr>
+          </a:lnRef>
+          <a:fillRef idx="1">
+            <a:schemeClr val="accent1"/>
+          </a:fillRef>
+          <a:effectRef idx="0">
+            <a:schemeClr val="accent1"/>
+          </a:effectRef>
+          <a:fontRef idx="minor">
+            <a:schemeClr val="lt1"/>
+          </a:fontRef>
+        </p:style>
+        <p:txBody>
+          <a:bodyPr rtlCol="0" anchor="ctr"/>
+          <a:lstStyle/>
+          <a:p>
+            <a:r>
+              <a:rPr lang="ja-JP" altLang="en-US" dirty="0">
+                <a:solidFill>
+                  <a:sysClr val="windowText" lastClr="000000"/>
+                </a:solidFill>
+              </a:rPr>
+              <a:t>６．</a:t>
+            </a:r>
+            <a:endParaRPr lang="en-US" altLang="ja-JP" dirty="0">
+              <a:solidFill>
+                <a:sysClr val="windowText" lastClr="000000"/>
+              </a:solidFill>
+            </a:endParaRPr>
+          </a:p>
+          <a:p>
+            <a:r>
+              <a:rPr lang="ja-JP" altLang="en-US" dirty="0">
+                <a:solidFill>
+                  <a:sysClr val="windowText" lastClr="000000"/>
+                </a:solidFill>
+              </a:rPr>
+              <a:t>マイページ</a:t>
+            </a:r>
+            <a:endParaRPr kumimoji="1" lang="ja-JP" altLang="en-US" dirty="0">
+              <a:solidFill>
+                <a:sysClr val="windowText" lastClr="000000"/>
+              </a:solidFill>
+            </a:endParaRPr>
+          </a:p>
+        </p:txBody>
+      </p:sp>
+      <p:sp>
+        <p:nvSpPr>
+          <p:cNvPr id="12" name="四角形: 角を丸くする 11">
+            <a:extLst>
+              <a:ext uri="{FF2B5EF4-FFF2-40B4-BE49-F238E27FC236}">
+                <a16:creationId xmlns:a16="http://schemas.microsoft.com/office/drawing/2014/main" id="{28D5359E-AD73-8599-1471-A828B96279DB}"/>
+              </a:ext>
+            </a:extLst>
+          </p:cNvPr>
+          <p:cNvSpPr/>
+          <p:nvPr/>
+        </p:nvSpPr>
+        <p:spPr>
+          <a:xfrm>
+            <a:off x="2277478" y="5234368"/>
+            <a:ext cx="1716505" cy="1026695"/>
+          </a:xfrm>
+          <a:prstGeom prst="roundRect">
+            <a:avLst/>
+          </a:prstGeom>
+          <a:solidFill>
+            <a:schemeClr val="bg1">
+              <a:lumMod val="95000"/>
+            </a:schemeClr>
+          </a:solidFill>
+        </p:spPr>
+        <p:style>
+          <a:lnRef idx="2">
+            <a:schemeClr val="accent1">
+              <a:shade val="15000"/>
+            </a:schemeClr>
+          </a:lnRef>
+          <a:fillRef idx="1">
+            <a:schemeClr val="accent1"/>
+          </a:fillRef>
+          <a:effectRef idx="0">
+            <a:schemeClr val="accent1"/>
+          </a:effectRef>
+          <a:fontRef idx="minor">
+            <a:schemeClr val="lt1"/>
+          </a:fontRef>
+        </p:style>
+        <p:txBody>
+          <a:bodyPr rtlCol="0" anchor="ctr"/>
+          <a:lstStyle/>
+          <a:p>
+            <a:r>
+              <a:rPr lang="ja-JP" altLang="en-US" dirty="0">
+                <a:solidFill>
+                  <a:sysClr val="windowText" lastClr="000000"/>
+                </a:solidFill>
+              </a:rPr>
+              <a:t>４．</a:t>
+            </a:r>
+            <a:endParaRPr lang="en-US" altLang="ja-JP" dirty="0">
+              <a:solidFill>
+                <a:sysClr val="windowText" lastClr="000000"/>
+              </a:solidFill>
+            </a:endParaRPr>
+          </a:p>
+          <a:p>
+            <a:r>
+              <a:rPr lang="ja-JP" altLang="en-US" dirty="0">
+                <a:solidFill>
+                  <a:sysClr val="windowText" lastClr="000000"/>
+                </a:solidFill>
+              </a:rPr>
+              <a:t>検索</a:t>
+            </a:r>
+            <a:endParaRPr kumimoji="1" lang="ja-JP" altLang="en-US" dirty="0">
+              <a:solidFill>
+                <a:sysClr val="windowText" lastClr="000000"/>
+              </a:solidFill>
+            </a:endParaRPr>
+          </a:p>
+        </p:txBody>
+      </p:sp>
+      <p:sp>
+        <p:nvSpPr>
+          <p:cNvPr id="13" name="四角形: 角を丸くする 12">
+            <a:extLst>
+              <a:ext uri="{FF2B5EF4-FFF2-40B4-BE49-F238E27FC236}">
+                <a16:creationId xmlns:a16="http://schemas.microsoft.com/office/drawing/2014/main" id="{2D8D9C47-A5C2-87E4-0DA7-74FF092157FA}"/>
+              </a:ext>
+            </a:extLst>
+          </p:cNvPr>
+          <p:cNvSpPr/>
+          <p:nvPr/>
+        </p:nvSpPr>
+        <p:spPr>
+          <a:xfrm>
+            <a:off x="2277478" y="3748590"/>
+            <a:ext cx="1716505" cy="1026695"/>
+          </a:xfrm>
+          <a:prstGeom prst="roundRect">
+            <a:avLst/>
+          </a:prstGeom>
+          <a:solidFill>
+            <a:schemeClr val="bg1">
+              <a:lumMod val="95000"/>
+            </a:schemeClr>
+          </a:solidFill>
+        </p:spPr>
+        <p:style>
+          <a:lnRef idx="2">
+            <a:schemeClr val="accent1">
+              <a:shade val="15000"/>
+            </a:schemeClr>
+          </a:lnRef>
+          <a:fillRef idx="1">
+            <a:schemeClr val="accent1"/>
+          </a:fillRef>
+          <a:effectRef idx="0">
+            <a:schemeClr val="accent1"/>
+          </a:effectRef>
+          <a:fontRef idx="minor">
+            <a:schemeClr val="lt1"/>
+          </a:fontRef>
+        </p:style>
+        <p:txBody>
+          <a:bodyPr rtlCol="0" anchor="ctr"/>
+          <a:lstStyle/>
+          <a:p>
+            <a:r>
+              <a:rPr lang="ja-JP" altLang="en-US" dirty="0">
+                <a:solidFill>
+                  <a:sysClr val="windowText" lastClr="000000"/>
+                </a:solidFill>
+              </a:rPr>
+              <a:t>３．</a:t>
+            </a:r>
+            <a:endParaRPr lang="en-US" altLang="ja-JP" dirty="0">
+              <a:solidFill>
+                <a:sysClr val="windowText" lastClr="000000"/>
+              </a:solidFill>
+            </a:endParaRPr>
+          </a:p>
+          <a:p>
+            <a:r>
+              <a:rPr lang="ja-JP" altLang="en-US" dirty="0">
+                <a:solidFill>
+                  <a:sysClr val="windowText" lastClr="000000"/>
+                </a:solidFill>
+              </a:rPr>
+              <a:t>登録</a:t>
+            </a:r>
+            <a:endParaRPr kumimoji="1" lang="ja-JP" altLang="en-US" dirty="0">
+              <a:solidFill>
+                <a:sysClr val="windowText" lastClr="000000"/>
+              </a:solidFill>
+            </a:endParaRPr>
+          </a:p>
+        </p:txBody>
+      </p:sp>
+      <p:cxnSp>
+        <p:nvCxnSpPr>
+          <p:cNvPr id="15" name="直線矢印コネクタ 14">
+            <a:extLst>
+              <a:ext uri="{FF2B5EF4-FFF2-40B4-BE49-F238E27FC236}">
+                <a16:creationId xmlns:a16="http://schemas.microsoft.com/office/drawing/2014/main" id="{D205201F-8D03-9DBB-A40F-E8B54314F327}"/>
+              </a:ext>
+            </a:extLst>
+          </p:cNvPr>
+          <p:cNvCxnSpPr>
+            <a:cxnSpLocks/>
+          </p:cNvCxnSpPr>
+          <p:nvPr/>
+        </p:nvCxnSpPr>
+        <p:spPr>
+          <a:xfrm>
+            <a:off x="5580426" y="285627"/>
+            <a:ext cx="899405" cy="0"/>
+          </a:xfrm>
+          <a:prstGeom prst="straightConnector1">
+            <a:avLst/>
+          </a:prstGeom>
+          <a:ln w="76200">
+            <a:solidFill>
+              <a:schemeClr val="tx1"/>
+            </a:solidFill>
+            <a:tailEnd type="triangle"/>
+          </a:ln>
+        </p:spPr>
+        <p:style>
+          <a:lnRef idx="2">
+            <a:schemeClr val="accent1"/>
+          </a:lnRef>
+          <a:fillRef idx="0">
+            <a:schemeClr val="accent1"/>
+          </a:fillRef>
+          <a:effectRef idx="1">
+            <a:schemeClr val="accent1"/>
+          </a:effectRef>
+          <a:fontRef idx="minor">
+            <a:schemeClr val="tx1"/>
+          </a:fontRef>
+        </p:style>
+      </p:cxnSp>
+      <p:cxnSp>
+        <p:nvCxnSpPr>
+          <p:cNvPr id="18" name="直線コネクタ 17">
+            <a:extLst>
+              <a:ext uri="{FF2B5EF4-FFF2-40B4-BE49-F238E27FC236}">
+                <a16:creationId xmlns:a16="http://schemas.microsoft.com/office/drawing/2014/main" id="{68C6BA05-E036-DD34-4002-65245490A0B3}"/>
+              </a:ext>
+            </a:extLst>
+          </p:cNvPr>
+          <p:cNvCxnSpPr>
+            <a:cxnSpLocks/>
+          </p:cNvCxnSpPr>
+          <p:nvPr/>
+        </p:nvCxnSpPr>
+        <p:spPr>
+          <a:xfrm>
+            <a:off x="1339514" y="3710277"/>
+            <a:ext cx="0" cy="2061141"/>
+          </a:xfrm>
+          <a:prstGeom prst="line">
+            <a:avLst/>
+          </a:prstGeom>
+          <a:ln w="76200">
+            <a:solidFill>
+              <a:schemeClr val="tx1"/>
+            </a:solidFill>
+          </a:ln>
+        </p:spPr>
+        <p:style>
+          <a:lnRef idx="2">
+            <a:schemeClr val="accent1"/>
+          </a:lnRef>
+          <a:fillRef idx="0">
+            <a:schemeClr val="accent1"/>
+          </a:fillRef>
+          <a:effectRef idx="1">
+            <a:schemeClr val="accent1"/>
+          </a:effectRef>
+          <a:fontRef idx="minor">
+            <a:schemeClr val="tx1"/>
+          </a:fontRef>
+        </p:style>
+      </p:cxnSp>
+      <p:cxnSp>
+        <p:nvCxnSpPr>
+          <p:cNvPr id="19" name="直線矢印コネクタ 18">
+            <a:extLst>
+              <a:ext uri="{FF2B5EF4-FFF2-40B4-BE49-F238E27FC236}">
+                <a16:creationId xmlns:a16="http://schemas.microsoft.com/office/drawing/2014/main" id="{D0F3AB86-6B73-C8AB-0F9D-3D27C86E449E}"/>
+              </a:ext>
+            </a:extLst>
+          </p:cNvPr>
+          <p:cNvCxnSpPr>
+            <a:cxnSpLocks/>
+            <a:endCxn id="8" idx="0"/>
+          </p:cNvCxnSpPr>
+          <p:nvPr/>
+        </p:nvCxnSpPr>
+        <p:spPr>
+          <a:xfrm>
+            <a:off x="1339514" y="2277979"/>
+            <a:ext cx="1" cy="405603"/>
+          </a:xfrm>
+          <a:prstGeom prst="straightConnector1">
+            <a:avLst/>
+          </a:prstGeom>
+          <a:ln w="76200">
+            <a:solidFill>
+              <a:schemeClr val="tx1"/>
+            </a:solidFill>
+            <a:tailEnd type="triangle"/>
+          </a:ln>
+        </p:spPr>
+        <p:style>
+          <a:lnRef idx="2">
+            <a:schemeClr val="accent1"/>
+          </a:lnRef>
+          <a:fillRef idx="0">
+            <a:schemeClr val="accent1"/>
+          </a:fillRef>
+          <a:effectRef idx="1">
+            <a:schemeClr val="accent1"/>
+          </a:effectRef>
+          <a:fontRef idx="minor">
+            <a:schemeClr val="tx1"/>
+          </a:fontRef>
+        </p:style>
+      </p:cxnSp>
+      <p:cxnSp>
+        <p:nvCxnSpPr>
+          <p:cNvPr id="23" name="直線矢印コネクタ 22">
+            <a:extLst>
+              <a:ext uri="{FF2B5EF4-FFF2-40B4-BE49-F238E27FC236}">
+                <a16:creationId xmlns:a16="http://schemas.microsoft.com/office/drawing/2014/main" id="{B1A5BC45-C235-7EC7-4B27-52F2D2BE364B}"/>
+              </a:ext>
+            </a:extLst>
+          </p:cNvPr>
+          <p:cNvCxnSpPr>
+            <a:cxnSpLocks/>
+            <a:endCxn id="13" idx="1"/>
+          </p:cNvCxnSpPr>
+          <p:nvPr/>
+        </p:nvCxnSpPr>
+        <p:spPr>
+          <a:xfrm>
+            <a:off x="1339514" y="4261938"/>
+            <a:ext cx="937964" cy="0"/>
+          </a:xfrm>
+          <a:prstGeom prst="straightConnector1">
+            <a:avLst/>
+          </a:prstGeom>
+          <a:ln w="76200">
+            <a:solidFill>
+              <a:schemeClr val="tx1"/>
+            </a:solidFill>
+            <a:tailEnd type="triangle"/>
+          </a:ln>
+        </p:spPr>
+        <p:style>
+          <a:lnRef idx="2">
+            <a:schemeClr val="accent1"/>
+          </a:lnRef>
+          <a:fillRef idx="0">
+            <a:schemeClr val="accent1"/>
+          </a:fillRef>
+          <a:effectRef idx="1">
+            <a:schemeClr val="accent1"/>
+          </a:effectRef>
+          <a:fontRef idx="minor">
+            <a:schemeClr val="tx1"/>
+          </a:fontRef>
+        </p:style>
+      </p:cxnSp>
+      <p:cxnSp>
+        <p:nvCxnSpPr>
+          <p:cNvPr id="24" name="直線矢印コネクタ 23">
+            <a:extLst>
+              <a:ext uri="{FF2B5EF4-FFF2-40B4-BE49-F238E27FC236}">
+                <a16:creationId xmlns:a16="http://schemas.microsoft.com/office/drawing/2014/main" id="{F4E35EBE-28E5-3575-ED11-3E5E99374382}"/>
+              </a:ext>
+            </a:extLst>
+          </p:cNvPr>
+          <p:cNvCxnSpPr>
+            <a:cxnSpLocks/>
+            <a:endCxn id="12" idx="1"/>
+          </p:cNvCxnSpPr>
+          <p:nvPr/>
+        </p:nvCxnSpPr>
+        <p:spPr>
+          <a:xfrm>
+            <a:off x="1339514" y="5747716"/>
+            <a:ext cx="937964" cy="0"/>
+          </a:xfrm>
+          <a:prstGeom prst="straightConnector1">
+            <a:avLst/>
+          </a:prstGeom>
+          <a:ln w="76200">
+            <a:solidFill>
+              <a:schemeClr val="tx1"/>
+            </a:solidFill>
+            <a:tailEnd type="triangle"/>
+          </a:ln>
+        </p:spPr>
+        <p:style>
+          <a:lnRef idx="2">
+            <a:schemeClr val="accent1"/>
+          </a:lnRef>
+          <a:fillRef idx="0">
+            <a:schemeClr val="accent1"/>
+          </a:fillRef>
+          <a:effectRef idx="1">
+            <a:schemeClr val="accent1"/>
+          </a:effectRef>
+          <a:fontRef idx="minor">
+            <a:schemeClr val="tx1"/>
+          </a:fontRef>
+        </p:style>
+      </p:cxnSp>
+      <p:cxnSp>
+        <p:nvCxnSpPr>
+          <p:cNvPr id="33" name="直線コネクタ 32">
+            <a:extLst>
+              <a:ext uri="{FF2B5EF4-FFF2-40B4-BE49-F238E27FC236}">
+                <a16:creationId xmlns:a16="http://schemas.microsoft.com/office/drawing/2014/main" id="{29F152C2-EB0E-CB07-3D6A-BB0396AE3438}"/>
+              </a:ext>
+            </a:extLst>
+          </p:cNvPr>
+          <p:cNvCxnSpPr>
+            <a:cxnSpLocks/>
+            <a:endCxn id="13" idx="0"/>
+          </p:cNvCxnSpPr>
+          <p:nvPr/>
+        </p:nvCxnSpPr>
+        <p:spPr>
+          <a:xfrm>
+            <a:off x="3135730" y="2354877"/>
+            <a:ext cx="1" cy="1393713"/>
+          </a:xfrm>
+          <a:prstGeom prst="line">
+            <a:avLst/>
+          </a:prstGeom>
+          <a:ln w="76200">
+            <a:solidFill>
+              <a:schemeClr val="tx1"/>
+            </a:solidFill>
+          </a:ln>
+        </p:spPr>
+        <p:style>
+          <a:lnRef idx="2">
+            <a:schemeClr val="accent1"/>
+          </a:lnRef>
+          <a:fillRef idx="0">
+            <a:schemeClr val="accent1"/>
+          </a:fillRef>
+          <a:effectRef idx="1">
+            <a:schemeClr val="accent1"/>
+          </a:effectRef>
+          <a:fontRef idx="minor">
+            <a:schemeClr val="tx1"/>
+          </a:fontRef>
+        </p:style>
+      </p:cxnSp>
+      <p:cxnSp>
+        <p:nvCxnSpPr>
+          <p:cNvPr id="35" name="直線コネクタ 34">
+            <a:extLst>
+              <a:ext uri="{FF2B5EF4-FFF2-40B4-BE49-F238E27FC236}">
+                <a16:creationId xmlns:a16="http://schemas.microsoft.com/office/drawing/2014/main" id="{EBAC33C7-CB00-42C7-2436-F952767C3C89}"/>
+              </a:ext>
+            </a:extLst>
+          </p:cNvPr>
+          <p:cNvCxnSpPr>
+            <a:cxnSpLocks/>
+            <a:stCxn id="12" idx="3"/>
+          </p:cNvCxnSpPr>
+          <p:nvPr/>
+        </p:nvCxnSpPr>
+        <p:spPr>
+          <a:xfrm flipV="1">
+            <a:off x="3993983" y="5747715"/>
+            <a:ext cx="1159628" cy="1"/>
+          </a:xfrm>
+          <a:prstGeom prst="line">
+            <a:avLst/>
+          </a:prstGeom>
+          <a:ln w="76200">
+            <a:solidFill>
+              <a:schemeClr val="tx1"/>
+            </a:solidFill>
+          </a:ln>
+        </p:spPr>
+        <p:style>
+          <a:lnRef idx="2">
+            <a:schemeClr val="accent1"/>
+          </a:lnRef>
+          <a:fillRef idx="0">
+            <a:schemeClr val="accent1"/>
+          </a:fillRef>
+          <a:effectRef idx="1">
+            <a:schemeClr val="accent1"/>
+          </a:effectRef>
+          <a:fontRef idx="minor">
+            <a:schemeClr val="tx1"/>
+          </a:fontRef>
+        </p:style>
+      </p:cxnSp>
+      <p:cxnSp>
+        <p:nvCxnSpPr>
+          <p:cNvPr id="38" name="直線矢印コネクタ 37">
+            <a:extLst>
+              <a:ext uri="{FF2B5EF4-FFF2-40B4-BE49-F238E27FC236}">
+                <a16:creationId xmlns:a16="http://schemas.microsoft.com/office/drawing/2014/main" id="{ACEC47A3-4A15-65E6-5E08-FA948AEA1011}"/>
+              </a:ext>
+            </a:extLst>
+          </p:cNvPr>
+          <p:cNvCxnSpPr>
+            <a:cxnSpLocks/>
+            <a:endCxn id="3" idx="2"/>
+          </p:cNvCxnSpPr>
+          <p:nvPr/>
+        </p:nvCxnSpPr>
+        <p:spPr>
+          <a:xfrm flipV="1">
+            <a:off x="5153612" y="5262625"/>
+            <a:ext cx="0" cy="513347"/>
+          </a:xfrm>
+          <a:prstGeom prst="straightConnector1">
+            <a:avLst/>
+          </a:prstGeom>
+          <a:ln w="76200">
+            <a:solidFill>
+              <a:schemeClr val="tx1"/>
+            </a:solidFill>
+            <a:tailEnd type="triangle"/>
+          </a:ln>
+        </p:spPr>
+        <p:style>
+          <a:lnRef idx="2">
+            <a:schemeClr val="accent1"/>
+          </a:lnRef>
+          <a:fillRef idx="0">
+            <a:schemeClr val="accent1"/>
+          </a:fillRef>
+          <a:effectRef idx="1">
+            <a:schemeClr val="accent1"/>
+          </a:effectRef>
+          <a:fontRef idx="minor">
+            <a:schemeClr val="tx1"/>
+          </a:fontRef>
+        </p:style>
+      </p:cxnSp>
+      <p:cxnSp>
+        <p:nvCxnSpPr>
+          <p:cNvPr id="42" name="直線矢印コネクタ 41">
+            <a:extLst>
+              <a:ext uri="{FF2B5EF4-FFF2-40B4-BE49-F238E27FC236}">
+                <a16:creationId xmlns:a16="http://schemas.microsoft.com/office/drawing/2014/main" id="{9D1EA220-3C55-7187-33EC-4A25C1DD2F49}"/>
+              </a:ext>
+            </a:extLst>
+          </p:cNvPr>
+          <p:cNvCxnSpPr>
+            <a:cxnSpLocks/>
+            <a:stCxn id="3" idx="0"/>
+            <a:endCxn id="11" idx="2"/>
+          </p:cNvCxnSpPr>
+          <p:nvPr/>
+        </p:nvCxnSpPr>
+        <p:spPr>
+          <a:xfrm flipV="1">
+            <a:off x="5153612" y="2906697"/>
+            <a:ext cx="0" cy="1329233"/>
+          </a:xfrm>
+          <a:prstGeom prst="straightConnector1">
+            <a:avLst/>
+          </a:prstGeom>
+          <a:ln w="76200">
+            <a:solidFill>
+              <a:schemeClr val="tx1"/>
+            </a:solidFill>
+            <a:tailEnd type="triangle"/>
+          </a:ln>
+        </p:spPr>
+        <p:style>
+          <a:lnRef idx="2">
+            <a:schemeClr val="accent1"/>
+          </a:lnRef>
+          <a:fillRef idx="0">
+            <a:schemeClr val="accent1"/>
+          </a:fillRef>
+          <a:effectRef idx="1">
+            <a:schemeClr val="accent1"/>
+          </a:effectRef>
+          <a:fontRef idx="minor">
+            <a:schemeClr val="tx1"/>
+          </a:fontRef>
+        </p:style>
+      </p:cxnSp>
+      <p:cxnSp>
+        <p:nvCxnSpPr>
+          <p:cNvPr id="45" name="直線コネクタ 44">
+            <a:extLst>
+              <a:ext uri="{FF2B5EF4-FFF2-40B4-BE49-F238E27FC236}">
+                <a16:creationId xmlns:a16="http://schemas.microsoft.com/office/drawing/2014/main" id="{CB7C9715-0B12-979E-31DB-C24877E5A252}"/>
+              </a:ext>
+            </a:extLst>
+          </p:cNvPr>
+          <p:cNvCxnSpPr>
+            <a:cxnSpLocks/>
+          </p:cNvCxnSpPr>
+          <p:nvPr/>
+        </p:nvCxnSpPr>
+        <p:spPr>
+          <a:xfrm>
+            <a:off x="9761672" y="5154668"/>
+            <a:ext cx="0" cy="1178335"/>
+          </a:xfrm>
+          <a:prstGeom prst="line">
+            <a:avLst/>
+          </a:prstGeom>
+          <a:ln w="76200">
+            <a:solidFill>
+              <a:schemeClr val="tx1"/>
+            </a:solidFill>
+          </a:ln>
+        </p:spPr>
+        <p:style>
+          <a:lnRef idx="2">
+            <a:schemeClr val="accent1"/>
+          </a:lnRef>
+          <a:fillRef idx="0">
+            <a:schemeClr val="accent1"/>
+          </a:fillRef>
+          <a:effectRef idx="1">
+            <a:schemeClr val="accent1"/>
+          </a:effectRef>
+          <a:fontRef idx="minor">
+            <a:schemeClr val="tx1"/>
+          </a:fontRef>
+        </p:style>
+      </p:cxnSp>
+      <p:cxnSp>
+        <p:nvCxnSpPr>
+          <p:cNvPr id="47" name="直線矢印コネクタ 46">
+            <a:extLst>
+              <a:ext uri="{FF2B5EF4-FFF2-40B4-BE49-F238E27FC236}">
+                <a16:creationId xmlns:a16="http://schemas.microsoft.com/office/drawing/2014/main" id="{2F98D660-4A97-CF92-1D5F-AF7319EBE84F}"/>
+              </a:ext>
+            </a:extLst>
+          </p:cNvPr>
+          <p:cNvCxnSpPr>
+            <a:cxnSpLocks/>
+            <a:endCxn id="11" idx="1"/>
+          </p:cNvCxnSpPr>
+          <p:nvPr/>
+        </p:nvCxnSpPr>
+        <p:spPr>
+          <a:xfrm>
+            <a:off x="3135731" y="2393350"/>
+            <a:ext cx="1159628" cy="0"/>
+          </a:xfrm>
+          <a:prstGeom prst="straightConnector1">
+            <a:avLst/>
+          </a:prstGeom>
+          <a:ln w="76200">
+            <a:solidFill>
+              <a:schemeClr val="tx1"/>
+            </a:solidFill>
+            <a:tailEnd type="triangle"/>
+          </a:ln>
+        </p:spPr>
+        <p:style>
+          <a:lnRef idx="2">
+            <a:schemeClr val="accent1"/>
+          </a:lnRef>
+          <a:fillRef idx="0">
+            <a:schemeClr val="accent1"/>
+          </a:fillRef>
+          <a:effectRef idx="1">
+            <a:schemeClr val="accent1"/>
+          </a:effectRef>
+          <a:fontRef idx="minor">
+            <a:schemeClr val="tx1"/>
+          </a:fontRef>
+        </p:style>
+      </p:cxnSp>
+      <p:cxnSp>
+        <p:nvCxnSpPr>
+          <p:cNvPr id="56" name="直線コネクタ 55">
+            <a:extLst>
+              <a:ext uri="{FF2B5EF4-FFF2-40B4-BE49-F238E27FC236}">
+                <a16:creationId xmlns:a16="http://schemas.microsoft.com/office/drawing/2014/main" id="{355EC24B-C516-8649-B018-8E252ABA5B22}"/>
+              </a:ext>
+            </a:extLst>
+          </p:cNvPr>
+          <p:cNvCxnSpPr>
+            <a:cxnSpLocks/>
+          </p:cNvCxnSpPr>
+          <p:nvPr/>
+        </p:nvCxnSpPr>
+        <p:spPr>
+          <a:xfrm flipH="1">
+            <a:off x="6465437" y="1234231"/>
+            <a:ext cx="921" cy="4636477"/>
+          </a:xfrm>
+          <a:prstGeom prst="line">
+            <a:avLst/>
+          </a:prstGeom>
+          <a:ln w="76200">
+            <a:solidFill>
+              <a:schemeClr val="tx1"/>
+            </a:solidFill>
+          </a:ln>
+        </p:spPr>
+        <p:style>
+          <a:lnRef idx="2">
+            <a:schemeClr val="accent1"/>
+          </a:lnRef>
+          <a:fillRef idx="0">
+            <a:schemeClr val="accent1"/>
+          </a:fillRef>
+          <a:effectRef idx="1">
+            <a:schemeClr val="accent1"/>
+          </a:effectRef>
+          <a:fontRef idx="minor">
+            <a:schemeClr val="tx1"/>
+          </a:fontRef>
+        </p:style>
+      </p:cxnSp>
+      <p:cxnSp>
+        <p:nvCxnSpPr>
+          <p:cNvPr id="59" name="直線矢印コネクタ 58">
+            <a:extLst>
+              <a:ext uri="{FF2B5EF4-FFF2-40B4-BE49-F238E27FC236}">
+                <a16:creationId xmlns:a16="http://schemas.microsoft.com/office/drawing/2014/main" id="{F93017CA-458D-3481-2CE2-3B5E1EDD7D88}"/>
+              </a:ext>
+            </a:extLst>
+          </p:cNvPr>
+          <p:cNvCxnSpPr>
+            <a:cxnSpLocks/>
+            <a:endCxn id="10" idx="1"/>
+          </p:cNvCxnSpPr>
+          <p:nvPr/>
+        </p:nvCxnSpPr>
+        <p:spPr>
+          <a:xfrm>
+            <a:off x="6450486" y="1234231"/>
+            <a:ext cx="597570" cy="0"/>
+          </a:xfrm>
+          <a:prstGeom prst="straightConnector1">
+            <a:avLst/>
+          </a:prstGeom>
+          <a:ln w="76200">
+            <a:solidFill>
+              <a:schemeClr val="tx1"/>
+            </a:solidFill>
+            <a:tailEnd type="triangle"/>
+          </a:ln>
+        </p:spPr>
+        <p:style>
+          <a:lnRef idx="2">
+            <a:schemeClr val="accent1"/>
+          </a:lnRef>
+          <a:fillRef idx="0">
+            <a:schemeClr val="accent1"/>
+          </a:fillRef>
+          <a:effectRef idx="1">
+            <a:schemeClr val="accent1"/>
+          </a:effectRef>
+          <a:fontRef idx="minor">
+            <a:schemeClr val="tx1"/>
+          </a:fontRef>
+        </p:style>
+      </p:cxnSp>
+      <p:cxnSp>
+        <p:nvCxnSpPr>
+          <p:cNvPr id="65" name="直線矢印コネクタ 64">
+            <a:extLst>
+              <a:ext uri="{FF2B5EF4-FFF2-40B4-BE49-F238E27FC236}">
+                <a16:creationId xmlns:a16="http://schemas.microsoft.com/office/drawing/2014/main" id="{77C590C0-AD9F-D222-F241-1C0AFBE77CDD}"/>
+              </a:ext>
+            </a:extLst>
+          </p:cNvPr>
+          <p:cNvCxnSpPr>
+            <a:cxnSpLocks/>
+            <a:endCxn id="7" idx="1"/>
+          </p:cNvCxnSpPr>
+          <p:nvPr/>
+        </p:nvCxnSpPr>
+        <p:spPr>
+          <a:xfrm>
+            <a:off x="6459637" y="3552470"/>
+            <a:ext cx="613611" cy="0"/>
+          </a:xfrm>
+          <a:prstGeom prst="straightConnector1">
+            <a:avLst/>
+          </a:prstGeom>
+          <a:ln w="76200">
+            <a:solidFill>
+              <a:schemeClr val="tx1"/>
+            </a:solidFill>
+            <a:tailEnd type="triangle"/>
+          </a:ln>
+        </p:spPr>
+        <p:style>
+          <a:lnRef idx="2">
+            <a:schemeClr val="accent1"/>
+          </a:lnRef>
+          <a:fillRef idx="0">
+            <a:schemeClr val="accent1"/>
+          </a:fillRef>
+          <a:effectRef idx="1">
+            <a:schemeClr val="accent1"/>
+          </a:effectRef>
+          <a:fontRef idx="minor">
+            <a:schemeClr val="tx1"/>
+          </a:fontRef>
+        </p:style>
+      </p:cxnSp>
+      <p:cxnSp>
+        <p:nvCxnSpPr>
+          <p:cNvPr id="66" name="直線矢印コネクタ 65">
+            <a:extLst>
+              <a:ext uri="{FF2B5EF4-FFF2-40B4-BE49-F238E27FC236}">
+                <a16:creationId xmlns:a16="http://schemas.microsoft.com/office/drawing/2014/main" id="{DC6A031A-9C04-FDCA-5842-FBECE415D7B7}"/>
+              </a:ext>
+            </a:extLst>
+          </p:cNvPr>
+          <p:cNvCxnSpPr>
+            <a:cxnSpLocks/>
+            <a:endCxn id="4" idx="1"/>
+          </p:cNvCxnSpPr>
+          <p:nvPr/>
+        </p:nvCxnSpPr>
+        <p:spPr>
+          <a:xfrm>
+            <a:off x="6479831" y="4711590"/>
+            <a:ext cx="581527" cy="0"/>
+          </a:xfrm>
+          <a:prstGeom prst="straightConnector1">
+            <a:avLst/>
+          </a:prstGeom>
+          <a:ln w="76200">
+            <a:solidFill>
+              <a:schemeClr val="tx1"/>
+            </a:solidFill>
+            <a:tailEnd type="triangle"/>
+          </a:ln>
+        </p:spPr>
+        <p:style>
+          <a:lnRef idx="2">
+            <a:schemeClr val="accent1"/>
+          </a:lnRef>
+          <a:fillRef idx="0">
+            <a:schemeClr val="accent1"/>
+          </a:fillRef>
+          <a:effectRef idx="1">
+            <a:schemeClr val="accent1"/>
+          </a:effectRef>
+          <a:fontRef idx="minor">
+            <a:schemeClr val="tx1"/>
+          </a:fontRef>
+        </p:style>
+      </p:cxnSp>
+      <p:cxnSp>
+        <p:nvCxnSpPr>
+          <p:cNvPr id="67" name="直線矢印コネクタ 66">
+            <a:extLst>
+              <a:ext uri="{FF2B5EF4-FFF2-40B4-BE49-F238E27FC236}">
+                <a16:creationId xmlns:a16="http://schemas.microsoft.com/office/drawing/2014/main" id="{3B49C97C-7880-623B-EC33-5E72F81F400B}"/>
+              </a:ext>
+            </a:extLst>
+          </p:cNvPr>
+          <p:cNvCxnSpPr>
+            <a:cxnSpLocks/>
+            <a:endCxn id="6" idx="1"/>
+          </p:cNvCxnSpPr>
+          <p:nvPr/>
+        </p:nvCxnSpPr>
+        <p:spPr>
+          <a:xfrm>
+            <a:off x="6479832" y="5870710"/>
+            <a:ext cx="581526" cy="0"/>
+          </a:xfrm>
+          <a:prstGeom prst="straightConnector1">
+            <a:avLst/>
+          </a:prstGeom>
+          <a:ln w="76200">
+            <a:solidFill>
+              <a:schemeClr val="tx1"/>
+            </a:solidFill>
+            <a:tailEnd type="triangle"/>
+          </a:ln>
+        </p:spPr>
+        <p:style>
+          <a:lnRef idx="2">
+            <a:schemeClr val="accent1"/>
+          </a:lnRef>
+          <a:fillRef idx="0">
+            <a:schemeClr val="accent1"/>
+          </a:fillRef>
+          <a:effectRef idx="1">
+            <a:schemeClr val="accent1"/>
+          </a:effectRef>
+          <a:fontRef idx="minor">
+            <a:schemeClr val="tx1"/>
+          </a:fontRef>
+        </p:style>
+      </p:cxnSp>
+      <p:cxnSp>
+        <p:nvCxnSpPr>
+          <p:cNvPr id="74" name="直線矢印コネクタ 73">
+            <a:extLst>
+              <a:ext uri="{FF2B5EF4-FFF2-40B4-BE49-F238E27FC236}">
+                <a16:creationId xmlns:a16="http://schemas.microsoft.com/office/drawing/2014/main" id="{48C2E402-F901-882D-48BA-5B3BA6383359}"/>
+              </a:ext>
+            </a:extLst>
+          </p:cNvPr>
+          <p:cNvCxnSpPr>
+            <a:cxnSpLocks/>
+            <a:stCxn id="11" idx="3"/>
+            <a:endCxn id="9" idx="1"/>
+          </p:cNvCxnSpPr>
+          <p:nvPr/>
+        </p:nvCxnSpPr>
+        <p:spPr>
+          <a:xfrm>
+            <a:off x="6011864" y="2393350"/>
+            <a:ext cx="1049494" cy="0"/>
+          </a:xfrm>
+          <a:prstGeom prst="straightConnector1">
+            <a:avLst/>
+          </a:prstGeom>
+          <a:ln w="76200">
+            <a:solidFill>
+              <a:schemeClr val="tx1"/>
+            </a:solidFill>
+            <a:tailEnd type="triangle"/>
+          </a:ln>
+        </p:spPr>
+        <p:style>
+          <a:lnRef idx="2">
+            <a:schemeClr val="accent1"/>
+          </a:lnRef>
+          <a:fillRef idx="0">
+            <a:schemeClr val="accent1"/>
+          </a:fillRef>
+          <a:effectRef idx="1">
+            <a:schemeClr val="accent1"/>
+          </a:effectRef>
+          <a:fontRef idx="minor">
+            <a:schemeClr val="tx1"/>
+          </a:fontRef>
+        </p:style>
+      </p:cxnSp>
+      <p:cxnSp>
+        <p:nvCxnSpPr>
+          <p:cNvPr id="93" name="直線コネクタ 92">
+            <a:extLst>
+              <a:ext uri="{FF2B5EF4-FFF2-40B4-BE49-F238E27FC236}">
+                <a16:creationId xmlns:a16="http://schemas.microsoft.com/office/drawing/2014/main" id="{2ED59C4D-5331-DA72-065A-FC6DA524F72F}"/>
+              </a:ext>
+            </a:extLst>
+          </p:cNvPr>
+          <p:cNvCxnSpPr>
+            <a:cxnSpLocks/>
+          </p:cNvCxnSpPr>
+          <p:nvPr/>
+        </p:nvCxnSpPr>
+        <p:spPr>
+          <a:xfrm>
+            <a:off x="9122908" y="532296"/>
+            <a:ext cx="0" cy="3707039"/>
+          </a:xfrm>
+          <a:prstGeom prst="line">
+            <a:avLst/>
+          </a:prstGeom>
+          <a:ln w="38100">
+            <a:solidFill>
+              <a:schemeClr val="tx1"/>
+            </a:solidFill>
+          </a:ln>
+        </p:spPr>
+        <p:style>
+          <a:lnRef idx="2">
+            <a:schemeClr val="accent1"/>
+          </a:lnRef>
+          <a:fillRef idx="0">
+            <a:schemeClr val="accent1"/>
+          </a:fillRef>
+          <a:effectRef idx="1">
+            <a:schemeClr val="accent1"/>
+          </a:effectRef>
+          <a:fontRef idx="minor">
+            <a:schemeClr val="tx1"/>
+          </a:fontRef>
+        </p:style>
+      </p:cxnSp>
+      <p:sp>
+        <p:nvSpPr>
+          <p:cNvPr id="96" name="楕円 95">
+            <a:extLst>
+              <a:ext uri="{FF2B5EF4-FFF2-40B4-BE49-F238E27FC236}">
+                <a16:creationId xmlns:a16="http://schemas.microsoft.com/office/drawing/2014/main" id="{603706DD-1252-7FAB-FC50-E8B35D26D8E7}"/>
+              </a:ext>
+            </a:extLst>
+          </p:cNvPr>
+          <p:cNvSpPr/>
+          <p:nvPr/>
+        </p:nvSpPr>
+        <p:spPr>
+          <a:xfrm>
+            <a:off x="9532326" y="80871"/>
+            <a:ext cx="914400" cy="914400"/>
+          </a:xfrm>
+          <a:prstGeom prst="ellipse">
+            <a:avLst/>
+          </a:prstGeom>
+          <a:solidFill>
+            <a:schemeClr val="bg1">
+              <a:lumMod val="95000"/>
+            </a:schemeClr>
+          </a:solidFill>
+        </p:spPr>
+        <p:style>
+          <a:lnRef idx="2">
+            <a:schemeClr val="accent1">
+              <a:shade val="15000"/>
+            </a:schemeClr>
+          </a:lnRef>
+          <a:fillRef idx="1">
+            <a:schemeClr val="accent1"/>
+          </a:fillRef>
+          <a:effectRef idx="0">
+            <a:schemeClr val="accent1"/>
+          </a:effectRef>
+          <a:fontRef idx="minor">
+            <a:schemeClr val="lt1"/>
+          </a:fontRef>
+        </p:style>
+        <p:txBody>
+          <a:bodyPr rtlCol="0" anchor="ctr"/>
+          <a:lstStyle/>
+          <a:p>
+            <a:pPr algn="ctr"/>
+            <a:r>
+              <a:rPr kumimoji="1" lang="ja-JP" altLang="en-US" dirty="0">
+                <a:solidFill>
+                  <a:sysClr val="windowText" lastClr="000000"/>
+                </a:solidFill>
+              </a:rPr>
+              <a:t>内装</a:t>
+            </a:r>
+          </a:p>
+        </p:txBody>
+      </p:sp>
+      <p:sp>
+        <p:nvSpPr>
+          <p:cNvPr id="97" name="楕円 96">
+            <a:extLst>
+              <a:ext uri="{FF2B5EF4-FFF2-40B4-BE49-F238E27FC236}">
+                <a16:creationId xmlns:a16="http://schemas.microsoft.com/office/drawing/2014/main" id="{C0D0F102-D118-FC46-5BC5-BA863D7E309A}"/>
+              </a:ext>
+            </a:extLst>
+          </p:cNvPr>
+          <p:cNvSpPr/>
+          <p:nvPr/>
+        </p:nvSpPr>
+        <p:spPr>
+          <a:xfrm>
+            <a:off x="9530912" y="1933290"/>
+            <a:ext cx="914400" cy="914400"/>
+          </a:xfrm>
+          <a:prstGeom prst="ellipse">
+            <a:avLst/>
+          </a:prstGeom>
+          <a:solidFill>
+            <a:schemeClr val="bg1">
+              <a:lumMod val="95000"/>
+            </a:schemeClr>
+          </a:solidFill>
+        </p:spPr>
+        <p:style>
+          <a:lnRef idx="2">
+            <a:schemeClr val="accent1">
+              <a:shade val="15000"/>
+            </a:schemeClr>
+          </a:lnRef>
+          <a:fillRef idx="1">
+            <a:schemeClr val="accent1"/>
+          </a:fillRef>
+          <a:effectRef idx="0">
+            <a:schemeClr val="accent1"/>
+          </a:effectRef>
+          <a:fontRef idx="minor">
+            <a:schemeClr val="lt1"/>
+          </a:fontRef>
+        </p:style>
+        <p:txBody>
+          <a:bodyPr rtlCol="0" anchor="ctr"/>
+          <a:lstStyle/>
+          <a:p>
+            <a:pPr algn="ctr"/>
+            <a:r>
+              <a:rPr lang="ja-JP" altLang="en-US" dirty="0">
+                <a:solidFill>
+                  <a:sysClr val="windowText" lastClr="000000"/>
+                </a:solidFill>
+              </a:rPr>
+              <a:t>ケーキ</a:t>
+            </a:r>
+            <a:endParaRPr kumimoji="1" lang="ja-JP" altLang="en-US" dirty="0">
+              <a:solidFill>
+                <a:sysClr val="windowText" lastClr="000000"/>
+              </a:solidFill>
+            </a:endParaRPr>
+          </a:p>
+        </p:txBody>
+      </p:sp>
+      <p:sp>
+        <p:nvSpPr>
+          <p:cNvPr id="98" name="楕円 97">
+            <a:extLst>
+              <a:ext uri="{FF2B5EF4-FFF2-40B4-BE49-F238E27FC236}">
+                <a16:creationId xmlns:a16="http://schemas.microsoft.com/office/drawing/2014/main" id="{5550EF5A-E066-02DC-53E9-2713FF35D376}"/>
+              </a:ext>
+            </a:extLst>
+          </p:cNvPr>
+          <p:cNvSpPr/>
+          <p:nvPr/>
+        </p:nvSpPr>
+        <p:spPr>
+          <a:xfrm>
+            <a:off x="9586088" y="2851206"/>
+            <a:ext cx="914400" cy="914400"/>
+          </a:xfrm>
+          <a:prstGeom prst="ellipse">
+            <a:avLst/>
+          </a:prstGeom>
+          <a:solidFill>
+            <a:schemeClr val="bg1">
+              <a:lumMod val="95000"/>
+            </a:schemeClr>
+          </a:solidFill>
+        </p:spPr>
+        <p:style>
+          <a:lnRef idx="2">
+            <a:schemeClr val="accent1">
+              <a:shade val="15000"/>
+            </a:schemeClr>
+          </a:lnRef>
+          <a:fillRef idx="1">
+            <a:schemeClr val="accent1"/>
+          </a:fillRef>
+          <a:effectRef idx="0">
+            <a:schemeClr val="accent1"/>
+          </a:effectRef>
+          <a:fontRef idx="minor">
+            <a:schemeClr val="lt1"/>
+          </a:fontRef>
+        </p:style>
+        <p:txBody>
+          <a:bodyPr rtlCol="0" anchor="ctr"/>
+          <a:lstStyle/>
+          <a:p>
+            <a:pPr algn="ctr"/>
+            <a:r>
+              <a:rPr lang="ja-JP" altLang="en-US" dirty="0">
+                <a:solidFill>
+                  <a:sysClr val="windowText" lastClr="000000"/>
+                </a:solidFill>
+              </a:rPr>
+              <a:t>カード</a:t>
+            </a:r>
+            <a:endParaRPr kumimoji="1" lang="ja-JP" altLang="en-US" dirty="0">
+              <a:solidFill>
+                <a:sysClr val="windowText" lastClr="000000"/>
+              </a:solidFill>
+            </a:endParaRPr>
+          </a:p>
+        </p:txBody>
+      </p:sp>
+      <p:sp>
+        <p:nvSpPr>
+          <p:cNvPr id="99" name="楕円 98">
+            <a:extLst>
+              <a:ext uri="{FF2B5EF4-FFF2-40B4-BE49-F238E27FC236}">
+                <a16:creationId xmlns:a16="http://schemas.microsoft.com/office/drawing/2014/main" id="{61523031-1723-2D64-30A0-EA7AF2B2BCB4}"/>
+              </a:ext>
+            </a:extLst>
+          </p:cNvPr>
+          <p:cNvSpPr/>
+          <p:nvPr/>
+        </p:nvSpPr>
+        <p:spPr>
+          <a:xfrm>
+            <a:off x="9586088" y="3772317"/>
+            <a:ext cx="914400" cy="910929"/>
+          </a:xfrm>
+          <a:prstGeom prst="ellipse">
+            <a:avLst/>
+          </a:prstGeom>
+          <a:solidFill>
+            <a:schemeClr val="bg1">
+              <a:lumMod val="95000"/>
+            </a:schemeClr>
+          </a:solidFill>
+        </p:spPr>
+        <p:style>
+          <a:lnRef idx="2">
+            <a:schemeClr val="accent1">
+              <a:shade val="15000"/>
+            </a:schemeClr>
+          </a:lnRef>
+          <a:fillRef idx="1">
+            <a:schemeClr val="accent1"/>
+          </a:fillRef>
+          <a:effectRef idx="0">
+            <a:schemeClr val="accent1"/>
+          </a:effectRef>
+          <a:fontRef idx="minor">
+            <a:schemeClr val="lt1"/>
+          </a:fontRef>
+        </p:style>
+        <p:txBody>
+          <a:bodyPr rtlCol="0" anchor="ctr"/>
+          <a:lstStyle/>
+          <a:p>
+            <a:pPr algn="ctr"/>
+            <a:r>
+              <a:rPr kumimoji="1" lang="ja-JP" altLang="en-US" dirty="0">
+                <a:solidFill>
+                  <a:sysClr val="windowText" lastClr="000000"/>
+                </a:solidFill>
+              </a:rPr>
+              <a:t>配置</a:t>
+            </a:r>
+          </a:p>
+        </p:txBody>
+      </p:sp>
+      <p:sp>
+        <p:nvSpPr>
+          <p:cNvPr id="100" name="楕円 99">
+            <a:extLst>
+              <a:ext uri="{FF2B5EF4-FFF2-40B4-BE49-F238E27FC236}">
+                <a16:creationId xmlns:a16="http://schemas.microsoft.com/office/drawing/2014/main" id="{26BE747D-1789-BAB7-A3B5-0C06A4BE1D5D}"/>
+              </a:ext>
+            </a:extLst>
+          </p:cNvPr>
+          <p:cNvSpPr/>
+          <p:nvPr/>
+        </p:nvSpPr>
+        <p:spPr>
+          <a:xfrm>
+            <a:off x="4390492" y="185961"/>
+            <a:ext cx="914400" cy="910929"/>
+          </a:xfrm>
+          <a:prstGeom prst="ellipse">
+            <a:avLst/>
+          </a:prstGeom>
+          <a:solidFill>
+            <a:schemeClr val="bg1">
+              <a:lumMod val="95000"/>
+            </a:schemeClr>
+          </a:solidFill>
+        </p:spPr>
+        <p:style>
+          <a:lnRef idx="2">
+            <a:schemeClr val="accent1">
+              <a:shade val="15000"/>
+            </a:schemeClr>
+          </a:lnRef>
+          <a:fillRef idx="1">
+            <a:schemeClr val="accent1"/>
+          </a:fillRef>
+          <a:effectRef idx="0">
+            <a:schemeClr val="accent1"/>
+          </a:effectRef>
+          <a:fontRef idx="minor">
+            <a:schemeClr val="lt1"/>
+          </a:fontRef>
+        </p:style>
+        <p:txBody>
+          <a:bodyPr rtlCol="0" anchor="ctr"/>
+          <a:lstStyle/>
+          <a:p>
+            <a:pPr algn="ctr"/>
+            <a:r>
+              <a:rPr kumimoji="1" lang="ja-JP" altLang="en-US" sz="1200" dirty="0">
+                <a:solidFill>
+                  <a:sysClr val="windowText" lastClr="000000"/>
+                </a:solidFill>
+              </a:rPr>
+              <a:t>ポップアップ</a:t>
+            </a:r>
+          </a:p>
+        </p:txBody>
+      </p:sp>
+      <p:sp>
+        <p:nvSpPr>
+          <p:cNvPr id="101" name="楕円 100">
+            <a:extLst>
+              <a:ext uri="{FF2B5EF4-FFF2-40B4-BE49-F238E27FC236}">
+                <a16:creationId xmlns:a16="http://schemas.microsoft.com/office/drawing/2014/main" id="{F67EE588-F330-62D5-0CC8-73770AA4B2A2}"/>
+              </a:ext>
+            </a:extLst>
+          </p:cNvPr>
+          <p:cNvSpPr/>
+          <p:nvPr/>
+        </p:nvSpPr>
+        <p:spPr>
+          <a:xfrm>
+            <a:off x="9530912" y="1009116"/>
+            <a:ext cx="914400" cy="914400"/>
+          </a:xfrm>
+          <a:prstGeom prst="ellipse">
+            <a:avLst/>
+          </a:prstGeom>
+          <a:solidFill>
+            <a:schemeClr val="bg1">
+              <a:lumMod val="95000"/>
+            </a:schemeClr>
+          </a:solidFill>
+        </p:spPr>
+        <p:style>
+          <a:lnRef idx="2">
+            <a:schemeClr val="accent1">
+              <a:shade val="15000"/>
+            </a:schemeClr>
+          </a:lnRef>
+          <a:fillRef idx="1">
+            <a:schemeClr val="accent1"/>
+          </a:fillRef>
+          <a:effectRef idx="0">
+            <a:schemeClr val="accent1"/>
+          </a:effectRef>
+          <a:fontRef idx="minor">
+            <a:schemeClr val="lt1"/>
+          </a:fontRef>
+        </p:style>
+        <p:txBody>
+          <a:bodyPr rtlCol="0" anchor="ctr"/>
+          <a:lstStyle/>
+          <a:p>
+            <a:pPr algn="ctr"/>
+            <a:r>
+              <a:rPr lang="ja-JP" altLang="en-US" dirty="0">
+                <a:solidFill>
+                  <a:sysClr val="windowText" lastClr="000000"/>
+                </a:solidFill>
+              </a:rPr>
+              <a:t>衣装</a:t>
+            </a:r>
+            <a:endParaRPr kumimoji="1" lang="ja-JP" altLang="en-US" dirty="0">
+              <a:solidFill>
+                <a:sysClr val="windowText" lastClr="000000"/>
+              </a:solidFill>
+            </a:endParaRPr>
+          </a:p>
+        </p:txBody>
+      </p:sp>
+      <p:cxnSp>
+        <p:nvCxnSpPr>
+          <p:cNvPr id="104" name="直線矢印コネクタ 103">
+            <a:extLst>
+              <a:ext uri="{FF2B5EF4-FFF2-40B4-BE49-F238E27FC236}">
+                <a16:creationId xmlns:a16="http://schemas.microsoft.com/office/drawing/2014/main" id="{F6879CFC-F19B-4981-F0A8-7CBE423D53BE}"/>
+              </a:ext>
+            </a:extLst>
+          </p:cNvPr>
+          <p:cNvCxnSpPr>
+            <a:cxnSpLocks/>
+            <a:endCxn id="101" idx="2"/>
+          </p:cNvCxnSpPr>
+          <p:nvPr/>
+        </p:nvCxnSpPr>
+        <p:spPr>
+          <a:xfrm>
+            <a:off x="9088441" y="1466316"/>
+            <a:ext cx="442471" cy="0"/>
+          </a:xfrm>
+          <a:prstGeom prst="straightConnector1">
+            <a:avLst/>
+          </a:prstGeom>
+          <a:ln w="38100">
+            <a:solidFill>
+              <a:schemeClr val="tx1"/>
+            </a:solidFill>
+            <a:tailEnd type="triangle"/>
+          </a:ln>
+        </p:spPr>
+        <p:style>
+          <a:lnRef idx="2">
+            <a:schemeClr val="accent1"/>
+          </a:lnRef>
+          <a:fillRef idx="0">
+            <a:schemeClr val="accent1"/>
+          </a:fillRef>
+          <a:effectRef idx="1">
+            <a:schemeClr val="accent1"/>
+          </a:effectRef>
+          <a:fontRef idx="minor">
+            <a:schemeClr val="tx1"/>
+          </a:fontRef>
+        </p:style>
+      </p:cxnSp>
+      <p:cxnSp>
+        <p:nvCxnSpPr>
+          <p:cNvPr id="110" name="直線矢印コネクタ 109">
+            <a:extLst>
+              <a:ext uri="{FF2B5EF4-FFF2-40B4-BE49-F238E27FC236}">
+                <a16:creationId xmlns:a16="http://schemas.microsoft.com/office/drawing/2014/main" id="{444646F4-A85B-4B3F-5C67-34E8665AFCB1}"/>
+              </a:ext>
+            </a:extLst>
+          </p:cNvPr>
+          <p:cNvCxnSpPr>
+            <a:cxnSpLocks/>
+            <a:endCxn id="96" idx="2"/>
+          </p:cNvCxnSpPr>
+          <p:nvPr/>
+        </p:nvCxnSpPr>
+        <p:spPr>
+          <a:xfrm>
+            <a:off x="9122908" y="538071"/>
+            <a:ext cx="409418" cy="0"/>
+          </a:xfrm>
+          <a:prstGeom prst="straightConnector1">
+            <a:avLst/>
+          </a:prstGeom>
+          <a:ln w="38100">
+            <a:solidFill>
+              <a:schemeClr val="tx1"/>
+            </a:solidFill>
+            <a:tailEnd type="triangle"/>
+          </a:ln>
+        </p:spPr>
+        <p:style>
+          <a:lnRef idx="2">
+            <a:schemeClr val="accent1"/>
+          </a:lnRef>
+          <a:fillRef idx="0">
+            <a:schemeClr val="accent1"/>
+          </a:fillRef>
+          <a:effectRef idx="1">
+            <a:schemeClr val="accent1"/>
+          </a:effectRef>
+          <a:fontRef idx="minor">
+            <a:schemeClr val="tx1"/>
+          </a:fontRef>
+        </p:style>
+      </p:cxnSp>
+      <p:cxnSp>
+        <p:nvCxnSpPr>
+          <p:cNvPr id="114" name="直線矢印コネクタ 113">
+            <a:extLst>
+              <a:ext uri="{FF2B5EF4-FFF2-40B4-BE49-F238E27FC236}">
+                <a16:creationId xmlns:a16="http://schemas.microsoft.com/office/drawing/2014/main" id="{85547CFC-04E3-A795-1C0C-5EF0E936C19B}"/>
+              </a:ext>
+            </a:extLst>
+          </p:cNvPr>
+          <p:cNvCxnSpPr>
+            <a:cxnSpLocks/>
+            <a:endCxn id="97" idx="2"/>
+          </p:cNvCxnSpPr>
+          <p:nvPr/>
+        </p:nvCxnSpPr>
+        <p:spPr>
+          <a:xfrm flipV="1">
+            <a:off x="8802587" y="2390490"/>
+            <a:ext cx="728325" cy="2860"/>
+          </a:xfrm>
+          <a:prstGeom prst="straightConnector1">
+            <a:avLst/>
+          </a:prstGeom>
+          <a:ln w="38100">
+            <a:solidFill>
+              <a:schemeClr val="tx1"/>
+            </a:solidFill>
+            <a:tailEnd type="triangle"/>
+          </a:ln>
+        </p:spPr>
+        <p:style>
+          <a:lnRef idx="2">
+            <a:schemeClr val="accent1"/>
+          </a:lnRef>
+          <a:fillRef idx="0">
+            <a:schemeClr val="accent1"/>
+          </a:fillRef>
+          <a:effectRef idx="1">
+            <a:schemeClr val="accent1"/>
+          </a:effectRef>
+          <a:fontRef idx="minor">
+            <a:schemeClr val="tx1"/>
+          </a:fontRef>
+        </p:style>
+      </p:cxnSp>
+      <p:cxnSp>
+        <p:nvCxnSpPr>
+          <p:cNvPr id="115" name="直線矢印コネクタ 114">
+            <a:extLst>
+              <a:ext uri="{FF2B5EF4-FFF2-40B4-BE49-F238E27FC236}">
+                <a16:creationId xmlns:a16="http://schemas.microsoft.com/office/drawing/2014/main" id="{CE5445EB-EF90-40EC-A4AC-F2A41BD19C65}"/>
+              </a:ext>
+            </a:extLst>
+          </p:cNvPr>
+          <p:cNvCxnSpPr>
+            <a:cxnSpLocks/>
+            <a:endCxn id="98" idx="2"/>
+          </p:cNvCxnSpPr>
+          <p:nvPr/>
+        </p:nvCxnSpPr>
+        <p:spPr>
+          <a:xfrm>
+            <a:off x="9144930" y="3308406"/>
+            <a:ext cx="441158" cy="0"/>
+          </a:xfrm>
+          <a:prstGeom prst="straightConnector1">
+            <a:avLst/>
+          </a:prstGeom>
+          <a:ln w="38100">
+            <a:solidFill>
+              <a:schemeClr val="tx1"/>
+            </a:solidFill>
+            <a:tailEnd type="triangle"/>
+          </a:ln>
+        </p:spPr>
+        <p:style>
+          <a:lnRef idx="2">
+            <a:schemeClr val="accent1"/>
+          </a:lnRef>
+          <a:fillRef idx="0">
+            <a:schemeClr val="accent1"/>
+          </a:fillRef>
+          <a:effectRef idx="1">
+            <a:schemeClr val="accent1"/>
+          </a:effectRef>
+          <a:fontRef idx="minor">
+            <a:schemeClr val="tx1"/>
+          </a:fontRef>
+        </p:style>
+      </p:cxnSp>
+      <p:cxnSp>
+        <p:nvCxnSpPr>
+          <p:cNvPr id="116" name="直線矢印コネクタ 115">
+            <a:extLst>
+              <a:ext uri="{FF2B5EF4-FFF2-40B4-BE49-F238E27FC236}">
+                <a16:creationId xmlns:a16="http://schemas.microsoft.com/office/drawing/2014/main" id="{B523D9CF-69D1-BECC-8481-F586EAF87FC9}"/>
+              </a:ext>
+            </a:extLst>
+          </p:cNvPr>
+          <p:cNvCxnSpPr>
+            <a:cxnSpLocks/>
+            <a:endCxn id="99" idx="2"/>
+          </p:cNvCxnSpPr>
+          <p:nvPr/>
+        </p:nvCxnSpPr>
+        <p:spPr>
+          <a:xfrm flipV="1">
+            <a:off x="9122908" y="4227782"/>
+            <a:ext cx="463180" cy="1065"/>
+          </a:xfrm>
+          <a:prstGeom prst="straightConnector1">
+            <a:avLst/>
+          </a:prstGeom>
+          <a:ln w="38100">
+            <a:solidFill>
+              <a:schemeClr val="tx1"/>
+            </a:solidFill>
+            <a:tailEnd type="triangle"/>
+          </a:ln>
+        </p:spPr>
+        <p:style>
+          <a:lnRef idx="2">
+            <a:schemeClr val="accent1"/>
+          </a:lnRef>
+          <a:fillRef idx="0">
+            <a:schemeClr val="accent1"/>
+          </a:fillRef>
+          <a:effectRef idx="1">
+            <a:schemeClr val="accent1"/>
+          </a:effectRef>
+          <a:fontRef idx="minor">
+            <a:schemeClr val="tx1"/>
+          </a:fontRef>
+        </p:style>
+      </p:cxnSp>
+      <p:sp>
+        <p:nvSpPr>
+          <p:cNvPr id="129" name="四角形: 角を丸くする 128">
+            <a:extLst>
+              <a:ext uri="{FF2B5EF4-FFF2-40B4-BE49-F238E27FC236}">
+                <a16:creationId xmlns:a16="http://schemas.microsoft.com/office/drawing/2014/main" id="{FFF77E97-2264-8096-F222-277ABA7D6776}"/>
+              </a:ext>
+            </a:extLst>
+          </p:cNvPr>
+          <p:cNvSpPr/>
+          <p:nvPr/>
+        </p:nvSpPr>
+        <p:spPr>
+          <a:xfrm>
+            <a:off x="2909965" y="285627"/>
+            <a:ext cx="1201538" cy="711598"/>
+          </a:xfrm>
+          <a:prstGeom prst="roundRect">
+            <a:avLst/>
+          </a:prstGeom>
+          <a:solidFill>
+            <a:schemeClr val="bg1">
+              <a:lumMod val="95000"/>
+            </a:schemeClr>
+          </a:solidFill>
+        </p:spPr>
+        <p:style>
+          <a:lnRef idx="2">
+            <a:schemeClr val="accent1">
+              <a:shade val="15000"/>
+            </a:schemeClr>
+          </a:lnRef>
+          <a:fillRef idx="1">
+            <a:schemeClr val="accent1"/>
+          </a:fillRef>
+          <a:effectRef idx="0">
+            <a:schemeClr val="accent1"/>
+          </a:effectRef>
+          <a:fontRef idx="minor">
+            <a:schemeClr val="lt1"/>
+          </a:fontRef>
+        </p:style>
+        <p:txBody>
+          <a:bodyPr rtlCol="0" anchor="ctr"/>
+          <a:lstStyle/>
+          <a:p>
+            <a:r>
+              <a:rPr lang="en-US" altLang="ja-JP" dirty="0">
+                <a:solidFill>
+                  <a:sysClr val="windowText" lastClr="000000"/>
+                </a:solidFill>
+              </a:rPr>
+              <a:t>No</a:t>
+            </a:r>
+            <a:r>
+              <a:rPr lang="ja-JP" altLang="en-US" dirty="0">
+                <a:solidFill>
+                  <a:sysClr val="windowText" lastClr="000000"/>
+                </a:solidFill>
+              </a:rPr>
+              <a:t>．</a:t>
+            </a:r>
+            <a:endParaRPr lang="en-US" altLang="ja-JP" dirty="0">
+              <a:solidFill>
+                <a:sysClr val="windowText" lastClr="000000"/>
+              </a:solidFill>
+            </a:endParaRPr>
+          </a:p>
+          <a:p>
+            <a:r>
+              <a:rPr lang="ja-JP" altLang="en-US" dirty="0">
+                <a:solidFill>
+                  <a:sysClr val="windowText" lastClr="000000"/>
+                </a:solidFill>
+              </a:rPr>
+              <a:t>画面名</a:t>
+            </a:r>
+            <a:endParaRPr kumimoji="1" lang="ja-JP" altLang="en-US" dirty="0">
+              <a:solidFill>
+                <a:sysClr val="windowText" lastClr="000000"/>
+              </a:solidFill>
+            </a:endParaRPr>
+          </a:p>
+        </p:txBody>
+      </p:sp>
+      <p:cxnSp>
+        <p:nvCxnSpPr>
+          <p:cNvPr id="132" name="直線コネクタ 131">
+            <a:extLst>
+              <a:ext uri="{FF2B5EF4-FFF2-40B4-BE49-F238E27FC236}">
+                <a16:creationId xmlns:a16="http://schemas.microsoft.com/office/drawing/2014/main" id="{1138AE4E-A838-2FEE-198D-46B629FD7A67}"/>
+              </a:ext>
+            </a:extLst>
+          </p:cNvPr>
+          <p:cNvCxnSpPr>
+            <a:cxnSpLocks/>
+            <a:stCxn id="12" idx="0"/>
+          </p:cNvCxnSpPr>
+          <p:nvPr/>
+        </p:nvCxnSpPr>
+        <p:spPr>
+          <a:xfrm flipV="1">
+            <a:off x="3135731" y="4963852"/>
+            <a:ext cx="0" cy="270516"/>
+          </a:xfrm>
+          <a:prstGeom prst="line">
+            <a:avLst/>
+          </a:prstGeom>
+          <a:ln w="76200">
+            <a:solidFill>
+              <a:schemeClr val="tx1"/>
+            </a:solidFill>
+          </a:ln>
+        </p:spPr>
+        <p:style>
+          <a:lnRef idx="2">
+            <a:schemeClr val="accent1"/>
+          </a:lnRef>
+          <a:fillRef idx="0">
+            <a:schemeClr val="accent1"/>
+          </a:fillRef>
+          <a:effectRef idx="1">
+            <a:schemeClr val="accent1"/>
+          </a:effectRef>
+          <a:fontRef idx="minor">
+            <a:schemeClr val="tx1"/>
+          </a:fontRef>
+        </p:style>
+      </p:cxnSp>
+      <p:cxnSp>
+        <p:nvCxnSpPr>
+          <p:cNvPr id="135" name="直線コネクタ 134">
+            <a:extLst>
+              <a:ext uri="{FF2B5EF4-FFF2-40B4-BE49-F238E27FC236}">
+                <a16:creationId xmlns:a16="http://schemas.microsoft.com/office/drawing/2014/main" id="{41F0D5AA-8C59-3385-B4A6-E940F6F79843}"/>
+              </a:ext>
+            </a:extLst>
+          </p:cNvPr>
+          <p:cNvCxnSpPr>
+            <a:cxnSpLocks/>
+          </p:cNvCxnSpPr>
+          <p:nvPr/>
+        </p:nvCxnSpPr>
+        <p:spPr>
+          <a:xfrm flipH="1">
+            <a:off x="3135731" y="5005952"/>
+            <a:ext cx="975772" cy="0"/>
+          </a:xfrm>
+          <a:prstGeom prst="line">
+            <a:avLst/>
+          </a:prstGeom>
+          <a:ln w="76200">
+            <a:solidFill>
+              <a:schemeClr val="tx1"/>
+            </a:solidFill>
+          </a:ln>
+        </p:spPr>
+        <p:style>
+          <a:lnRef idx="2">
+            <a:schemeClr val="accent1"/>
+          </a:lnRef>
+          <a:fillRef idx="0">
+            <a:schemeClr val="accent1"/>
+          </a:fillRef>
+          <a:effectRef idx="1">
+            <a:schemeClr val="accent1"/>
+          </a:effectRef>
+          <a:fontRef idx="minor">
+            <a:schemeClr val="tx1"/>
+          </a:fontRef>
+        </p:style>
+      </p:cxnSp>
+      <p:cxnSp>
+        <p:nvCxnSpPr>
+          <p:cNvPr id="138" name="直線コネクタ 137">
+            <a:extLst>
+              <a:ext uri="{FF2B5EF4-FFF2-40B4-BE49-F238E27FC236}">
+                <a16:creationId xmlns:a16="http://schemas.microsoft.com/office/drawing/2014/main" id="{ADF31699-656C-6147-23B5-21DAF37203E4}"/>
+              </a:ext>
+            </a:extLst>
+          </p:cNvPr>
+          <p:cNvCxnSpPr>
+            <a:cxnSpLocks/>
+          </p:cNvCxnSpPr>
+          <p:nvPr/>
+        </p:nvCxnSpPr>
+        <p:spPr>
+          <a:xfrm flipV="1">
+            <a:off x="4133274" y="3748590"/>
+            <a:ext cx="0" cy="1295675"/>
+          </a:xfrm>
+          <a:prstGeom prst="line">
+            <a:avLst/>
+          </a:prstGeom>
+          <a:ln w="76200">
+            <a:solidFill>
+              <a:schemeClr val="tx1"/>
+            </a:solidFill>
+          </a:ln>
+        </p:spPr>
+        <p:style>
+          <a:lnRef idx="2">
+            <a:schemeClr val="accent1"/>
+          </a:lnRef>
+          <a:fillRef idx="0">
+            <a:schemeClr val="accent1"/>
+          </a:fillRef>
+          <a:effectRef idx="1">
+            <a:schemeClr val="accent1"/>
+          </a:effectRef>
+          <a:fontRef idx="minor">
+            <a:schemeClr val="tx1"/>
+          </a:fontRef>
+        </p:style>
+      </p:cxnSp>
+      <p:sp>
+        <p:nvSpPr>
+          <p:cNvPr id="144" name="テキスト ボックス 143">
+            <a:extLst>
+              <a:ext uri="{FF2B5EF4-FFF2-40B4-BE49-F238E27FC236}">
+                <a16:creationId xmlns:a16="http://schemas.microsoft.com/office/drawing/2014/main" id="{CB18D095-2B9A-F17C-A359-3E8377BF76CA}"/>
+              </a:ext>
+            </a:extLst>
+          </p:cNvPr>
+          <p:cNvSpPr txBox="1"/>
+          <p:nvPr/>
+        </p:nvSpPr>
+        <p:spPr>
+          <a:xfrm>
+            <a:off x="3824657" y="3460001"/>
+            <a:ext cx="1255668" cy="276999"/>
+          </a:xfrm>
+          <a:prstGeom prst="rect">
+            <a:avLst/>
+          </a:prstGeom>
+          <a:noFill/>
+        </p:spPr>
+        <p:txBody>
+          <a:bodyPr wrap="square" rtlCol="0">
+            <a:spAutoFit/>
+          </a:bodyPr>
+          <a:lstStyle/>
+          <a:p>
+            <a:r>
+              <a:rPr kumimoji="1" lang="ja-JP" altLang="en-US" sz="1200" dirty="0"/>
+              <a:t>ピン止めデータ</a:t>
+            </a:r>
+          </a:p>
+        </p:txBody>
+      </p:sp>
+      <p:sp>
+        <p:nvSpPr>
+          <p:cNvPr id="145" name="テキスト ボックス 144">
+            <a:extLst>
+              <a:ext uri="{FF2B5EF4-FFF2-40B4-BE49-F238E27FC236}">
+                <a16:creationId xmlns:a16="http://schemas.microsoft.com/office/drawing/2014/main" id="{0CE54ACA-9F8D-4DCC-2CD2-147EF7A3186B}"/>
+              </a:ext>
+            </a:extLst>
+          </p:cNvPr>
+          <p:cNvSpPr txBox="1"/>
+          <p:nvPr/>
+        </p:nvSpPr>
+        <p:spPr>
+          <a:xfrm>
+            <a:off x="8587554" y="21705"/>
+            <a:ext cx="1255668" cy="276999"/>
+          </a:xfrm>
+          <a:prstGeom prst="rect">
+            <a:avLst/>
+          </a:prstGeom>
+          <a:noFill/>
+        </p:spPr>
+        <p:txBody>
+          <a:bodyPr wrap="square" rtlCol="0">
+            <a:spAutoFit/>
+          </a:bodyPr>
+          <a:lstStyle/>
+          <a:p>
+            <a:r>
+              <a:rPr kumimoji="1" lang="ja-JP" altLang="en-US" sz="1200" dirty="0"/>
+              <a:t>各項目を編集</a:t>
+            </a:r>
+          </a:p>
+        </p:txBody>
+      </p:sp>
+      <p:cxnSp>
+        <p:nvCxnSpPr>
+          <p:cNvPr id="146" name="直線矢印コネクタ 145">
+            <a:extLst>
+              <a:ext uri="{FF2B5EF4-FFF2-40B4-BE49-F238E27FC236}">
+                <a16:creationId xmlns:a16="http://schemas.microsoft.com/office/drawing/2014/main" id="{768485B6-6C70-C08E-27AA-B744648ACD60}"/>
+              </a:ext>
+            </a:extLst>
+          </p:cNvPr>
+          <p:cNvCxnSpPr>
+            <a:cxnSpLocks/>
+          </p:cNvCxnSpPr>
+          <p:nvPr/>
+        </p:nvCxnSpPr>
+        <p:spPr>
+          <a:xfrm>
+            <a:off x="4133274" y="3771770"/>
+            <a:ext cx="1020338" cy="0"/>
+          </a:xfrm>
+          <a:prstGeom prst="straightConnector1">
+            <a:avLst/>
+          </a:prstGeom>
+          <a:ln w="76200">
+            <a:solidFill>
+              <a:schemeClr val="tx1"/>
+            </a:solidFill>
+            <a:tailEnd type="triangle"/>
+          </a:ln>
+        </p:spPr>
+        <p:style>
+          <a:lnRef idx="2">
+            <a:schemeClr val="accent1"/>
+          </a:lnRef>
+          <a:fillRef idx="0">
+            <a:schemeClr val="accent1"/>
+          </a:fillRef>
+          <a:effectRef idx="1">
+            <a:schemeClr val="accent1"/>
+          </a:effectRef>
+          <a:fontRef idx="minor">
+            <a:schemeClr val="tx1"/>
+          </a:fontRef>
+        </p:style>
+      </p:cxnSp>
+      <p:sp>
+        <p:nvSpPr>
+          <p:cNvPr id="14" name="四角形: 角を丸くする 13">
+            <a:extLst>
+              <a:ext uri="{FF2B5EF4-FFF2-40B4-BE49-F238E27FC236}">
+                <a16:creationId xmlns:a16="http://schemas.microsoft.com/office/drawing/2014/main" id="{CCB41D7C-ECE7-C7F5-F724-1CBE8D980D9D}"/>
+              </a:ext>
+            </a:extLst>
+          </p:cNvPr>
+          <p:cNvSpPr/>
+          <p:nvPr/>
+        </p:nvSpPr>
+        <p:spPr>
+          <a:xfrm>
+            <a:off x="10463874" y="4679841"/>
+            <a:ext cx="1716505" cy="1026695"/>
+          </a:xfrm>
+          <a:prstGeom prst="roundRect">
+            <a:avLst/>
+          </a:prstGeom>
+          <a:solidFill>
+            <a:schemeClr val="bg1">
+              <a:lumMod val="95000"/>
+            </a:schemeClr>
+          </a:solidFill>
+        </p:spPr>
+        <p:style>
+          <a:lnRef idx="2">
+            <a:schemeClr val="accent1">
+              <a:shade val="15000"/>
+            </a:schemeClr>
+          </a:lnRef>
+          <a:fillRef idx="1">
+            <a:schemeClr val="accent1"/>
+          </a:fillRef>
+          <a:effectRef idx="0">
+            <a:schemeClr val="accent1"/>
+          </a:effectRef>
+          <a:fontRef idx="minor">
+            <a:schemeClr val="lt1"/>
+          </a:fontRef>
+        </p:style>
+        <p:txBody>
+          <a:bodyPr rtlCol="0" anchor="ctr"/>
+          <a:lstStyle/>
+          <a:p>
+            <a:r>
+              <a:rPr lang="ja-JP" altLang="en-US" dirty="0">
+                <a:solidFill>
+                  <a:sysClr val="windowText" lastClr="000000"/>
+                </a:solidFill>
+              </a:rPr>
+              <a:t>１２．</a:t>
+            </a:r>
+            <a:endParaRPr lang="en-US" altLang="ja-JP" dirty="0">
+              <a:solidFill>
+                <a:sysClr val="windowText" lastClr="000000"/>
+              </a:solidFill>
+            </a:endParaRPr>
+          </a:p>
+          <a:p>
+            <a:r>
+              <a:rPr lang="ja-JP" altLang="en-US" dirty="0">
+                <a:solidFill>
+                  <a:sysClr val="windowText" lastClr="000000"/>
+                </a:solidFill>
+              </a:rPr>
+              <a:t>式後アンケート</a:t>
+            </a:r>
+            <a:endParaRPr kumimoji="1" lang="ja-JP" altLang="en-US" dirty="0">
+              <a:solidFill>
+                <a:sysClr val="windowText" lastClr="000000"/>
+              </a:solidFill>
+            </a:endParaRPr>
+          </a:p>
+        </p:txBody>
+      </p:sp>
+      <p:sp>
+        <p:nvSpPr>
+          <p:cNvPr id="53" name="四角形: 角を丸くする 52">
+            <a:extLst>
+              <a:ext uri="{FF2B5EF4-FFF2-40B4-BE49-F238E27FC236}">
+                <a16:creationId xmlns:a16="http://schemas.microsoft.com/office/drawing/2014/main" id="{D0568180-DE13-45E9-27A0-80012E7D4F97}"/>
+              </a:ext>
+            </a:extLst>
+          </p:cNvPr>
+          <p:cNvSpPr/>
+          <p:nvPr/>
+        </p:nvSpPr>
+        <p:spPr>
+          <a:xfrm>
+            <a:off x="10463874" y="5809605"/>
+            <a:ext cx="1716505" cy="1026695"/>
+          </a:xfrm>
+          <a:prstGeom prst="roundRect">
+            <a:avLst/>
+          </a:prstGeom>
+          <a:solidFill>
+            <a:schemeClr val="bg1">
+              <a:lumMod val="95000"/>
+            </a:schemeClr>
+          </a:solidFill>
+        </p:spPr>
+        <p:style>
+          <a:lnRef idx="2">
+            <a:schemeClr val="accent1">
+              <a:shade val="15000"/>
+            </a:schemeClr>
+          </a:lnRef>
+          <a:fillRef idx="1">
+            <a:schemeClr val="accent1"/>
+          </a:fillRef>
+          <a:effectRef idx="0">
+            <a:schemeClr val="accent1"/>
+          </a:effectRef>
+          <a:fontRef idx="minor">
+            <a:schemeClr val="lt1"/>
+          </a:fontRef>
+        </p:style>
+        <p:txBody>
+          <a:bodyPr rtlCol="0" anchor="ctr"/>
+          <a:lstStyle/>
+          <a:p>
+            <a:r>
+              <a:rPr lang="ja-JP" altLang="en-US" dirty="0">
+                <a:solidFill>
+                  <a:sysClr val="windowText" lastClr="000000"/>
+                </a:solidFill>
+              </a:rPr>
+              <a:t>１３．</a:t>
+            </a:r>
+            <a:endParaRPr lang="en-US" altLang="ja-JP" dirty="0">
+              <a:solidFill>
+                <a:sysClr val="windowText" lastClr="000000"/>
+              </a:solidFill>
+            </a:endParaRPr>
+          </a:p>
+          <a:p>
+            <a:r>
+              <a:rPr lang="ja-JP" altLang="en-US" dirty="0">
+                <a:solidFill>
+                  <a:sysClr val="windowText" lastClr="000000"/>
+                </a:solidFill>
+              </a:rPr>
+              <a:t>報告書</a:t>
+            </a:r>
+            <a:endParaRPr kumimoji="1" lang="ja-JP" altLang="en-US" dirty="0">
+              <a:solidFill>
+                <a:sysClr val="windowText" lastClr="000000"/>
+              </a:solidFill>
+            </a:endParaRPr>
+          </a:p>
+        </p:txBody>
+      </p:sp>
+      <p:cxnSp>
+        <p:nvCxnSpPr>
+          <p:cNvPr id="68" name="直線コネクタ 67">
+            <a:extLst>
+              <a:ext uri="{FF2B5EF4-FFF2-40B4-BE49-F238E27FC236}">
+                <a16:creationId xmlns:a16="http://schemas.microsoft.com/office/drawing/2014/main" id="{BB5226F6-3517-1AEF-8155-EE54766ADB59}"/>
+              </a:ext>
+            </a:extLst>
+          </p:cNvPr>
+          <p:cNvCxnSpPr>
+            <a:cxnSpLocks/>
+            <a:stCxn id="6" idx="3"/>
+          </p:cNvCxnSpPr>
+          <p:nvPr/>
+        </p:nvCxnSpPr>
+        <p:spPr>
+          <a:xfrm>
+            <a:off x="8777863" y="5870710"/>
+            <a:ext cx="945038" cy="0"/>
+          </a:xfrm>
+          <a:prstGeom prst="line">
+            <a:avLst/>
+          </a:prstGeom>
+          <a:ln w="76200">
+            <a:solidFill>
+              <a:schemeClr val="tx1"/>
+            </a:solidFill>
+          </a:ln>
+        </p:spPr>
+        <p:style>
+          <a:lnRef idx="2">
+            <a:schemeClr val="accent1"/>
+          </a:lnRef>
+          <a:fillRef idx="0">
+            <a:schemeClr val="accent1"/>
+          </a:fillRef>
+          <a:effectRef idx="1">
+            <a:schemeClr val="accent1"/>
+          </a:effectRef>
+          <a:fontRef idx="minor">
+            <a:schemeClr val="tx1"/>
+          </a:fontRef>
+        </p:style>
+      </p:cxnSp>
+      <p:cxnSp>
+        <p:nvCxnSpPr>
+          <p:cNvPr id="75" name="直線コネクタ 74">
+            <a:extLst>
+              <a:ext uri="{FF2B5EF4-FFF2-40B4-BE49-F238E27FC236}">
+                <a16:creationId xmlns:a16="http://schemas.microsoft.com/office/drawing/2014/main" id="{A27DFFB4-E154-8886-0E15-E14A832158B8}"/>
+              </a:ext>
+            </a:extLst>
+          </p:cNvPr>
+          <p:cNvCxnSpPr>
+            <a:cxnSpLocks/>
+          </p:cNvCxnSpPr>
+          <p:nvPr/>
+        </p:nvCxnSpPr>
+        <p:spPr>
+          <a:xfrm flipV="1">
+            <a:off x="5573723" y="841699"/>
+            <a:ext cx="706667" cy="1"/>
+          </a:xfrm>
+          <a:prstGeom prst="line">
+            <a:avLst/>
+          </a:prstGeom>
+          <a:ln w="76200">
+            <a:solidFill>
+              <a:schemeClr val="tx1"/>
+            </a:solidFill>
+          </a:ln>
+        </p:spPr>
+        <p:style>
+          <a:lnRef idx="2">
+            <a:schemeClr val="accent1"/>
+          </a:lnRef>
+          <a:fillRef idx="0">
+            <a:schemeClr val="accent1"/>
+          </a:fillRef>
+          <a:effectRef idx="1">
+            <a:schemeClr val="accent1"/>
+          </a:effectRef>
+          <a:fontRef idx="minor">
+            <a:schemeClr val="tx1"/>
+          </a:fontRef>
+        </p:style>
+      </p:cxnSp>
+      <p:cxnSp>
+        <p:nvCxnSpPr>
+          <p:cNvPr id="77" name="直線矢印コネクタ 76">
+            <a:extLst>
+              <a:ext uri="{FF2B5EF4-FFF2-40B4-BE49-F238E27FC236}">
+                <a16:creationId xmlns:a16="http://schemas.microsoft.com/office/drawing/2014/main" id="{B4B2C22E-EA3E-F969-88E6-EB72D14007BB}"/>
+              </a:ext>
+            </a:extLst>
+          </p:cNvPr>
+          <p:cNvCxnSpPr>
+            <a:cxnSpLocks/>
+            <a:endCxn id="14" idx="1"/>
+          </p:cNvCxnSpPr>
+          <p:nvPr/>
+        </p:nvCxnSpPr>
+        <p:spPr>
+          <a:xfrm>
+            <a:off x="9734791" y="5193188"/>
+            <a:ext cx="729083" cy="1"/>
+          </a:xfrm>
+          <a:prstGeom prst="straightConnector1">
+            <a:avLst/>
+          </a:prstGeom>
+          <a:ln w="76200">
+            <a:solidFill>
+              <a:schemeClr val="tx1"/>
+            </a:solidFill>
+            <a:tailEnd type="triangle"/>
+          </a:ln>
+        </p:spPr>
+        <p:style>
+          <a:lnRef idx="2">
+            <a:schemeClr val="accent1"/>
+          </a:lnRef>
+          <a:fillRef idx="0">
+            <a:schemeClr val="accent1"/>
+          </a:fillRef>
+          <a:effectRef idx="1">
+            <a:schemeClr val="accent1"/>
+          </a:effectRef>
+          <a:fontRef idx="minor">
+            <a:schemeClr val="tx1"/>
+          </a:fontRef>
+        </p:style>
+      </p:cxnSp>
+      <p:cxnSp>
+        <p:nvCxnSpPr>
+          <p:cNvPr id="80" name="直線矢印コネクタ 79">
+            <a:extLst>
+              <a:ext uri="{FF2B5EF4-FFF2-40B4-BE49-F238E27FC236}">
+                <a16:creationId xmlns:a16="http://schemas.microsoft.com/office/drawing/2014/main" id="{4171699B-ACB0-3495-CE66-F968C2CD2320}"/>
+              </a:ext>
+            </a:extLst>
+          </p:cNvPr>
+          <p:cNvCxnSpPr>
+            <a:cxnSpLocks/>
+            <a:endCxn id="53" idx="1"/>
+          </p:cNvCxnSpPr>
+          <p:nvPr/>
+        </p:nvCxnSpPr>
+        <p:spPr>
+          <a:xfrm>
+            <a:off x="9772683" y="6322952"/>
+            <a:ext cx="691191" cy="1"/>
           </a:xfrm>
           <a:prstGeom prst="straightConnector1">
             <a:avLst/>

--- a/doc/02_外部設計/02_画面遷移図_B3ビーチサンダル.pptx
+++ b/doc/02_外部設計/02_画面遷移図_B3ビーチサンダル.pptx
@@ -116,6 +116,442 @@
 </p:presentation>
 </file>
 
+<file path=ppt/revisionInfo.xml><?xml version="1.0" encoding="utf-8"?>
+<p1510:revInfo xmlns:a="http://schemas.openxmlformats.org/drawingml/2006/main" xmlns:r="http://schemas.openxmlformats.org/officeDocument/2006/relationships" xmlns:p1510="http://schemas.microsoft.com/office/powerpoint/2015/10/main">
+  <p1510:revLst>
+    <p1510:client id="{D6AD4B78-D3D3-43F1-8D11-45233C0FC9E5}" v="14" dt="2024-06-14T13:41:35.832"/>
+  </p1510:revLst>
+</p1510:revInfo>
+</file>
+
+<file path=ppt/changesInfos/changesInfo1.xml><?xml version="1.0" encoding="utf-8"?>
+<pc:chgInfo xmlns:a="http://schemas.openxmlformats.org/drawingml/2006/main" xmlns:r="http://schemas.openxmlformats.org/officeDocument/2006/relationships" xmlns:ac="http://schemas.microsoft.com/office/drawing/2013/main/command" xmlns:pc="http://schemas.microsoft.com/office/powerpoint/2013/main/command">
+  <pc:docChgLst>
+    <pc:chgData name="四方康晴" userId="dd0275f8-a4bf-4e03-8b99-a8a68d080ceb" providerId="ADAL" clId="{D6AD4B78-D3D3-43F1-8D11-45233C0FC9E5}"/>
+    <pc:docChg chg="custSel modSld">
+      <pc:chgData name="四方康晴" userId="dd0275f8-a4bf-4e03-8b99-a8a68d080ceb" providerId="ADAL" clId="{D6AD4B78-D3D3-43F1-8D11-45233C0FC9E5}" dt="2024-06-14T13:42:31.456" v="188" actId="1076"/>
+      <pc:docMkLst>
+        <pc:docMk/>
+      </pc:docMkLst>
+      <pc:sldChg chg="modSp mod">
+        <pc:chgData name="四方康晴" userId="dd0275f8-a4bf-4e03-8b99-a8a68d080ceb" providerId="ADAL" clId="{D6AD4B78-D3D3-43F1-8D11-45233C0FC9E5}" dt="2024-06-13T08:39:17.520" v="131" actId="1076"/>
+        <pc:sldMkLst>
+          <pc:docMk/>
+          <pc:sldMk cId="127813784" sldId="258"/>
+        </pc:sldMkLst>
+        <pc:spChg chg="mod">
+          <ac:chgData name="四方康晴" userId="dd0275f8-a4bf-4e03-8b99-a8a68d080ceb" providerId="ADAL" clId="{D6AD4B78-D3D3-43F1-8D11-45233C0FC9E5}" dt="2024-06-13T08:39:17.520" v="131" actId="1076"/>
+          <ac:spMkLst>
+            <pc:docMk/>
+            <pc:sldMk cId="127813784" sldId="258"/>
+            <ac:spMk id="3" creationId="{72445148-C75B-6989-478E-ACD92422D1B7}"/>
+          </ac:spMkLst>
+        </pc:spChg>
+        <pc:spChg chg="mod">
+          <ac:chgData name="四方康晴" userId="dd0275f8-a4bf-4e03-8b99-a8a68d080ceb" providerId="ADAL" clId="{D6AD4B78-D3D3-43F1-8D11-45233C0FC9E5}" dt="2024-06-13T08:39:11.481" v="130" actId="20577"/>
+          <ac:spMkLst>
+            <pc:docMk/>
+            <pc:sldMk cId="127813784" sldId="258"/>
+            <ac:spMk id="4" creationId="{0CD06975-B911-4A76-9DB1-2F009EDCA208}"/>
+          </ac:spMkLst>
+        </pc:spChg>
+      </pc:sldChg>
+      <pc:sldChg chg="addSp delSp modSp mod">
+        <pc:chgData name="四方康晴" userId="dd0275f8-a4bf-4e03-8b99-a8a68d080ceb" providerId="ADAL" clId="{D6AD4B78-D3D3-43F1-8D11-45233C0FC9E5}" dt="2024-06-14T13:42:31.456" v="188" actId="1076"/>
+        <pc:sldMkLst>
+          <pc:docMk/>
+          <pc:sldMk cId="286418038" sldId="259"/>
+        </pc:sldMkLst>
+        <pc:spChg chg="mod">
+          <ac:chgData name="四方康晴" userId="dd0275f8-a4bf-4e03-8b99-a8a68d080ceb" providerId="ADAL" clId="{D6AD4B78-D3D3-43F1-8D11-45233C0FC9E5}" dt="2024-06-13T08:34:21.590" v="64" actId="1076"/>
+          <ac:spMkLst>
+            <pc:docMk/>
+            <pc:sldMk cId="286418038" sldId="259"/>
+            <ac:spMk id="4" creationId="{C2A1352A-06A9-18A3-8843-CFDFA30B8618}"/>
+          </ac:spMkLst>
+        </pc:spChg>
+        <pc:spChg chg="del mod">
+          <ac:chgData name="四方康晴" userId="dd0275f8-a4bf-4e03-8b99-a8a68d080ceb" providerId="ADAL" clId="{D6AD4B78-D3D3-43F1-8D11-45233C0FC9E5}" dt="2024-06-13T08:35:22.750" v="77" actId="478"/>
+          <ac:spMkLst>
+            <pc:docMk/>
+            <pc:sldMk cId="286418038" sldId="259"/>
+            <ac:spMk id="6" creationId="{0879CE3F-9018-5ACA-B502-AAF469EEA2C4}"/>
+          </ac:spMkLst>
+        </pc:spChg>
+        <pc:spChg chg="add mod">
+          <ac:chgData name="四方康晴" userId="dd0275f8-a4bf-4e03-8b99-a8a68d080ceb" providerId="ADAL" clId="{D6AD4B78-D3D3-43F1-8D11-45233C0FC9E5}" dt="2024-06-14T13:41:16.023" v="155" actId="1076"/>
+          <ac:spMkLst>
+            <pc:docMk/>
+            <pc:sldMk cId="286418038" sldId="259"/>
+            <ac:spMk id="6" creationId="{42D53C11-BFAE-9BBA-7C4F-2B56F9456AD5}"/>
+          </ac:spMkLst>
+        </pc:spChg>
+        <pc:spChg chg="mod">
+          <ac:chgData name="四方康晴" userId="dd0275f8-a4bf-4e03-8b99-a8a68d080ceb" providerId="ADAL" clId="{D6AD4B78-D3D3-43F1-8D11-45233C0FC9E5}" dt="2024-06-13T08:38:41.797" v="115" actId="1076"/>
+          <ac:spMkLst>
+            <pc:docMk/>
+            <pc:sldMk cId="286418038" sldId="259"/>
+            <ac:spMk id="7" creationId="{91B7091F-C787-2618-C904-A41732097579}"/>
+          </ac:spMkLst>
+        </pc:spChg>
+        <pc:spChg chg="mod">
+          <ac:chgData name="四方康晴" userId="dd0275f8-a4bf-4e03-8b99-a8a68d080ceb" providerId="ADAL" clId="{D6AD4B78-D3D3-43F1-8D11-45233C0FC9E5}" dt="2024-06-13T08:38:54.393" v="117" actId="1076"/>
+          <ac:spMkLst>
+            <pc:docMk/>
+            <pc:sldMk cId="286418038" sldId="259"/>
+            <ac:spMk id="9" creationId="{EAD2E8A8-D75C-FFD6-C091-BAFE95FCBC4F}"/>
+          </ac:spMkLst>
+        </pc:spChg>
+        <pc:spChg chg="mod">
+          <ac:chgData name="四方康晴" userId="dd0275f8-a4bf-4e03-8b99-a8a68d080ceb" providerId="ADAL" clId="{D6AD4B78-D3D3-43F1-8D11-45233C0FC9E5}" dt="2024-06-13T08:33:52.518" v="59" actId="1076"/>
+          <ac:spMkLst>
+            <pc:docMk/>
+            <pc:sldMk cId="286418038" sldId="259"/>
+            <ac:spMk id="10" creationId="{9A02AA60-7AA4-9ECD-B717-DB2E62AF862D}"/>
+          </ac:spMkLst>
+        </pc:spChg>
+        <pc:spChg chg="mod">
+          <ac:chgData name="四方康晴" userId="dd0275f8-a4bf-4e03-8b99-a8a68d080ceb" providerId="ADAL" clId="{D6AD4B78-D3D3-43F1-8D11-45233C0FC9E5}" dt="2024-06-13T08:34:25.575" v="65" actId="1076"/>
+          <ac:spMkLst>
+            <pc:docMk/>
+            <pc:sldMk cId="286418038" sldId="259"/>
+            <ac:spMk id="14" creationId="{CCB41D7C-ECE7-C7F5-F724-1CBE8D980D9D}"/>
+          </ac:spMkLst>
+        </pc:spChg>
+        <pc:spChg chg="add mod">
+          <ac:chgData name="四方康晴" userId="dd0275f8-a4bf-4e03-8b99-a8a68d080ceb" providerId="ADAL" clId="{D6AD4B78-D3D3-43F1-8D11-45233C0FC9E5}" dt="2024-06-13T08:37:47.782" v="110" actId="14100"/>
+          <ac:spMkLst>
+            <pc:docMk/>
+            <pc:sldMk cId="286418038" sldId="259"/>
+            <ac:spMk id="28" creationId="{271D03D2-530A-8727-1E44-B8D21CF2643E}"/>
+          </ac:spMkLst>
+        </pc:spChg>
+        <pc:spChg chg="add mod">
+          <ac:chgData name="四方康晴" userId="dd0275f8-a4bf-4e03-8b99-a8a68d080ceb" providerId="ADAL" clId="{D6AD4B78-D3D3-43F1-8D11-45233C0FC9E5}" dt="2024-06-13T08:37:47.782" v="110" actId="14100"/>
+          <ac:spMkLst>
+            <pc:docMk/>
+            <pc:sldMk cId="286418038" sldId="259"/>
+            <ac:spMk id="29" creationId="{B4541357-B962-0F90-6087-41A3693AC204}"/>
+          </ac:spMkLst>
+        </pc:spChg>
+        <pc:spChg chg="add mod">
+          <ac:chgData name="四方康晴" userId="dd0275f8-a4bf-4e03-8b99-a8a68d080ceb" providerId="ADAL" clId="{D6AD4B78-D3D3-43F1-8D11-45233C0FC9E5}" dt="2024-06-13T08:37:47.782" v="110" actId="14100"/>
+          <ac:spMkLst>
+            <pc:docMk/>
+            <pc:sldMk cId="286418038" sldId="259"/>
+            <ac:spMk id="30" creationId="{D703C903-2E24-7B4D-293F-057B58B532CF}"/>
+          </ac:spMkLst>
+        </pc:spChg>
+        <pc:spChg chg="add mod">
+          <ac:chgData name="四方康晴" userId="dd0275f8-a4bf-4e03-8b99-a8a68d080ceb" providerId="ADAL" clId="{D6AD4B78-D3D3-43F1-8D11-45233C0FC9E5}" dt="2024-06-14T00:12:01.980" v="152"/>
+          <ac:spMkLst>
+            <pc:docMk/>
+            <pc:sldMk cId="286418038" sldId="259"/>
+            <ac:spMk id="31" creationId="{84D2E1FB-7D88-A3E1-6DC2-D3A5185AF362}"/>
+          </ac:spMkLst>
+        </pc:spChg>
+        <pc:spChg chg="add mod">
+          <ac:chgData name="四方康晴" userId="dd0275f8-a4bf-4e03-8b99-a8a68d080ceb" providerId="ADAL" clId="{D6AD4B78-D3D3-43F1-8D11-45233C0FC9E5}" dt="2024-06-13T08:37:47.782" v="110" actId="14100"/>
+          <ac:spMkLst>
+            <pc:docMk/>
+            <pc:sldMk cId="286418038" sldId="259"/>
+            <ac:spMk id="32" creationId="{C664A5E5-2868-05E2-C0FB-4E05582A83DF}"/>
+          </ac:spMkLst>
+        </pc:spChg>
+        <pc:spChg chg="mod">
+          <ac:chgData name="四方康晴" userId="dd0275f8-a4bf-4e03-8b99-a8a68d080ceb" providerId="ADAL" clId="{D6AD4B78-D3D3-43F1-8D11-45233C0FC9E5}" dt="2024-06-13T08:34:32.279" v="66" actId="1076"/>
+          <ac:spMkLst>
+            <pc:docMk/>
+            <pc:sldMk cId="286418038" sldId="259"/>
+            <ac:spMk id="53" creationId="{D0568180-DE13-45E9-27A0-80012E7D4F97}"/>
+          </ac:spMkLst>
+        </pc:spChg>
+        <pc:spChg chg="mod">
+          <ac:chgData name="四方康晴" userId="dd0275f8-a4bf-4e03-8b99-a8a68d080ceb" providerId="ADAL" clId="{D6AD4B78-D3D3-43F1-8D11-45233C0FC9E5}" dt="2024-06-13T08:38:23.709" v="113" actId="1076"/>
+          <ac:spMkLst>
+            <pc:docMk/>
+            <pc:sldMk cId="286418038" sldId="259"/>
+            <ac:spMk id="96" creationId="{603706DD-1252-7FAB-FC50-E8B35D26D8E7}"/>
+          </ac:spMkLst>
+        </pc:spChg>
+        <pc:spChg chg="mod">
+          <ac:chgData name="四方康晴" userId="dd0275f8-a4bf-4e03-8b99-a8a68d080ceb" providerId="ADAL" clId="{D6AD4B78-D3D3-43F1-8D11-45233C0FC9E5}" dt="2024-06-13T08:38:23.709" v="113" actId="1076"/>
+          <ac:spMkLst>
+            <pc:docMk/>
+            <pc:sldMk cId="286418038" sldId="259"/>
+            <ac:spMk id="97" creationId="{C0D0F102-D118-FC46-5BC5-BA863D7E309A}"/>
+          </ac:spMkLst>
+        </pc:spChg>
+        <pc:spChg chg="mod">
+          <ac:chgData name="四方康晴" userId="dd0275f8-a4bf-4e03-8b99-a8a68d080ceb" providerId="ADAL" clId="{D6AD4B78-D3D3-43F1-8D11-45233C0FC9E5}" dt="2024-06-13T08:38:23.709" v="113" actId="1076"/>
+          <ac:spMkLst>
+            <pc:docMk/>
+            <pc:sldMk cId="286418038" sldId="259"/>
+            <ac:spMk id="98" creationId="{5550EF5A-E066-02DC-53E9-2713FF35D376}"/>
+          </ac:spMkLst>
+        </pc:spChg>
+        <pc:spChg chg="mod">
+          <ac:chgData name="四方康晴" userId="dd0275f8-a4bf-4e03-8b99-a8a68d080ceb" providerId="ADAL" clId="{D6AD4B78-D3D3-43F1-8D11-45233C0FC9E5}" dt="2024-06-13T08:38:23.709" v="113" actId="1076"/>
+          <ac:spMkLst>
+            <pc:docMk/>
+            <pc:sldMk cId="286418038" sldId="259"/>
+            <ac:spMk id="99" creationId="{61523031-1723-2D64-30A0-EA7AF2B2BCB4}"/>
+          </ac:spMkLst>
+        </pc:spChg>
+        <pc:spChg chg="mod">
+          <ac:chgData name="四方康晴" userId="dd0275f8-a4bf-4e03-8b99-a8a68d080ceb" providerId="ADAL" clId="{D6AD4B78-D3D3-43F1-8D11-45233C0FC9E5}" dt="2024-06-14T13:42:20.993" v="186" actId="1076"/>
+          <ac:spMkLst>
+            <pc:docMk/>
+            <pc:sldMk cId="286418038" sldId="259"/>
+            <ac:spMk id="100" creationId="{26BE747D-1789-BAB7-A3B5-0C06A4BE1D5D}"/>
+          </ac:spMkLst>
+        </pc:spChg>
+        <pc:spChg chg="mod">
+          <ac:chgData name="四方康晴" userId="dd0275f8-a4bf-4e03-8b99-a8a68d080ceb" providerId="ADAL" clId="{D6AD4B78-D3D3-43F1-8D11-45233C0FC9E5}" dt="2024-06-13T08:38:23.709" v="113" actId="1076"/>
+          <ac:spMkLst>
+            <pc:docMk/>
+            <pc:sldMk cId="286418038" sldId="259"/>
+            <ac:spMk id="101" creationId="{F67EE588-F330-62D5-0CC8-73770AA4B2A2}"/>
+          </ac:spMkLst>
+        </pc:spChg>
+        <pc:spChg chg="mod">
+          <ac:chgData name="四方康晴" userId="dd0275f8-a4bf-4e03-8b99-a8a68d080ceb" providerId="ADAL" clId="{D6AD4B78-D3D3-43F1-8D11-45233C0FC9E5}" dt="2024-06-14T13:41:05.866" v="153" actId="1076"/>
+          <ac:spMkLst>
+            <pc:docMk/>
+            <pc:sldMk cId="286418038" sldId="259"/>
+            <ac:spMk id="145" creationId="{0CE54ACA-9F8D-4DCC-2CD2-147EF7A3186B}"/>
+          </ac:spMkLst>
+        </pc:spChg>
+        <pc:cxnChg chg="mod">
+          <ac:chgData name="四方康晴" userId="dd0275f8-a4bf-4e03-8b99-a8a68d080ceb" providerId="ADAL" clId="{D6AD4B78-D3D3-43F1-8D11-45233C0FC9E5}" dt="2024-06-14T13:42:31.456" v="188" actId="1076"/>
+          <ac:cxnSpMkLst>
+            <pc:docMk/>
+            <pc:sldMk cId="286418038" sldId="259"/>
+            <ac:cxnSpMk id="15" creationId="{D205201F-8D03-9DBB-A40F-E8B54314F327}"/>
+          </ac:cxnSpMkLst>
+        </pc:cxnChg>
+        <pc:cxnChg chg="add mod">
+          <ac:chgData name="四方康晴" userId="dd0275f8-a4bf-4e03-8b99-a8a68d080ceb" providerId="ADAL" clId="{D6AD4B78-D3D3-43F1-8D11-45233C0FC9E5}" dt="2024-06-13T08:37:47.782" v="110" actId="14100"/>
+          <ac:cxnSpMkLst>
+            <pc:docMk/>
+            <pc:sldMk cId="286418038" sldId="259"/>
+            <ac:cxnSpMk id="27" creationId="{AC4912D4-AA5D-0FFC-1234-2A43F693CC3E}"/>
+          </ac:cxnSpMkLst>
+        </pc:cxnChg>
+        <pc:cxnChg chg="add mod">
+          <ac:chgData name="四方康晴" userId="dd0275f8-a4bf-4e03-8b99-a8a68d080ceb" providerId="ADAL" clId="{D6AD4B78-D3D3-43F1-8D11-45233C0FC9E5}" dt="2024-06-13T08:37:47.782" v="110" actId="14100"/>
+          <ac:cxnSpMkLst>
+            <pc:docMk/>
+            <pc:sldMk cId="286418038" sldId="259"/>
+            <ac:cxnSpMk id="34" creationId="{86DB8F07-49AF-A642-4C57-1C1682A0A70E}"/>
+          </ac:cxnSpMkLst>
+        </pc:cxnChg>
+        <pc:cxnChg chg="add mod">
+          <ac:chgData name="四方康晴" userId="dd0275f8-a4bf-4e03-8b99-a8a68d080ceb" providerId="ADAL" clId="{D6AD4B78-D3D3-43F1-8D11-45233C0FC9E5}" dt="2024-06-13T08:38:41.797" v="115" actId="1076"/>
+          <ac:cxnSpMkLst>
+            <pc:docMk/>
+            <pc:sldMk cId="286418038" sldId="259"/>
+            <ac:cxnSpMk id="36" creationId="{9842DCEF-CDCF-888C-015C-4997EE23D6D6}"/>
+          </ac:cxnSpMkLst>
+        </pc:cxnChg>
+        <pc:cxnChg chg="add mod">
+          <ac:chgData name="四方康晴" userId="dd0275f8-a4bf-4e03-8b99-a8a68d080ceb" providerId="ADAL" clId="{D6AD4B78-D3D3-43F1-8D11-45233C0FC9E5}" dt="2024-06-13T08:37:47.782" v="110" actId="14100"/>
+          <ac:cxnSpMkLst>
+            <pc:docMk/>
+            <pc:sldMk cId="286418038" sldId="259"/>
+            <ac:cxnSpMk id="37" creationId="{9ACD793B-061B-E42B-9ECC-781DC1805E7D}"/>
+          </ac:cxnSpMkLst>
+        </pc:cxnChg>
+        <pc:cxnChg chg="add mod">
+          <ac:chgData name="四方康晴" userId="dd0275f8-a4bf-4e03-8b99-a8a68d080ceb" providerId="ADAL" clId="{D6AD4B78-D3D3-43F1-8D11-45233C0FC9E5}" dt="2024-06-13T08:37:47.782" v="110" actId="14100"/>
+          <ac:cxnSpMkLst>
+            <pc:docMk/>
+            <pc:sldMk cId="286418038" sldId="259"/>
+            <ac:cxnSpMk id="39" creationId="{DFDCD492-9686-139D-085D-FC86D89E627F}"/>
+          </ac:cxnSpMkLst>
+        </pc:cxnChg>
+        <pc:cxnChg chg="add mod">
+          <ac:chgData name="四方康晴" userId="dd0275f8-a4bf-4e03-8b99-a8a68d080ceb" providerId="ADAL" clId="{D6AD4B78-D3D3-43F1-8D11-45233C0FC9E5}" dt="2024-06-13T08:37:47.782" v="110" actId="14100"/>
+          <ac:cxnSpMkLst>
+            <pc:docMk/>
+            <pc:sldMk cId="286418038" sldId="259"/>
+            <ac:cxnSpMk id="40" creationId="{0B42E0E2-10B2-BB6D-6FE2-1511160168F9}"/>
+          </ac:cxnSpMkLst>
+        </pc:cxnChg>
+        <pc:cxnChg chg="del">
+          <ac:chgData name="四方康晴" userId="dd0275f8-a4bf-4e03-8b99-a8a68d080ceb" providerId="ADAL" clId="{D6AD4B78-D3D3-43F1-8D11-45233C0FC9E5}" dt="2024-06-13T08:34:35.443" v="67" actId="478"/>
+          <ac:cxnSpMkLst>
+            <pc:docMk/>
+            <pc:sldMk cId="286418038" sldId="259"/>
+            <ac:cxnSpMk id="45" creationId="{CB7C9715-0B12-979E-31DB-C24877E5A252}"/>
+          </ac:cxnSpMkLst>
+        </pc:cxnChg>
+        <pc:cxnChg chg="add del mod">
+          <ac:chgData name="四方康晴" userId="dd0275f8-a4bf-4e03-8b99-a8a68d080ceb" providerId="ADAL" clId="{D6AD4B78-D3D3-43F1-8D11-45233C0FC9E5}" dt="2024-06-13T08:38:16.226" v="112" actId="478"/>
+          <ac:cxnSpMkLst>
+            <pc:docMk/>
+            <pc:sldMk cId="286418038" sldId="259"/>
+            <ac:cxnSpMk id="46" creationId="{ED6E1487-758E-DE58-D6B3-904D032D7947}"/>
+          </ac:cxnSpMkLst>
+        </pc:cxnChg>
+        <pc:cxnChg chg="add del mod">
+          <ac:chgData name="四方康晴" userId="dd0275f8-a4bf-4e03-8b99-a8a68d080ceb" providerId="ADAL" clId="{D6AD4B78-D3D3-43F1-8D11-45233C0FC9E5}" dt="2024-06-13T08:38:08.927" v="111" actId="478"/>
+          <ac:cxnSpMkLst>
+            <pc:docMk/>
+            <pc:sldMk cId="286418038" sldId="259"/>
+            <ac:cxnSpMk id="50" creationId="{6FE9B501-6587-AE6C-DDF8-554EC383FBAD}"/>
+          </ac:cxnSpMkLst>
+        </pc:cxnChg>
+        <pc:cxnChg chg="add del mod">
+          <ac:chgData name="四方康晴" userId="dd0275f8-a4bf-4e03-8b99-a8a68d080ceb" providerId="ADAL" clId="{D6AD4B78-D3D3-43F1-8D11-45233C0FC9E5}" dt="2024-06-13T08:05:19.734" v="55" actId="478"/>
+          <ac:cxnSpMkLst>
+            <pc:docMk/>
+            <pc:sldMk cId="286418038" sldId="259"/>
+            <ac:cxnSpMk id="51" creationId="{F678D9E3-AAF8-9F81-5744-19B528557E69}"/>
+          </ac:cxnSpMkLst>
+        </pc:cxnChg>
+        <pc:cxnChg chg="mod">
+          <ac:chgData name="四方康晴" userId="dd0275f8-a4bf-4e03-8b99-a8a68d080ceb" providerId="ADAL" clId="{D6AD4B78-D3D3-43F1-8D11-45233C0FC9E5}" dt="2024-06-13T08:35:17.203" v="76" actId="14100"/>
+          <ac:cxnSpMkLst>
+            <pc:docMk/>
+            <pc:sldMk cId="286418038" sldId="259"/>
+            <ac:cxnSpMk id="56" creationId="{355EC24B-C516-8649-B018-8E252ABA5B22}"/>
+          </ac:cxnSpMkLst>
+        </pc:cxnChg>
+        <pc:cxnChg chg="mod">
+          <ac:chgData name="四方康晴" userId="dd0275f8-a4bf-4e03-8b99-a8a68d080ceb" providerId="ADAL" clId="{D6AD4B78-D3D3-43F1-8D11-45233C0FC9E5}" dt="2024-06-13T08:33:52.518" v="59" actId="1076"/>
+          <ac:cxnSpMkLst>
+            <pc:docMk/>
+            <pc:sldMk cId="286418038" sldId="259"/>
+            <ac:cxnSpMk id="59" creationId="{F93017CA-458D-3481-2CE2-3B5E1EDD7D88}"/>
+          </ac:cxnSpMkLst>
+        </pc:cxnChg>
+        <pc:cxnChg chg="add mod">
+          <ac:chgData name="四方康晴" userId="dd0275f8-a4bf-4e03-8b99-a8a68d080ceb" providerId="ADAL" clId="{D6AD4B78-D3D3-43F1-8D11-45233C0FC9E5}" dt="2024-06-13T08:35:42.513" v="84" actId="14100"/>
+          <ac:cxnSpMkLst>
+            <pc:docMk/>
+            <pc:sldMk cId="286418038" sldId="259"/>
+            <ac:cxnSpMk id="64" creationId="{D2B6AE62-AAF1-4B82-CA64-762AE8F58305}"/>
+          </ac:cxnSpMkLst>
+        </pc:cxnChg>
+        <pc:cxnChg chg="mod">
+          <ac:chgData name="四方康晴" userId="dd0275f8-a4bf-4e03-8b99-a8a68d080ceb" providerId="ADAL" clId="{D6AD4B78-D3D3-43F1-8D11-45233C0FC9E5}" dt="2024-06-13T08:38:41.797" v="115" actId="1076"/>
+          <ac:cxnSpMkLst>
+            <pc:docMk/>
+            <pc:sldMk cId="286418038" sldId="259"/>
+            <ac:cxnSpMk id="65" creationId="{77C590C0-AD9F-D222-F241-1C0AFBE77CDD}"/>
+          </ac:cxnSpMkLst>
+        </pc:cxnChg>
+        <pc:cxnChg chg="mod">
+          <ac:chgData name="四方康晴" userId="dd0275f8-a4bf-4e03-8b99-a8a68d080ceb" providerId="ADAL" clId="{D6AD4B78-D3D3-43F1-8D11-45233C0FC9E5}" dt="2024-06-13T08:34:21.590" v="64" actId="1076"/>
+          <ac:cxnSpMkLst>
+            <pc:docMk/>
+            <pc:sldMk cId="286418038" sldId="259"/>
+            <ac:cxnSpMk id="66" creationId="{DC6A031A-9C04-FDCA-5842-FBECE415D7B7}"/>
+          </ac:cxnSpMkLst>
+        </pc:cxnChg>
+        <pc:cxnChg chg="del mod">
+          <ac:chgData name="四方康晴" userId="dd0275f8-a4bf-4e03-8b99-a8a68d080ceb" providerId="ADAL" clId="{D6AD4B78-D3D3-43F1-8D11-45233C0FC9E5}" dt="2024-06-13T08:35:23.907" v="78" actId="478"/>
+          <ac:cxnSpMkLst>
+            <pc:docMk/>
+            <pc:sldMk cId="286418038" sldId="259"/>
+            <ac:cxnSpMk id="67" creationId="{3B49C97C-7880-623B-EC33-5E72F81F400B}"/>
+          </ac:cxnSpMkLst>
+        </pc:cxnChg>
+        <pc:cxnChg chg="del mod">
+          <ac:chgData name="四方康晴" userId="dd0275f8-a4bf-4e03-8b99-a8a68d080ceb" providerId="ADAL" clId="{D6AD4B78-D3D3-43F1-8D11-45233C0FC9E5}" dt="2024-06-13T08:34:52.707" v="70" actId="478"/>
+          <ac:cxnSpMkLst>
+            <pc:docMk/>
+            <pc:sldMk cId="286418038" sldId="259"/>
+            <ac:cxnSpMk id="68" creationId="{BB5226F6-3517-1AEF-8155-EE54766ADB59}"/>
+          </ac:cxnSpMkLst>
+        </pc:cxnChg>
+        <pc:cxnChg chg="mod">
+          <ac:chgData name="四方康晴" userId="dd0275f8-a4bf-4e03-8b99-a8a68d080ceb" providerId="ADAL" clId="{D6AD4B78-D3D3-43F1-8D11-45233C0FC9E5}" dt="2024-06-13T08:38:54.393" v="117" actId="1076"/>
+          <ac:cxnSpMkLst>
+            <pc:docMk/>
+            <pc:sldMk cId="286418038" sldId="259"/>
+            <ac:cxnSpMk id="74" creationId="{48C2E402-F901-882D-48BA-5B3BA6383359}"/>
+          </ac:cxnSpMkLst>
+        </pc:cxnChg>
+        <pc:cxnChg chg="mod">
+          <ac:chgData name="四方康晴" userId="dd0275f8-a4bf-4e03-8b99-a8a68d080ceb" providerId="ADAL" clId="{D6AD4B78-D3D3-43F1-8D11-45233C0FC9E5}" dt="2024-06-14T13:42:27.514" v="187" actId="1076"/>
+          <ac:cxnSpMkLst>
+            <pc:docMk/>
+            <pc:sldMk cId="286418038" sldId="259"/>
+            <ac:cxnSpMk id="75" creationId="{A27DFFB4-E154-8886-0E15-E14A832158B8}"/>
+          </ac:cxnSpMkLst>
+        </pc:cxnChg>
+        <pc:cxnChg chg="mod">
+          <ac:chgData name="四方康晴" userId="dd0275f8-a4bf-4e03-8b99-a8a68d080ceb" providerId="ADAL" clId="{D6AD4B78-D3D3-43F1-8D11-45233C0FC9E5}" dt="2024-06-13T08:34:46.803" v="68" actId="14100"/>
+          <ac:cxnSpMkLst>
+            <pc:docMk/>
+            <pc:sldMk cId="286418038" sldId="259"/>
+            <ac:cxnSpMk id="77" creationId="{B4B2C22E-EA3E-F969-88E6-EB72D14007BB}"/>
+          </ac:cxnSpMkLst>
+        </pc:cxnChg>
+        <pc:cxnChg chg="mod">
+          <ac:chgData name="四方康晴" userId="dd0275f8-a4bf-4e03-8b99-a8a68d080ceb" providerId="ADAL" clId="{D6AD4B78-D3D3-43F1-8D11-45233C0FC9E5}" dt="2024-06-13T08:35:12.294" v="75" actId="14100"/>
+          <ac:cxnSpMkLst>
+            <pc:docMk/>
+            <pc:sldMk cId="286418038" sldId="259"/>
+            <ac:cxnSpMk id="80" creationId="{4171699B-ACB0-3495-CE66-F968C2CD2320}"/>
+          </ac:cxnSpMkLst>
+        </pc:cxnChg>
+        <pc:cxnChg chg="mod">
+          <ac:chgData name="四方康晴" userId="dd0275f8-a4bf-4e03-8b99-a8a68d080ceb" providerId="ADAL" clId="{D6AD4B78-D3D3-43F1-8D11-45233C0FC9E5}" dt="2024-06-13T08:38:23.709" v="113" actId="1076"/>
+          <ac:cxnSpMkLst>
+            <pc:docMk/>
+            <pc:sldMk cId="286418038" sldId="259"/>
+            <ac:cxnSpMk id="93" creationId="{2ED59C4D-5331-DA72-065A-FC6DA524F72F}"/>
+          </ac:cxnSpMkLst>
+        </pc:cxnChg>
+        <pc:cxnChg chg="mod">
+          <ac:chgData name="四方康晴" userId="dd0275f8-a4bf-4e03-8b99-a8a68d080ceb" providerId="ADAL" clId="{D6AD4B78-D3D3-43F1-8D11-45233C0FC9E5}" dt="2024-06-13T08:38:23.709" v="113" actId="1076"/>
+          <ac:cxnSpMkLst>
+            <pc:docMk/>
+            <pc:sldMk cId="286418038" sldId="259"/>
+            <ac:cxnSpMk id="104" creationId="{F6879CFC-F19B-4981-F0A8-7CBE423D53BE}"/>
+          </ac:cxnSpMkLst>
+        </pc:cxnChg>
+        <pc:cxnChg chg="mod">
+          <ac:chgData name="四方康晴" userId="dd0275f8-a4bf-4e03-8b99-a8a68d080ceb" providerId="ADAL" clId="{D6AD4B78-D3D3-43F1-8D11-45233C0FC9E5}" dt="2024-06-13T08:38:23.709" v="113" actId="1076"/>
+          <ac:cxnSpMkLst>
+            <pc:docMk/>
+            <pc:sldMk cId="286418038" sldId="259"/>
+            <ac:cxnSpMk id="110" creationId="{444646F4-A85B-4B3F-5C67-34E8665AFCB1}"/>
+          </ac:cxnSpMkLst>
+        </pc:cxnChg>
+        <pc:cxnChg chg="mod">
+          <ac:chgData name="四方康晴" userId="dd0275f8-a4bf-4e03-8b99-a8a68d080ceb" providerId="ADAL" clId="{D6AD4B78-D3D3-43F1-8D11-45233C0FC9E5}" dt="2024-06-13T08:38:23.709" v="113" actId="1076"/>
+          <ac:cxnSpMkLst>
+            <pc:docMk/>
+            <pc:sldMk cId="286418038" sldId="259"/>
+            <ac:cxnSpMk id="114" creationId="{85547CFC-04E3-A795-1C0C-5EF0E936C19B}"/>
+          </ac:cxnSpMkLst>
+        </pc:cxnChg>
+        <pc:cxnChg chg="mod">
+          <ac:chgData name="四方康晴" userId="dd0275f8-a4bf-4e03-8b99-a8a68d080ceb" providerId="ADAL" clId="{D6AD4B78-D3D3-43F1-8D11-45233C0FC9E5}" dt="2024-06-13T08:38:54.393" v="117" actId="1076"/>
+          <ac:cxnSpMkLst>
+            <pc:docMk/>
+            <pc:sldMk cId="286418038" sldId="259"/>
+            <ac:cxnSpMk id="115" creationId="{CE5445EB-EF90-40EC-A4AC-F2A41BD19C65}"/>
+          </ac:cxnSpMkLst>
+        </pc:cxnChg>
+        <pc:cxnChg chg="mod">
+          <ac:chgData name="四方康晴" userId="dd0275f8-a4bf-4e03-8b99-a8a68d080ceb" providerId="ADAL" clId="{D6AD4B78-D3D3-43F1-8D11-45233C0FC9E5}" dt="2024-06-13T08:38:23.709" v="113" actId="1076"/>
+          <ac:cxnSpMkLst>
+            <pc:docMk/>
+            <pc:sldMk cId="286418038" sldId="259"/>
+            <ac:cxnSpMk id="116" creationId="{B523D9CF-69D1-BECC-8481-F586EAF87FC9}"/>
+          </ac:cxnSpMkLst>
+        </pc:cxnChg>
+      </pc:sldChg>
+    </pc:docChg>
+  </pc:docChgLst>
+</pc:chgInfo>
+</file>
+
 <file path=ppt/slideLayouts/slideLayout1.xml><?xml version="1.0" encoding="utf-8"?>
 <p:sldLayout xmlns:a="http://schemas.openxmlformats.org/drawingml/2006/main" xmlns:r="http://schemas.openxmlformats.org/officeDocument/2006/relationships" xmlns:p="http://schemas.openxmlformats.org/presentationml/2006/main" type="title" preserve="1">
   <p:cSld name="タイトル スライド">
@@ -263,7 +699,7 @@
           <a:p>
             <a:fld id="{2BE9DDC8-688C-4E91-B391-6CD86234E750}" type="datetimeFigureOut">
               <a:rPr kumimoji="1" lang="ja-JP" altLang="en-US" smtClean="0"/>
-              <a:t>2024/6/13</a:t>
+              <a:t>2024/6/14</a:t>
             </a:fld>
             <a:endParaRPr kumimoji="1" lang="ja-JP" altLang="en-US"/>
           </a:p>
@@ -493,7 +929,7 @@
           <a:p>
             <a:fld id="{2BE9DDC8-688C-4E91-B391-6CD86234E750}" type="datetimeFigureOut">
               <a:rPr kumimoji="1" lang="ja-JP" altLang="en-US" smtClean="0"/>
-              <a:t>2024/6/13</a:t>
+              <a:t>2024/6/14</a:t>
             </a:fld>
             <a:endParaRPr kumimoji="1" lang="ja-JP" altLang="en-US"/>
           </a:p>
@@ -733,7 +1169,7 @@
           <a:p>
             <a:fld id="{2BE9DDC8-688C-4E91-B391-6CD86234E750}" type="datetimeFigureOut">
               <a:rPr kumimoji="1" lang="ja-JP" altLang="en-US" smtClean="0"/>
-              <a:t>2024/6/13</a:t>
+              <a:t>2024/6/14</a:t>
             </a:fld>
             <a:endParaRPr kumimoji="1" lang="ja-JP" altLang="en-US"/>
           </a:p>
@@ -963,7 +1399,7 @@
           <a:p>
             <a:fld id="{2BE9DDC8-688C-4E91-B391-6CD86234E750}" type="datetimeFigureOut">
               <a:rPr kumimoji="1" lang="ja-JP" altLang="en-US" smtClean="0"/>
-              <a:t>2024/6/13</a:t>
+              <a:t>2024/6/14</a:t>
             </a:fld>
             <a:endParaRPr kumimoji="1" lang="ja-JP" altLang="en-US"/>
           </a:p>
@@ -1238,7 +1674,7 @@
           <a:p>
             <a:fld id="{2BE9DDC8-688C-4E91-B391-6CD86234E750}" type="datetimeFigureOut">
               <a:rPr kumimoji="1" lang="ja-JP" altLang="en-US" smtClean="0"/>
-              <a:t>2024/6/13</a:t>
+              <a:t>2024/6/14</a:t>
             </a:fld>
             <a:endParaRPr kumimoji="1" lang="ja-JP" altLang="en-US"/>
           </a:p>
@@ -1567,7 +2003,7 @@
           <a:p>
             <a:fld id="{2BE9DDC8-688C-4E91-B391-6CD86234E750}" type="datetimeFigureOut">
               <a:rPr kumimoji="1" lang="ja-JP" altLang="en-US" smtClean="0"/>
-              <a:t>2024/6/13</a:t>
+              <a:t>2024/6/14</a:t>
             </a:fld>
             <a:endParaRPr kumimoji="1" lang="ja-JP" altLang="en-US"/>
           </a:p>
@@ -2043,7 +2479,7 @@
           <a:p>
             <a:fld id="{2BE9DDC8-688C-4E91-B391-6CD86234E750}" type="datetimeFigureOut">
               <a:rPr kumimoji="1" lang="ja-JP" altLang="en-US" smtClean="0"/>
-              <a:t>2024/6/13</a:t>
+              <a:t>2024/6/14</a:t>
             </a:fld>
             <a:endParaRPr kumimoji="1" lang="ja-JP" altLang="en-US"/>
           </a:p>
@@ -2184,7 +2620,7 @@
           <a:p>
             <a:fld id="{2BE9DDC8-688C-4E91-B391-6CD86234E750}" type="datetimeFigureOut">
               <a:rPr kumimoji="1" lang="ja-JP" altLang="en-US" smtClean="0"/>
-              <a:t>2024/6/13</a:t>
+              <a:t>2024/6/14</a:t>
             </a:fld>
             <a:endParaRPr kumimoji="1" lang="ja-JP" altLang="en-US"/>
           </a:p>
@@ -2297,7 +2733,7 @@
           <a:p>
             <a:fld id="{2BE9DDC8-688C-4E91-B391-6CD86234E750}" type="datetimeFigureOut">
               <a:rPr kumimoji="1" lang="ja-JP" altLang="en-US" smtClean="0"/>
-              <a:t>2024/6/13</a:t>
+              <a:t>2024/6/14</a:t>
             </a:fld>
             <a:endParaRPr kumimoji="1" lang="ja-JP" altLang="en-US"/>
           </a:p>
@@ -2640,7 +3076,7 @@
           <a:p>
             <a:fld id="{2BE9DDC8-688C-4E91-B391-6CD86234E750}" type="datetimeFigureOut">
               <a:rPr kumimoji="1" lang="ja-JP" altLang="en-US" smtClean="0"/>
-              <a:t>2024/6/13</a:t>
+              <a:t>2024/6/14</a:t>
             </a:fld>
             <a:endParaRPr kumimoji="1" lang="ja-JP" altLang="en-US"/>
           </a:p>
@@ -2928,7 +3364,7 @@
           <a:p>
             <a:fld id="{2BE9DDC8-688C-4E91-B391-6CD86234E750}" type="datetimeFigureOut">
               <a:rPr kumimoji="1" lang="ja-JP" altLang="en-US" smtClean="0"/>
-              <a:t>2024/6/13</a:t>
+              <a:t>2024/6/14</a:t>
             </a:fld>
             <a:endParaRPr kumimoji="1" lang="ja-JP" altLang="en-US"/>
           </a:p>
@@ -3201,7 +3637,7 @@
           <a:p>
             <a:fld id="{2BE9DDC8-688C-4E91-B391-6CD86234E750}" type="datetimeFigureOut">
               <a:rPr kumimoji="1" lang="ja-JP" altLang="en-US" smtClean="0"/>
-              <a:t>2024/6/13</a:t>
+              <a:t>2024/6/14</a:t>
             </a:fld>
             <a:endParaRPr kumimoji="1" lang="ja-JP" altLang="en-US"/>
           </a:p>
@@ -3875,8 +4311,8 @@
         </p:nvSpPr>
         <p:spPr>
           <a:xfrm>
-            <a:off x="6096000" y="513169"/>
-            <a:ext cx="5775158" cy="5831661"/>
+            <a:off x="6096000" y="1340773"/>
+            <a:ext cx="5775158" cy="5000664"/>
           </a:xfrm>
           <a:prstGeom prst="rect">
             <a:avLst/>
@@ -3943,10 +4379,10 @@
               </a:lnSpc>
             </a:pPr>
             <a:r>
-              <a:rPr lang="ja-JP" altLang="en-US" sz="3600" dirty="0"/>
-              <a:t>１１．式後対応</a:t>
-            </a:r>
-            <a:endParaRPr lang="en-US" altLang="ja-JP" sz="3600" dirty="0"/>
+              <a:rPr kumimoji="1" lang="ja-JP" altLang="en-US" sz="3600" dirty="0"/>
+              <a:t>１１．式後アンケート</a:t>
+            </a:r>
+            <a:endParaRPr kumimoji="1" lang="en-US" altLang="ja-JP" sz="3600" dirty="0"/>
           </a:p>
           <a:p>
             <a:pPr>
@@ -3955,20 +4391,8 @@
               </a:lnSpc>
             </a:pPr>
             <a:r>
-              <a:rPr kumimoji="1" lang="ja-JP" altLang="en-US" sz="3600" dirty="0"/>
-              <a:t>１２．式後アンケート</a:t>
-            </a:r>
-            <a:endParaRPr kumimoji="1" lang="en-US" altLang="ja-JP" sz="3600" dirty="0"/>
-          </a:p>
-          <a:p>
-            <a:pPr>
-              <a:lnSpc>
-                <a:spcPct val="150000"/>
-              </a:lnSpc>
-            </a:pPr>
-            <a:r>
               <a:rPr lang="ja-JP" altLang="en-US" sz="3600" dirty="0"/>
-              <a:t>１３．報告書</a:t>
+              <a:t>１２．報告書</a:t>
             </a:r>
             <a:endParaRPr kumimoji="1" lang="ja-JP" altLang="en-US" sz="3600" dirty="0"/>
           </a:p>
@@ -4051,7 +4475,7 @@
                 <a:ea typeface="游ゴシック" panose="020B0400000000000000" pitchFamily="50" charset="-128"/>
                 <a:cs typeface="+mn-cs"/>
               </a:rPr>
-              <a:t>13</a:t>
+              <a:t>12</a:t>
             </a:r>
             <a:r>
               <a:rPr kumimoji="1" lang="ja-JP" altLang="en-US" sz="3600" b="0" i="0" u="none" strike="noStrike" kern="1200" cap="none" spc="0" normalizeH="0" baseline="0" noProof="0" dirty="0">
@@ -7081,7 +7505,7 @@
         </p:nvSpPr>
         <p:spPr>
           <a:xfrm>
-            <a:off x="7061358" y="4198242"/>
+            <a:off x="7009321" y="3382071"/>
             <a:ext cx="1716505" cy="1026695"/>
           </a:xfrm>
           <a:prstGeom prst="roundRect">
@@ -7146,10 +7570,10 @@
       </p:sp>
       <p:sp>
         <p:nvSpPr>
-          <p:cNvPr id="6" name="四角形: 角を丸くする 5">
-            <a:extLst>
-              <a:ext uri="{FF2B5EF4-FFF2-40B4-BE49-F238E27FC236}">
-                <a16:creationId xmlns:a16="http://schemas.microsoft.com/office/drawing/2014/main" id="{0879CE3F-9018-5ACA-B502-AAF469EEA2C4}"/>
+          <p:cNvPr id="7" name="四角形: 角を丸くする 6">
+            <a:extLst>
+              <a:ext uri="{FF2B5EF4-FFF2-40B4-BE49-F238E27FC236}">
+                <a16:creationId xmlns:a16="http://schemas.microsoft.com/office/drawing/2014/main" id="{91B7091F-C787-2618-C904-A41732097579}"/>
               </a:ext>
             </a:extLst>
           </p:cNvPr>
@@ -7158,7 +7582,7 @@
         </p:nvSpPr>
         <p:spPr>
           <a:xfrm>
-            <a:off x="7061358" y="5357362"/>
+            <a:off x="6997338" y="2323735"/>
             <a:ext cx="1716505" cy="1026695"/>
           </a:xfrm>
           <a:prstGeom prst="roundRect">
@@ -7196,7 +7620,7 @@
                   <a:sysClr val="windowText" lastClr="000000"/>
                 </a:solidFill>
               </a:rPr>
-              <a:t>１１．</a:t>
+              <a:t>９．</a:t>
             </a:r>
             <a:endParaRPr lang="en-US" altLang="ja-JP" dirty="0">
               <a:solidFill>
@@ -7211,9 +7635,9 @@
                   <a:sysClr val="windowText" lastClr="000000"/>
                 </a:solidFill>
               </a:rPr>
-              <a:t>式後対応</a:t>
-            </a:r>
-            <a:endParaRPr lang="en-US" altLang="ja-JP" dirty="0">
+              <a:t>発注リスト</a:t>
+            </a:r>
+            <a:endParaRPr kumimoji="1" lang="ja-JP" altLang="en-US" dirty="0">
               <a:solidFill>
                 <a:sysClr val="windowText" lastClr="000000"/>
               </a:solidFill>
@@ -7223,10 +7647,10 @@
       </p:sp>
       <p:sp>
         <p:nvSpPr>
-          <p:cNvPr id="7" name="四角形: 角を丸くする 6">
-            <a:extLst>
-              <a:ext uri="{FF2B5EF4-FFF2-40B4-BE49-F238E27FC236}">
-                <a16:creationId xmlns:a16="http://schemas.microsoft.com/office/drawing/2014/main" id="{91B7091F-C787-2618-C904-A41732097579}"/>
+          <p:cNvPr id="8" name="四角形: 角を丸くする 7">
+            <a:extLst>
+              <a:ext uri="{FF2B5EF4-FFF2-40B4-BE49-F238E27FC236}">
+                <a16:creationId xmlns:a16="http://schemas.microsoft.com/office/drawing/2014/main" id="{CBC601E6-599C-BD27-A2BA-A95CB23CDC89}"/>
               </a:ext>
             </a:extLst>
           </p:cNvPr>
@@ -7235,7 +7659,7 @@
         </p:nvSpPr>
         <p:spPr>
           <a:xfrm>
-            <a:off x="7073248" y="3039122"/>
+            <a:off x="481262" y="2683582"/>
             <a:ext cx="1716505" cy="1026695"/>
           </a:xfrm>
           <a:prstGeom prst="roundRect">
@@ -7273,7 +7697,7 @@
                   <a:sysClr val="windowText" lastClr="000000"/>
                 </a:solidFill>
               </a:rPr>
-              <a:t>９．</a:t>
+              <a:t>２．</a:t>
             </a:r>
             <a:endParaRPr lang="en-US" altLang="ja-JP" dirty="0">
               <a:solidFill>
@@ -7288,7 +7712,7 @@
                   <a:sysClr val="windowText" lastClr="000000"/>
                 </a:solidFill>
               </a:rPr>
-              <a:t>発注リスト</a:t>
+              <a:t>ホーム</a:t>
             </a:r>
             <a:endParaRPr kumimoji="1" lang="ja-JP" altLang="en-US" dirty="0">
               <a:solidFill>
@@ -7300,10 +7724,10 @@
       </p:sp>
       <p:sp>
         <p:nvSpPr>
-          <p:cNvPr id="8" name="四角形: 角を丸くする 7">
-            <a:extLst>
-              <a:ext uri="{FF2B5EF4-FFF2-40B4-BE49-F238E27FC236}">
-                <a16:creationId xmlns:a16="http://schemas.microsoft.com/office/drawing/2014/main" id="{CBC601E6-599C-BD27-A2BA-A95CB23CDC89}"/>
+          <p:cNvPr id="9" name="四角形: 角を丸くする 8">
+            <a:extLst>
+              <a:ext uri="{FF2B5EF4-FFF2-40B4-BE49-F238E27FC236}">
+                <a16:creationId xmlns:a16="http://schemas.microsoft.com/office/drawing/2014/main" id="{EAD2E8A8-D75C-FFD6-C091-BAFE95FCBC4F}"/>
               </a:ext>
             </a:extLst>
           </p:cNvPr>
@@ -7312,7 +7736,7 @@
         </p:nvSpPr>
         <p:spPr>
           <a:xfrm>
-            <a:off x="481262" y="2683582"/>
+            <a:off x="7008790" y="1242965"/>
             <a:ext cx="1716505" cy="1026695"/>
           </a:xfrm>
           <a:prstGeom prst="roundRect">
@@ -7350,7 +7774,7 @@
                   <a:sysClr val="windowText" lastClr="000000"/>
                 </a:solidFill>
               </a:rPr>
-              <a:t>２．</a:t>
+              <a:t>８．</a:t>
             </a:r>
             <a:endParaRPr lang="en-US" altLang="ja-JP" dirty="0">
               <a:solidFill>
@@ -7365,7 +7789,7 @@
                   <a:sysClr val="windowText" lastClr="000000"/>
                 </a:solidFill>
               </a:rPr>
-              <a:t>ホーム</a:t>
+              <a:t>シミュレーション</a:t>
             </a:r>
             <a:endParaRPr kumimoji="1" lang="ja-JP" altLang="en-US" dirty="0">
               <a:solidFill>
@@ -7377,10 +7801,10 @@
       </p:sp>
       <p:sp>
         <p:nvSpPr>
-          <p:cNvPr id="9" name="四角形: 角を丸くする 8">
-            <a:extLst>
-              <a:ext uri="{FF2B5EF4-FFF2-40B4-BE49-F238E27FC236}">
-                <a16:creationId xmlns:a16="http://schemas.microsoft.com/office/drawing/2014/main" id="{EAD2E8A8-D75C-FFD6-C091-BAFE95FCBC4F}"/>
+          <p:cNvPr id="10" name="四角形: 角を丸くする 9">
+            <a:extLst>
+              <a:ext uri="{FF2B5EF4-FFF2-40B4-BE49-F238E27FC236}">
+                <a16:creationId xmlns:a16="http://schemas.microsoft.com/office/drawing/2014/main" id="{9A02AA60-7AA4-9ECD-B717-DB2E62AF862D}"/>
               </a:ext>
             </a:extLst>
           </p:cNvPr>
@@ -7389,7 +7813,7 @@
         </p:nvSpPr>
         <p:spPr>
           <a:xfrm>
-            <a:off x="7061358" y="1880002"/>
+            <a:off x="6979735" y="183313"/>
             <a:ext cx="1716505" cy="1026695"/>
           </a:xfrm>
           <a:prstGeom prst="roundRect">
@@ -7427,7 +7851,7 @@
                   <a:sysClr val="windowText" lastClr="000000"/>
                 </a:solidFill>
               </a:rPr>
-              <a:t>８．</a:t>
+              <a:t>７．</a:t>
             </a:r>
             <a:endParaRPr lang="en-US" altLang="ja-JP" dirty="0">
               <a:solidFill>
@@ -7442,7 +7866,7 @@
                   <a:sysClr val="windowText" lastClr="000000"/>
                 </a:solidFill>
               </a:rPr>
-              <a:t>シミュレーション</a:t>
+              <a:t>編集</a:t>
             </a:r>
             <a:endParaRPr kumimoji="1" lang="ja-JP" altLang="en-US" dirty="0">
               <a:solidFill>
@@ -7454,10 +7878,10 @@
       </p:sp>
       <p:sp>
         <p:nvSpPr>
-          <p:cNvPr id="10" name="四角形: 角を丸くする 9">
-            <a:extLst>
-              <a:ext uri="{FF2B5EF4-FFF2-40B4-BE49-F238E27FC236}">
-                <a16:creationId xmlns:a16="http://schemas.microsoft.com/office/drawing/2014/main" id="{9A02AA60-7AA4-9ECD-B717-DB2E62AF862D}"/>
+          <p:cNvPr id="11" name="四角形: 角を丸くする 10">
+            <a:extLst>
+              <a:ext uri="{FF2B5EF4-FFF2-40B4-BE49-F238E27FC236}">
+                <a16:creationId xmlns:a16="http://schemas.microsoft.com/office/drawing/2014/main" id="{1A88DCFA-6B6A-7B95-BBE4-73262D34BD89}"/>
               </a:ext>
             </a:extLst>
           </p:cNvPr>
@@ -7466,7 +7890,7 @@
         </p:nvSpPr>
         <p:spPr>
           <a:xfrm>
-            <a:off x="7048056" y="720883"/>
+            <a:off x="4295359" y="1880002"/>
             <a:ext cx="1716505" cy="1026695"/>
           </a:xfrm>
           <a:prstGeom prst="roundRect">
@@ -7504,7 +7928,7 @@
                   <a:sysClr val="windowText" lastClr="000000"/>
                 </a:solidFill>
               </a:rPr>
-              <a:t>７．</a:t>
+              <a:t>６．</a:t>
             </a:r>
             <a:endParaRPr lang="en-US" altLang="ja-JP" dirty="0">
               <a:solidFill>
@@ -7519,7 +7943,7 @@
                   <a:sysClr val="windowText" lastClr="000000"/>
                 </a:solidFill>
               </a:rPr>
-              <a:t>編集</a:t>
+              <a:t>マイページ</a:t>
             </a:r>
             <a:endParaRPr kumimoji="1" lang="ja-JP" altLang="en-US" dirty="0">
               <a:solidFill>
@@ -7531,10 +7955,10 @@
       </p:sp>
       <p:sp>
         <p:nvSpPr>
-          <p:cNvPr id="11" name="四角形: 角を丸くする 10">
-            <a:extLst>
-              <a:ext uri="{FF2B5EF4-FFF2-40B4-BE49-F238E27FC236}">
-                <a16:creationId xmlns:a16="http://schemas.microsoft.com/office/drawing/2014/main" id="{1A88DCFA-6B6A-7B95-BBE4-73262D34BD89}"/>
+          <p:cNvPr id="12" name="四角形: 角を丸くする 11">
+            <a:extLst>
+              <a:ext uri="{FF2B5EF4-FFF2-40B4-BE49-F238E27FC236}">
+                <a16:creationId xmlns:a16="http://schemas.microsoft.com/office/drawing/2014/main" id="{28D5359E-AD73-8599-1471-A828B96279DB}"/>
               </a:ext>
             </a:extLst>
           </p:cNvPr>
@@ -7543,7 +7967,7 @@
         </p:nvSpPr>
         <p:spPr>
           <a:xfrm>
-            <a:off x="4295359" y="1880002"/>
+            <a:off x="2277478" y="5234368"/>
             <a:ext cx="1716505" cy="1026695"/>
           </a:xfrm>
           <a:prstGeom prst="roundRect">
@@ -7581,7 +8005,7 @@
                   <a:sysClr val="windowText" lastClr="000000"/>
                 </a:solidFill>
               </a:rPr>
-              <a:t>６．</a:t>
+              <a:t>４．</a:t>
             </a:r>
             <a:endParaRPr lang="en-US" altLang="ja-JP" dirty="0">
               <a:solidFill>
@@ -7596,7 +8020,7 @@
                   <a:sysClr val="windowText" lastClr="000000"/>
                 </a:solidFill>
               </a:rPr>
-              <a:t>マイページ</a:t>
+              <a:t>検索</a:t>
             </a:r>
             <a:endParaRPr kumimoji="1" lang="ja-JP" altLang="en-US" dirty="0">
               <a:solidFill>
@@ -7608,10 +8032,10 @@
       </p:sp>
       <p:sp>
         <p:nvSpPr>
-          <p:cNvPr id="12" name="四角形: 角を丸くする 11">
-            <a:extLst>
-              <a:ext uri="{FF2B5EF4-FFF2-40B4-BE49-F238E27FC236}">
-                <a16:creationId xmlns:a16="http://schemas.microsoft.com/office/drawing/2014/main" id="{28D5359E-AD73-8599-1471-A828B96279DB}"/>
+          <p:cNvPr id="13" name="四角形: 角を丸くする 12">
+            <a:extLst>
+              <a:ext uri="{FF2B5EF4-FFF2-40B4-BE49-F238E27FC236}">
+                <a16:creationId xmlns:a16="http://schemas.microsoft.com/office/drawing/2014/main" id="{2D8D9C47-A5C2-87E4-0DA7-74FF092157FA}"/>
               </a:ext>
             </a:extLst>
           </p:cNvPr>
@@ -7620,7 +8044,7 @@
         </p:nvSpPr>
         <p:spPr>
           <a:xfrm>
-            <a:off x="2277478" y="5234368"/>
+            <a:off x="2277478" y="3748590"/>
             <a:ext cx="1716505" cy="1026695"/>
           </a:xfrm>
           <a:prstGeom prst="roundRect">
@@ -7658,83 +8082,6 @@
                   <a:sysClr val="windowText" lastClr="000000"/>
                 </a:solidFill>
               </a:rPr>
-              <a:t>４．</a:t>
-            </a:r>
-            <a:endParaRPr lang="en-US" altLang="ja-JP" dirty="0">
-              <a:solidFill>
-                <a:sysClr val="windowText" lastClr="000000"/>
-              </a:solidFill>
-            </a:endParaRPr>
-          </a:p>
-          <a:p>
-            <a:r>
-              <a:rPr lang="ja-JP" altLang="en-US" dirty="0">
-                <a:solidFill>
-                  <a:sysClr val="windowText" lastClr="000000"/>
-                </a:solidFill>
-              </a:rPr>
-              <a:t>検索</a:t>
-            </a:r>
-            <a:endParaRPr kumimoji="1" lang="ja-JP" altLang="en-US" dirty="0">
-              <a:solidFill>
-                <a:sysClr val="windowText" lastClr="000000"/>
-              </a:solidFill>
-            </a:endParaRPr>
-          </a:p>
-        </p:txBody>
-      </p:sp>
-      <p:sp>
-        <p:nvSpPr>
-          <p:cNvPr id="13" name="四角形: 角を丸くする 12">
-            <a:extLst>
-              <a:ext uri="{FF2B5EF4-FFF2-40B4-BE49-F238E27FC236}">
-                <a16:creationId xmlns:a16="http://schemas.microsoft.com/office/drawing/2014/main" id="{2D8D9C47-A5C2-87E4-0DA7-74FF092157FA}"/>
-              </a:ext>
-            </a:extLst>
-          </p:cNvPr>
-          <p:cNvSpPr/>
-          <p:nvPr/>
-        </p:nvSpPr>
-        <p:spPr>
-          <a:xfrm>
-            <a:off x="2277478" y="3748590"/>
-            <a:ext cx="1716505" cy="1026695"/>
-          </a:xfrm>
-          <a:prstGeom prst="roundRect">
-            <a:avLst/>
-          </a:prstGeom>
-          <a:solidFill>
-            <a:schemeClr val="bg1">
-              <a:lumMod val="95000"/>
-            </a:schemeClr>
-          </a:solidFill>
-        </p:spPr>
-        <p:style>
-          <a:lnRef idx="2">
-            <a:schemeClr val="accent1">
-              <a:shade val="15000"/>
-            </a:schemeClr>
-          </a:lnRef>
-          <a:fillRef idx="1">
-            <a:schemeClr val="accent1"/>
-          </a:fillRef>
-          <a:effectRef idx="0">
-            <a:schemeClr val="accent1"/>
-          </a:effectRef>
-          <a:fontRef idx="minor">
-            <a:schemeClr val="lt1"/>
-          </a:fontRef>
-        </p:style>
-        <p:txBody>
-          <a:bodyPr rtlCol="0" anchor="ctr"/>
-          <a:lstStyle/>
-          <a:p>
-            <a:r>
-              <a:rPr lang="ja-JP" altLang="en-US" dirty="0">
-                <a:solidFill>
-                  <a:sysClr val="windowText" lastClr="000000"/>
-                </a:solidFill>
-              </a:rPr>
               <a:t>３．</a:t>
             </a:r>
             <a:endParaRPr lang="en-US" altLang="ja-JP" dirty="0">
@@ -7776,7 +8123,7 @@
         </p:nvCxnSpPr>
         <p:spPr>
           <a:xfrm>
-            <a:off x="5580426" y="285627"/>
+            <a:off x="10655062" y="6040320"/>
             <a:ext cx="899405" cy="0"/>
           </a:xfrm>
           <a:prstGeom prst="straightConnector1">
@@ -8163,49 +8510,6 @@
       </p:cxnSp>
       <p:cxnSp>
         <p:nvCxnSpPr>
-          <p:cNvPr id="45" name="直線コネクタ 44">
-            <a:extLst>
-              <a:ext uri="{FF2B5EF4-FFF2-40B4-BE49-F238E27FC236}">
-                <a16:creationId xmlns:a16="http://schemas.microsoft.com/office/drawing/2014/main" id="{CB7C9715-0B12-979E-31DB-C24877E5A252}"/>
-              </a:ext>
-            </a:extLst>
-          </p:cNvPr>
-          <p:cNvCxnSpPr>
-            <a:cxnSpLocks/>
-          </p:cNvCxnSpPr>
-          <p:nvPr/>
-        </p:nvCxnSpPr>
-        <p:spPr>
-          <a:xfrm>
-            <a:off x="9761672" y="5154668"/>
-            <a:ext cx="0" cy="1178335"/>
-          </a:xfrm>
-          <a:prstGeom prst="line">
-            <a:avLst/>
-          </a:prstGeom>
-          <a:ln w="76200">
-            <a:solidFill>
-              <a:schemeClr val="tx1"/>
-            </a:solidFill>
-          </a:ln>
-        </p:spPr>
-        <p:style>
-          <a:lnRef idx="2">
-            <a:schemeClr val="accent1"/>
-          </a:lnRef>
-          <a:fillRef idx="0">
-            <a:schemeClr val="accent1"/>
-          </a:fillRef>
-          <a:effectRef idx="1">
-            <a:schemeClr val="accent1"/>
-          </a:effectRef>
-          <a:fontRef idx="minor">
-            <a:schemeClr val="tx1"/>
-          </a:fontRef>
-        </p:style>
-      </p:cxnSp>
-      <p:cxnSp>
-        <p:nvCxnSpPr>
           <p:cNvPr id="47" name="直線矢印コネクタ 46">
             <a:extLst>
               <a:ext uri="{FF2B5EF4-FFF2-40B4-BE49-F238E27FC236}">
@@ -8264,9 +8568,9 @@
           <p:nvPr/>
         </p:nvCxnSpPr>
         <p:spPr>
-          <a:xfrm flipH="1">
-            <a:off x="6465437" y="1234231"/>
-            <a:ext cx="921" cy="4636477"/>
+          <a:xfrm>
+            <a:off x="6398037" y="696661"/>
+            <a:ext cx="2620" cy="5343659"/>
           </a:xfrm>
           <a:prstGeom prst="line">
             <a:avLst/>
@@ -8309,7 +8613,7 @@
         </p:nvCxnSpPr>
         <p:spPr>
           <a:xfrm>
-            <a:off x="6450486" y="1234231"/>
+            <a:off x="6382165" y="696661"/>
             <a:ext cx="597570" cy="0"/>
           </a:xfrm>
           <a:prstGeom prst="straightConnector1">
@@ -8354,7 +8658,7 @@
         </p:nvCxnSpPr>
         <p:spPr>
           <a:xfrm>
-            <a:off x="6459637" y="3552470"/>
+            <a:off x="6383727" y="2837083"/>
             <a:ext cx="613611" cy="0"/>
           </a:xfrm>
           <a:prstGeom prst="straightConnector1">
@@ -8399,53 +8703,8 @@
         </p:nvCxnSpPr>
         <p:spPr>
           <a:xfrm>
-            <a:off x="6479831" y="4711590"/>
+            <a:off x="6427794" y="3895419"/>
             <a:ext cx="581527" cy="0"/>
-          </a:xfrm>
-          <a:prstGeom prst="straightConnector1">
-            <a:avLst/>
-          </a:prstGeom>
-          <a:ln w="76200">
-            <a:solidFill>
-              <a:schemeClr val="tx1"/>
-            </a:solidFill>
-            <a:tailEnd type="triangle"/>
-          </a:ln>
-        </p:spPr>
-        <p:style>
-          <a:lnRef idx="2">
-            <a:schemeClr val="accent1"/>
-          </a:lnRef>
-          <a:fillRef idx="0">
-            <a:schemeClr val="accent1"/>
-          </a:fillRef>
-          <a:effectRef idx="1">
-            <a:schemeClr val="accent1"/>
-          </a:effectRef>
-          <a:fontRef idx="minor">
-            <a:schemeClr val="tx1"/>
-          </a:fontRef>
-        </p:style>
-      </p:cxnSp>
-      <p:cxnSp>
-        <p:nvCxnSpPr>
-          <p:cNvPr id="67" name="直線矢印コネクタ 66">
-            <a:extLst>
-              <a:ext uri="{FF2B5EF4-FFF2-40B4-BE49-F238E27FC236}">
-                <a16:creationId xmlns:a16="http://schemas.microsoft.com/office/drawing/2014/main" id="{3B49C97C-7880-623B-EC33-5E72F81F400B}"/>
-              </a:ext>
-            </a:extLst>
-          </p:cNvPr>
-          <p:cNvCxnSpPr>
-            <a:cxnSpLocks/>
-            <a:endCxn id="6" idx="1"/>
-          </p:cNvCxnSpPr>
-          <p:nvPr/>
-        </p:nvCxnSpPr>
-        <p:spPr>
-          <a:xfrm>
-            <a:off x="6479832" y="5870710"/>
-            <a:ext cx="581526" cy="0"/>
           </a:xfrm>
           <a:prstGeom prst="straightConnector1">
             <a:avLst/>
@@ -8483,15 +8742,14 @@
           </p:cNvPr>
           <p:cNvCxnSpPr>
             <a:cxnSpLocks/>
-            <a:stCxn id="11" idx="3"/>
             <a:endCxn id="9" idx="1"/>
           </p:cNvCxnSpPr>
           <p:nvPr/>
         </p:nvCxnSpPr>
         <p:spPr>
           <a:xfrm>
-            <a:off x="6011864" y="2393350"/>
-            <a:ext cx="1049494" cy="0"/>
+            <a:off x="6413790" y="1756313"/>
+            <a:ext cx="595000" cy="0"/>
           </a:xfrm>
           <a:prstGeom prst="straightConnector1">
             <a:avLst/>
@@ -8534,8 +8792,8 @@
         </p:nvCxnSpPr>
         <p:spPr>
           <a:xfrm>
-            <a:off x="9122908" y="532296"/>
-            <a:ext cx="0" cy="3707039"/>
+            <a:off x="9258884" y="281374"/>
+            <a:ext cx="0" cy="1954565"/>
           </a:xfrm>
           <a:prstGeom prst="line">
             <a:avLst/>
@@ -8575,8 +8833,8 @@
         </p:nvSpPr>
         <p:spPr>
           <a:xfrm>
-            <a:off x="9532326" y="80871"/>
-            <a:ext cx="914400" cy="914400"/>
+            <a:off x="9685546" y="35974"/>
+            <a:ext cx="693445" cy="490799"/>
           </a:xfrm>
           <a:prstGeom prst="ellipse">
             <a:avLst/>
@@ -8609,7 +8867,7 @@
           <a:p>
             <a:pPr algn="ctr"/>
             <a:r>
-              <a:rPr kumimoji="1" lang="ja-JP" altLang="en-US" dirty="0">
+              <a:rPr kumimoji="1" lang="ja-JP" altLang="en-US" sz="1200" dirty="0">
                 <a:solidFill>
                   <a:sysClr val="windowText" lastClr="000000"/>
                 </a:solidFill>
@@ -8633,8 +8891,8 @@
         </p:nvSpPr>
         <p:spPr>
           <a:xfrm>
-            <a:off x="9530912" y="1933290"/>
-            <a:ext cx="914400" cy="914400"/>
+            <a:off x="9692290" y="1003197"/>
+            <a:ext cx="693445" cy="490799"/>
           </a:xfrm>
           <a:prstGeom prst="ellipse">
             <a:avLst/>
@@ -8667,14 +8925,14 @@
           <a:p>
             <a:pPr algn="ctr"/>
             <a:r>
-              <a:rPr lang="ja-JP" altLang="en-US" dirty="0">
+              <a:rPr lang="ja-JP" altLang="en-US" sz="1200" dirty="0">
                 <a:solidFill>
                   <a:sysClr val="windowText" lastClr="000000"/>
                 </a:solidFill>
               </a:rPr>
               <a:t>ケーキ</a:t>
             </a:r>
-            <a:endParaRPr kumimoji="1" lang="ja-JP" altLang="en-US" dirty="0">
+            <a:endParaRPr kumimoji="1" lang="ja-JP" altLang="en-US" sz="1200" dirty="0">
               <a:solidFill>
                 <a:sysClr val="windowText" lastClr="000000"/>
               </a:solidFill>
@@ -8696,8 +8954,8 @@
         </p:nvSpPr>
         <p:spPr>
           <a:xfrm>
-            <a:off x="9586088" y="2851206"/>
-            <a:ext cx="914400" cy="914400"/>
+            <a:off x="9702445" y="1498783"/>
+            <a:ext cx="693445" cy="490799"/>
           </a:xfrm>
           <a:prstGeom prst="ellipse">
             <a:avLst/>
@@ -8730,14 +8988,14 @@
           <a:p>
             <a:pPr algn="ctr"/>
             <a:r>
-              <a:rPr lang="ja-JP" altLang="en-US" dirty="0">
+              <a:rPr lang="ja-JP" altLang="en-US" sz="1200" dirty="0">
                 <a:solidFill>
                   <a:sysClr val="windowText" lastClr="000000"/>
                 </a:solidFill>
               </a:rPr>
               <a:t>カード</a:t>
             </a:r>
-            <a:endParaRPr kumimoji="1" lang="ja-JP" altLang="en-US" dirty="0">
+            <a:endParaRPr kumimoji="1" lang="ja-JP" altLang="en-US" sz="1200" dirty="0">
               <a:solidFill>
                 <a:sysClr val="windowText" lastClr="000000"/>
               </a:solidFill>
@@ -8759,8 +9017,8 @@
         </p:nvSpPr>
         <p:spPr>
           <a:xfrm>
-            <a:off x="9586088" y="3772317"/>
-            <a:ext cx="914400" cy="910929"/>
+            <a:off x="9724467" y="2001543"/>
+            <a:ext cx="693445" cy="488936"/>
           </a:xfrm>
           <a:prstGeom prst="ellipse">
             <a:avLst/>
@@ -8793,7 +9051,7 @@
           <a:p>
             <a:pPr algn="ctr"/>
             <a:r>
-              <a:rPr kumimoji="1" lang="ja-JP" altLang="en-US" dirty="0">
+              <a:rPr kumimoji="1" lang="ja-JP" altLang="en-US" sz="1200" dirty="0">
                 <a:solidFill>
                   <a:sysClr val="windowText" lastClr="000000"/>
                 </a:solidFill>
@@ -8817,8 +9075,8 @@
         </p:nvSpPr>
         <p:spPr>
           <a:xfrm>
-            <a:off x="4390492" y="185961"/>
-            <a:ext cx="914400" cy="910929"/>
+            <a:off x="4113905" y="218585"/>
+            <a:ext cx="1442462" cy="845682"/>
           </a:xfrm>
           <a:prstGeom prst="ellipse">
             <a:avLst/>
@@ -8851,13 +9109,18 @@
           <a:p>
             <a:pPr algn="ctr"/>
             <a:r>
-              <a:rPr kumimoji="1" lang="ja-JP" altLang="en-US" sz="1200" dirty="0">
+              <a:rPr lang="ja-JP" altLang="en-US" sz="1200" dirty="0">
                 <a:solidFill>
                   <a:sysClr val="windowText" lastClr="000000"/>
                 </a:solidFill>
               </a:rPr>
-              <a:t>ポップアップ</a:t>
-            </a:r>
+              <a:t>モーダルウィンドウ</a:t>
+            </a:r>
+            <a:endParaRPr kumimoji="1" lang="ja-JP" altLang="en-US" sz="1200" dirty="0">
+              <a:solidFill>
+                <a:sysClr val="windowText" lastClr="000000"/>
+              </a:solidFill>
+            </a:endParaRPr>
           </a:p>
         </p:txBody>
       </p:sp>
@@ -8875,8 +9138,8 @@
         </p:nvSpPr>
         <p:spPr>
           <a:xfrm>
-            <a:off x="9530912" y="1009116"/>
-            <a:ext cx="914400" cy="914400"/>
+            <a:off x="9688918" y="516300"/>
+            <a:ext cx="693445" cy="490799"/>
           </a:xfrm>
           <a:prstGeom prst="ellipse">
             <a:avLst/>
@@ -8909,14 +9172,14 @@
           <a:p>
             <a:pPr algn="ctr"/>
             <a:r>
-              <a:rPr lang="ja-JP" altLang="en-US" dirty="0">
+              <a:rPr lang="ja-JP" altLang="en-US" sz="1200" dirty="0">
                 <a:solidFill>
                   <a:sysClr val="windowText" lastClr="000000"/>
                 </a:solidFill>
               </a:rPr>
               <a:t>衣装</a:t>
             </a:r>
-            <a:endParaRPr kumimoji="1" lang="ja-JP" altLang="en-US" dirty="0">
+            <a:endParaRPr kumimoji="1" lang="ja-JP" altLang="en-US" sz="1200" dirty="0">
               <a:solidFill>
                 <a:sysClr val="windowText" lastClr="000000"/>
               </a:solidFill>
@@ -8940,9 +9203,9 @@
           <p:nvPr/>
         </p:nvCxnSpPr>
         <p:spPr>
-          <a:xfrm>
-            <a:off x="9088441" y="1466316"/>
-            <a:ext cx="442471" cy="0"/>
+          <a:xfrm flipV="1">
+            <a:off x="9261287" y="761700"/>
+            <a:ext cx="427631" cy="13363"/>
           </a:xfrm>
           <a:prstGeom prst="straightConnector1">
             <a:avLst/>
@@ -8986,8 +9249,8 @@
         </p:nvCxnSpPr>
         <p:spPr>
           <a:xfrm>
-            <a:off x="9122908" y="538071"/>
-            <a:ext cx="409418" cy="0"/>
+            <a:off x="9258884" y="277693"/>
+            <a:ext cx="426662" cy="3681"/>
           </a:xfrm>
           <a:prstGeom prst="straightConnector1">
             <a:avLst/>
@@ -9030,9 +9293,9 @@
           <p:nvPr/>
         </p:nvCxnSpPr>
         <p:spPr>
-          <a:xfrm flipV="1">
-            <a:off x="8802587" y="2390490"/>
-            <a:ext cx="728325" cy="2860"/>
+          <a:xfrm>
+            <a:off x="9273747" y="1241448"/>
+            <a:ext cx="418543" cy="7149"/>
           </a:xfrm>
           <a:prstGeom prst="straightConnector1">
             <a:avLst/>
@@ -9070,14 +9333,15 @@
           </p:cNvPr>
           <p:cNvCxnSpPr>
             <a:cxnSpLocks/>
+            <a:stCxn id="9" idx="3"/>
             <a:endCxn id="98" idx="2"/>
           </p:cNvCxnSpPr>
           <p:nvPr/>
         </p:nvCxnSpPr>
         <p:spPr>
-          <a:xfrm>
-            <a:off x="9144930" y="3308406"/>
-            <a:ext cx="441158" cy="0"/>
+          <a:xfrm flipV="1">
+            <a:off x="8725295" y="1744183"/>
+            <a:ext cx="977150" cy="12130"/>
           </a:xfrm>
           <a:prstGeom prst="straightConnector1">
             <a:avLst/>
@@ -9120,9 +9384,9 @@
           <p:nvPr/>
         </p:nvCxnSpPr>
         <p:spPr>
-          <a:xfrm flipV="1">
-            <a:off x="9122908" y="4227782"/>
-            <a:ext cx="463180" cy="1065"/>
+          <a:xfrm>
+            <a:off x="9258884" y="2246011"/>
+            <a:ext cx="465583" cy="0"/>
           </a:xfrm>
           <a:prstGeom prst="straightConnector1">
             <a:avLst/>
@@ -9413,7 +9677,7 @@
         </p:nvSpPr>
         <p:spPr>
           <a:xfrm>
-            <a:off x="8587554" y="21705"/>
+            <a:off x="10298799" y="24013"/>
             <a:ext cx="1255668" cy="276999"/>
           </a:xfrm>
           <a:prstGeom prst="rect">
@@ -9492,7 +9756,7 @@
         </p:nvSpPr>
         <p:spPr>
           <a:xfrm>
-            <a:off x="10463874" y="4679841"/>
+            <a:off x="7008790" y="4446203"/>
             <a:ext cx="1716505" cy="1026695"/>
           </a:xfrm>
           <a:prstGeom prst="roundRect">
@@ -9569,7 +9833,7 @@
         </p:nvSpPr>
         <p:spPr>
           <a:xfrm>
-            <a:off x="10463874" y="5809605"/>
+            <a:off x="7008790" y="5526973"/>
             <a:ext cx="1716505" cy="1026695"/>
           </a:xfrm>
           <a:prstGeom prst="roundRect">
@@ -9634,50 +9898,6 @@
       </p:sp>
       <p:cxnSp>
         <p:nvCxnSpPr>
-          <p:cNvPr id="68" name="直線コネクタ 67">
-            <a:extLst>
-              <a:ext uri="{FF2B5EF4-FFF2-40B4-BE49-F238E27FC236}">
-                <a16:creationId xmlns:a16="http://schemas.microsoft.com/office/drawing/2014/main" id="{BB5226F6-3517-1AEF-8155-EE54766ADB59}"/>
-              </a:ext>
-            </a:extLst>
-          </p:cNvPr>
-          <p:cNvCxnSpPr>
-            <a:cxnSpLocks/>
-            <a:stCxn id="6" idx="3"/>
-          </p:cNvCxnSpPr>
-          <p:nvPr/>
-        </p:nvCxnSpPr>
-        <p:spPr>
-          <a:xfrm>
-            <a:off x="8777863" y="5870710"/>
-            <a:ext cx="945038" cy="0"/>
-          </a:xfrm>
-          <a:prstGeom prst="line">
-            <a:avLst/>
-          </a:prstGeom>
-          <a:ln w="76200">
-            <a:solidFill>
-              <a:schemeClr val="tx1"/>
-            </a:solidFill>
-          </a:ln>
-        </p:spPr>
-        <p:style>
-          <a:lnRef idx="2">
-            <a:schemeClr val="accent1"/>
-          </a:lnRef>
-          <a:fillRef idx="0">
-            <a:schemeClr val="accent1"/>
-          </a:fillRef>
-          <a:effectRef idx="1">
-            <a:schemeClr val="accent1"/>
-          </a:effectRef>
-          <a:fontRef idx="minor">
-            <a:schemeClr val="tx1"/>
-          </a:fontRef>
-        </p:style>
-      </p:cxnSp>
-      <p:cxnSp>
-        <p:nvCxnSpPr>
           <p:cNvPr id="75" name="直線コネクタ 74">
             <a:extLst>
               <a:ext uri="{FF2B5EF4-FFF2-40B4-BE49-F238E27FC236}">
@@ -9692,7 +9912,7 @@
         </p:nvCxnSpPr>
         <p:spPr>
           <a:xfrm flipV="1">
-            <a:off x="5573723" y="841699"/>
+            <a:off x="10573299" y="6438087"/>
             <a:ext cx="706667" cy="1"/>
           </a:xfrm>
           <a:prstGeom prst="line">
@@ -9736,8 +9956,8 @@
         </p:nvCxnSpPr>
         <p:spPr>
           <a:xfrm>
-            <a:off x="9734791" y="5193188"/>
-            <a:ext cx="729083" cy="1"/>
+            <a:off x="6382165" y="4959549"/>
+            <a:ext cx="626625" cy="2"/>
           </a:xfrm>
           <a:prstGeom prst="straightConnector1">
             <a:avLst/>
@@ -9781,8 +10001,8 @@
         </p:nvCxnSpPr>
         <p:spPr>
           <a:xfrm>
-            <a:off x="9772683" y="6322952"/>
-            <a:ext cx="691191" cy="1"/>
+            <a:off x="6407838" y="6040320"/>
+            <a:ext cx="600952" cy="1"/>
           </a:xfrm>
           <a:prstGeom prst="straightConnector1">
             <a:avLst/>
@@ -9809,6 +10029,664 @@
           </a:fontRef>
         </p:style>
       </p:cxnSp>
+      <p:cxnSp>
+        <p:nvCxnSpPr>
+          <p:cNvPr id="27" name="直線コネクタ 26">
+            <a:extLst>
+              <a:ext uri="{FF2B5EF4-FFF2-40B4-BE49-F238E27FC236}">
+                <a16:creationId xmlns:a16="http://schemas.microsoft.com/office/drawing/2014/main" id="{AC4912D4-AA5D-0FFC-1234-2A43F693CC3E}"/>
+              </a:ext>
+            </a:extLst>
+          </p:cNvPr>
+          <p:cNvCxnSpPr>
+            <a:cxnSpLocks/>
+          </p:cNvCxnSpPr>
+          <p:nvPr/>
+        </p:nvCxnSpPr>
+        <p:spPr>
+          <a:xfrm flipH="1">
+            <a:off x="9712760" y="2830026"/>
+            <a:ext cx="3799" cy="1981598"/>
+          </a:xfrm>
+          <a:prstGeom prst="line">
+            <a:avLst/>
+          </a:prstGeom>
+          <a:ln w="38100">
+            <a:solidFill>
+              <a:schemeClr val="tx1"/>
+            </a:solidFill>
+          </a:ln>
+        </p:spPr>
+        <p:style>
+          <a:lnRef idx="2">
+            <a:schemeClr val="accent1"/>
+          </a:lnRef>
+          <a:fillRef idx="0">
+            <a:schemeClr val="accent1"/>
+          </a:fillRef>
+          <a:effectRef idx="1">
+            <a:schemeClr val="accent1"/>
+          </a:effectRef>
+          <a:fontRef idx="minor">
+            <a:schemeClr val="tx1"/>
+          </a:fontRef>
+        </p:style>
+      </p:cxnSp>
+      <p:sp>
+        <p:nvSpPr>
+          <p:cNvPr id="28" name="楕円 27">
+            <a:extLst>
+              <a:ext uri="{FF2B5EF4-FFF2-40B4-BE49-F238E27FC236}">
+                <a16:creationId xmlns:a16="http://schemas.microsoft.com/office/drawing/2014/main" id="{271D03D2-530A-8727-1E44-B8D21CF2643E}"/>
+              </a:ext>
+            </a:extLst>
+          </p:cNvPr>
+          <p:cNvSpPr/>
+          <p:nvPr/>
+        </p:nvSpPr>
+        <p:spPr>
+          <a:xfrm>
+            <a:off x="10159041" y="2584626"/>
+            <a:ext cx="693445" cy="490799"/>
+          </a:xfrm>
+          <a:prstGeom prst="ellipse">
+            <a:avLst/>
+          </a:prstGeom>
+          <a:solidFill>
+            <a:schemeClr val="bg1">
+              <a:lumMod val="95000"/>
+            </a:schemeClr>
+          </a:solidFill>
+        </p:spPr>
+        <p:style>
+          <a:lnRef idx="2">
+            <a:schemeClr val="accent1">
+              <a:shade val="15000"/>
+            </a:schemeClr>
+          </a:lnRef>
+          <a:fillRef idx="1">
+            <a:schemeClr val="accent1"/>
+          </a:fillRef>
+          <a:effectRef idx="0">
+            <a:schemeClr val="accent1"/>
+          </a:effectRef>
+          <a:fontRef idx="minor">
+            <a:schemeClr val="lt1"/>
+          </a:fontRef>
+        </p:style>
+        <p:txBody>
+          <a:bodyPr rtlCol="0" anchor="ctr"/>
+          <a:lstStyle/>
+          <a:p>
+            <a:pPr algn="ctr"/>
+            <a:r>
+              <a:rPr kumimoji="1" lang="ja-JP" altLang="en-US" sz="1200" dirty="0">
+                <a:solidFill>
+                  <a:sysClr val="windowText" lastClr="000000"/>
+                </a:solidFill>
+              </a:rPr>
+              <a:t>内装</a:t>
+            </a:r>
+          </a:p>
+        </p:txBody>
+      </p:sp>
+      <p:sp>
+        <p:nvSpPr>
+          <p:cNvPr id="29" name="楕円 28">
+            <a:extLst>
+              <a:ext uri="{FF2B5EF4-FFF2-40B4-BE49-F238E27FC236}">
+                <a16:creationId xmlns:a16="http://schemas.microsoft.com/office/drawing/2014/main" id="{B4541357-B962-0F90-6087-41A3693AC204}"/>
+              </a:ext>
+            </a:extLst>
+          </p:cNvPr>
+          <p:cNvSpPr/>
+          <p:nvPr/>
+        </p:nvSpPr>
+        <p:spPr>
+          <a:xfrm>
+            <a:off x="10165785" y="3551849"/>
+            <a:ext cx="693445" cy="490799"/>
+          </a:xfrm>
+          <a:prstGeom prst="ellipse">
+            <a:avLst/>
+          </a:prstGeom>
+          <a:solidFill>
+            <a:schemeClr val="bg1">
+              <a:lumMod val="95000"/>
+            </a:schemeClr>
+          </a:solidFill>
+        </p:spPr>
+        <p:style>
+          <a:lnRef idx="2">
+            <a:schemeClr val="accent1">
+              <a:shade val="15000"/>
+            </a:schemeClr>
+          </a:lnRef>
+          <a:fillRef idx="1">
+            <a:schemeClr val="accent1"/>
+          </a:fillRef>
+          <a:effectRef idx="0">
+            <a:schemeClr val="accent1"/>
+          </a:effectRef>
+          <a:fontRef idx="minor">
+            <a:schemeClr val="lt1"/>
+          </a:fontRef>
+        </p:style>
+        <p:txBody>
+          <a:bodyPr rtlCol="0" anchor="ctr"/>
+          <a:lstStyle/>
+          <a:p>
+            <a:pPr algn="ctr"/>
+            <a:r>
+              <a:rPr lang="ja-JP" altLang="en-US" sz="1200" dirty="0">
+                <a:solidFill>
+                  <a:sysClr val="windowText" lastClr="000000"/>
+                </a:solidFill>
+              </a:rPr>
+              <a:t>ケーキ</a:t>
+            </a:r>
+            <a:endParaRPr kumimoji="1" lang="ja-JP" altLang="en-US" sz="1200" dirty="0">
+              <a:solidFill>
+                <a:sysClr val="windowText" lastClr="000000"/>
+              </a:solidFill>
+            </a:endParaRPr>
+          </a:p>
+        </p:txBody>
+      </p:sp>
+      <p:sp>
+        <p:nvSpPr>
+          <p:cNvPr id="30" name="楕円 29">
+            <a:extLst>
+              <a:ext uri="{FF2B5EF4-FFF2-40B4-BE49-F238E27FC236}">
+                <a16:creationId xmlns:a16="http://schemas.microsoft.com/office/drawing/2014/main" id="{D703C903-2E24-7B4D-293F-057B58B532CF}"/>
+              </a:ext>
+            </a:extLst>
+          </p:cNvPr>
+          <p:cNvSpPr/>
+          <p:nvPr/>
+        </p:nvSpPr>
+        <p:spPr>
+          <a:xfrm>
+            <a:off x="10175940" y="4047435"/>
+            <a:ext cx="693445" cy="490799"/>
+          </a:xfrm>
+          <a:prstGeom prst="ellipse">
+            <a:avLst/>
+          </a:prstGeom>
+          <a:solidFill>
+            <a:schemeClr val="bg1">
+              <a:lumMod val="95000"/>
+            </a:schemeClr>
+          </a:solidFill>
+        </p:spPr>
+        <p:style>
+          <a:lnRef idx="2">
+            <a:schemeClr val="accent1">
+              <a:shade val="15000"/>
+            </a:schemeClr>
+          </a:lnRef>
+          <a:fillRef idx="1">
+            <a:schemeClr val="accent1"/>
+          </a:fillRef>
+          <a:effectRef idx="0">
+            <a:schemeClr val="accent1"/>
+          </a:effectRef>
+          <a:fontRef idx="minor">
+            <a:schemeClr val="lt1"/>
+          </a:fontRef>
+        </p:style>
+        <p:txBody>
+          <a:bodyPr rtlCol="0" anchor="ctr"/>
+          <a:lstStyle/>
+          <a:p>
+            <a:pPr algn="ctr"/>
+            <a:r>
+              <a:rPr lang="ja-JP" altLang="en-US" sz="1200" dirty="0">
+                <a:solidFill>
+                  <a:sysClr val="windowText" lastClr="000000"/>
+                </a:solidFill>
+              </a:rPr>
+              <a:t>カード</a:t>
+            </a:r>
+            <a:endParaRPr kumimoji="1" lang="ja-JP" altLang="en-US" sz="1200" dirty="0">
+              <a:solidFill>
+                <a:sysClr val="windowText" lastClr="000000"/>
+              </a:solidFill>
+            </a:endParaRPr>
+          </a:p>
+        </p:txBody>
+      </p:sp>
+      <p:sp>
+        <p:nvSpPr>
+          <p:cNvPr id="31" name="楕円 30">
+            <a:extLst>
+              <a:ext uri="{FF2B5EF4-FFF2-40B4-BE49-F238E27FC236}">
+                <a16:creationId xmlns:a16="http://schemas.microsoft.com/office/drawing/2014/main" id="{84D2E1FB-7D88-A3E1-6DC2-D3A5185AF362}"/>
+              </a:ext>
+            </a:extLst>
+          </p:cNvPr>
+          <p:cNvSpPr/>
+          <p:nvPr/>
+        </p:nvSpPr>
+        <p:spPr>
+          <a:xfrm>
+            <a:off x="10197962" y="4550195"/>
+            <a:ext cx="693445" cy="488936"/>
+          </a:xfrm>
+          <a:prstGeom prst="ellipse">
+            <a:avLst/>
+          </a:prstGeom>
+          <a:solidFill>
+            <a:schemeClr val="bg1">
+              <a:lumMod val="95000"/>
+            </a:schemeClr>
+          </a:solidFill>
+        </p:spPr>
+        <p:style>
+          <a:lnRef idx="2">
+            <a:schemeClr val="accent1">
+              <a:shade val="15000"/>
+            </a:schemeClr>
+          </a:lnRef>
+          <a:fillRef idx="1">
+            <a:schemeClr val="accent1"/>
+          </a:fillRef>
+          <a:effectRef idx="0">
+            <a:schemeClr val="accent1"/>
+          </a:effectRef>
+          <a:fontRef idx="minor">
+            <a:schemeClr val="lt1"/>
+          </a:fontRef>
+        </p:style>
+        <p:txBody>
+          <a:bodyPr rtlCol="0" anchor="ctr"/>
+          <a:lstStyle/>
+          <a:p>
+            <a:pPr algn="ctr"/>
+            <a:r>
+              <a:rPr kumimoji="1" lang="ja-JP" altLang="en-US" sz="1200">
+                <a:solidFill>
+                  <a:sysClr val="windowText" lastClr="000000"/>
+                </a:solidFill>
+              </a:rPr>
+              <a:t>その他</a:t>
+            </a:r>
+            <a:endParaRPr kumimoji="1" lang="ja-JP" altLang="en-US" sz="1200" dirty="0">
+              <a:solidFill>
+                <a:sysClr val="windowText" lastClr="000000"/>
+              </a:solidFill>
+            </a:endParaRPr>
+          </a:p>
+        </p:txBody>
+      </p:sp>
+      <p:sp>
+        <p:nvSpPr>
+          <p:cNvPr id="32" name="楕円 31">
+            <a:extLst>
+              <a:ext uri="{FF2B5EF4-FFF2-40B4-BE49-F238E27FC236}">
+                <a16:creationId xmlns:a16="http://schemas.microsoft.com/office/drawing/2014/main" id="{C664A5E5-2868-05E2-C0FB-4E05582A83DF}"/>
+              </a:ext>
+            </a:extLst>
+          </p:cNvPr>
+          <p:cNvSpPr/>
+          <p:nvPr/>
+        </p:nvSpPr>
+        <p:spPr>
+          <a:xfrm>
+            <a:off x="10162413" y="3064952"/>
+            <a:ext cx="693445" cy="490799"/>
+          </a:xfrm>
+          <a:prstGeom prst="ellipse">
+            <a:avLst/>
+          </a:prstGeom>
+          <a:solidFill>
+            <a:schemeClr val="bg1">
+              <a:lumMod val="95000"/>
+            </a:schemeClr>
+          </a:solidFill>
+        </p:spPr>
+        <p:style>
+          <a:lnRef idx="2">
+            <a:schemeClr val="accent1">
+              <a:shade val="15000"/>
+            </a:schemeClr>
+          </a:lnRef>
+          <a:fillRef idx="1">
+            <a:schemeClr val="accent1"/>
+          </a:fillRef>
+          <a:effectRef idx="0">
+            <a:schemeClr val="accent1"/>
+          </a:effectRef>
+          <a:fontRef idx="minor">
+            <a:schemeClr val="lt1"/>
+          </a:fontRef>
+        </p:style>
+        <p:txBody>
+          <a:bodyPr rtlCol="0" anchor="ctr"/>
+          <a:lstStyle/>
+          <a:p>
+            <a:pPr algn="ctr"/>
+            <a:r>
+              <a:rPr lang="ja-JP" altLang="en-US" sz="1200" dirty="0">
+                <a:solidFill>
+                  <a:sysClr val="windowText" lastClr="000000"/>
+                </a:solidFill>
+              </a:rPr>
+              <a:t>衣装</a:t>
+            </a:r>
+            <a:endParaRPr kumimoji="1" lang="ja-JP" altLang="en-US" sz="1200" dirty="0">
+              <a:solidFill>
+                <a:sysClr val="windowText" lastClr="000000"/>
+              </a:solidFill>
+            </a:endParaRPr>
+          </a:p>
+        </p:txBody>
+      </p:sp>
+      <p:cxnSp>
+        <p:nvCxnSpPr>
+          <p:cNvPr id="34" name="直線矢印コネクタ 33">
+            <a:extLst>
+              <a:ext uri="{FF2B5EF4-FFF2-40B4-BE49-F238E27FC236}">
+                <a16:creationId xmlns:a16="http://schemas.microsoft.com/office/drawing/2014/main" id="{86DB8F07-49AF-A642-4C57-1C1682A0A70E}"/>
+              </a:ext>
+            </a:extLst>
+          </p:cNvPr>
+          <p:cNvCxnSpPr>
+            <a:cxnSpLocks/>
+            <a:endCxn id="32" idx="2"/>
+          </p:cNvCxnSpPr>
+          <p:nvPr/>
+        </p:nvCxnSpPr>
+        <p:spPr>
+          <a:xfrm flipV="1">
+            <a:off x="9734782" y="3310352"/>
+            <a:ext cx="427631" cy="13363"/>
+          </a:xfrm>
+          <a:prstGeom prst="straightConnector1">
+            <a:avLst/>
+          </a:prstGeom>
+          <a:ln w="38100">
+            <a:solidFill>
+              <a:schemeClr val="tx1"/>
+            </a:solidFill>
+            <a:tailEnd type="triangle"/>
+          </a:ln>
+        </p:spPr>
+        <p:style>
+          <a:lnRef idx="2">
+            <a:schemeClr val="accent1"/>
+          </a:lnRef>
+          <a:fillRef idx="0">
+            <a:schemeClr val="accent1"/>
+          </a:fillRef>
+          <a:effectRef idx="1">
+            <a:schemeClr val="accent1"/>
+          </a:effectRef>
+          <a:fontRef idx="minor">
+            <a:schemeClr val="tx1"/>
+          </a:fontRef>
+        </p:style>
+      </p:cxnSp>
+      <p:cxnSp>
+        <p:nvCxnSpPr>
+          <p:cNvPr id="36" name="直線矢印コネクタ 35">
+            <a:extLst>
+              <a:ext uri="{FF2B5EF4-FFF2-40B4-BE49-F238E27FC236}">
+                <a16:creationId xmlns:a16="http://schemas.microsoft.com/office/drawing/2014/main" id="{9842DCEF-CDCF-888C-015C-4997EE23D6D6}"/>
+              </a:ext>
+            </a:extLst>
+          </p:cNvPr>
+          <p:cNvCxnSpPr>
+            <a:cxnSpLocks/>
+            <a:stCxn id="7" idx="3"/>
+            <a:endCxn id="28" idx="2"/>
+          </p:cNvCxnSpPr>
+          <p:nvPr/>
+        </p:nvCxnSpPr>
+        <p:spPr>
+          <a:xfrm flipV="1">
+            <a:off x="8713843" y="2830026"/>
+            <a:ext cx="1445198" cy="7057"/>
+          </a:xfrm>
+          <a:prstGeom prst="straightConnector1">
+            <a:avLst/>
+          </a:prstGeom>
+          <a:ln w="38100">
+            <a:solidFill>
+              <a:schemeClr val="tx1"/>
+            </a:solidFill>
+            <a:tailEnd type="triangle"/>
+          </a:ln>
+        </p:spPr>
+        <p:style>
+          <a:lnRef idx="2">
+            <a:schemeClr val="accent1"/>
+          </a:lnRef>
+          <a:fillRef idx="0">
+            <a:schemeClr val="accent1"/>
+          </a:fillRef>
+          <a:effectRef idx="1">
+            <a:schemeClr val="accent1"/>
+          </a:effectRef>
+          <a:fontRef idx="minor">
+            <a:schemeClr val="tx1"/>
+          </a:fontRef>
+        </p:style>
+      </p:cxnSp>
+      <p:cxnSp>
+        <p:nvCxnSpPr>
+          <p:cNvPr id="37" name="直線矢印コネクタ 36">
+            <a:extLst>
+              <a:ext uri="{FF2B5EF4-FFF2-40B4-BE49-F238E27FC236}">
+                <a16:creationId xmlns:a16="http://schemas.microsoft.com/office/drawing/2014/main" id="{9ACD793B-061B-E42B-9ECC-781DC1805E7D}"/>
+              </a:ext>
+            </a:extLst>
+          </p:cNvPr>
+          <p:cNvCxnSpPr>
+            <a:cxnSpLocks/>
+            <a:endCxn id="29" idx="2"/>
+          </p:cNvCxnSpPr>
+          <p:nvPr/>
+        </p:nvCxnSpPr>
+        <p:spPr>
+          <a:xfrm flipV="1">
+            <a:off x="9734782" y="3797249"/>
+            <a:ext cx="431003" cy="13363"/>
+          </a:xfrm>
+          <a:prstGeom prst="straightConnector1">
+            <a:avLst/>
+          </a:prstGeom>
+          <a:ln w="38100">
+            <a:solidFill>
+              <a:schemeClr val="tx1"/>
+            </a:solidFill>
+            <a:tailEnd type="triangle"/>
+          </a:ln>
+        </p:spPr>
+        <p:style>
+          <a:lnRef idx="2">
+            <a:schemeClr val="accent1"/>
+          </a:lnRef>
+          <a:fillRef idx="0">
+            <a:schemeClr val="accent1"/>
+          </a:fillRef>
+          <a:effectRef idx="1">
+            <a:schemeClr val="accent1"/>
+          </a:effectRef>
+          <a:fontRef idx="minor">
+            <a:schemeClr val="tx1"/>
+          </a:fontRef>
+        </p:style>
+      </p:cxnSp>
+      <p:cxnSp>
+        <p:nvCxnSpPr>
+          <p:cNvPr id="39" name="直線矢印コネクタ 38">
+            <a:extLst>
+              <a:ext uri="{FF2B5EF4-FFF2-40B4-BE49-F238E27FC236}">
+                <a16:creationId xmlns:a16="http://schemas.microsoft.com/office/drawing/2014/main" id="{DFDCD492-9686-139D-085D-FC86D89E627F}"/>
+              </a:ext>
+            </a:extLst>
+          </p:cNvPr>
+          <p:cNvCxnSpPr>
+            <a:cxnSpLocks/>
+            <a:endCxn id="30" idx="2"/>
+          </p:cNvCxnSpPr>
+          <p:nvPr/>
+        </p:nvCxnSpPr>
+        <p:spPr>
+          <a:xfrm flipV="1">
+            <a:off x="9719942" y="4292835"/>
+            <a:ext cx="455998" cy="9461"/>
+          </a:xfrm>
+          <a:prstGeom prst="straightConnector1">
+            <a:avLst/>
+          </a:prstGeom>
+          <a:ln w="38100">
+            <a:solidFill>
+              <a:schemeClr val="tx1"/>
+            </a:solidFill>
+            <a:tailEnd type="triangle"/>
+          </a:ln>
+        </p:spPr>
+        <p:style>
+          <a:lnRef idx="2">
+            <a:schemeClr val="accent1"/>
+          </a:lnRef>
+          <a:fillRef idx="0">
+            <a:schemeClr val="accent1"/>
+          </a:fillRef>
+          <a:effectRef idx="1">
+            <a:schemeClr val="accent1"/>
+          </a:effectRef>
+          <a:fontRef idx="minor">
+            <a:schemeClr val="tx1"/>
+          </a:fontRef>
+        </p:style>
+      </p:cxnSp>
+      <p:cxnSp>
+        <p:nvCxnSpPr>
+          <p:cNvPr id="40" name="直線矢印コネクタ 39">
+            <a:extLst>
+              <a:ext uri="{FF2B5EF4-FFF2-40B4-BE49-F238E27FC236}">
+                <a16:creationId xmlns:a16="http://schemas.microsoft.com/office/drawing/2014/main" id="{0B42E0E2-10B2-BB6D-6FE2-1511160168F9}"/>
+              </a:ext>
+            </a:extLst>
+          </p:cNvPr>
+          <p:cNvCxnSpPr>
+            <a:cxnSpLocks/>
+            <a:endCxn id="31" idx="2"/>
+          </p:cNvCxnSpPr>
+          <p:nvPr/>
+        </p:nvCxnSpPr>
+        <p:spPr>
+          <a:xfrm>
+            <a:off x="9704311" y="4794663"/>
+            <a:ext cx="493651" cy="0"/>
+          </a:xfrm>
+          <a:prstGeom prst="straightConnector1">
+            <a:avLst/>
+          </a:prstGeom>
+          <a:ln w="38100">
+            <a:solidFill>
+              <a:schemeClr val="tx1"/>
+            </a:solidFill>
+            <a:tailEnd type="triangle"/>
+          </a:ln>
+        </p:spPr>
+        <p:style>
+          <a:lnRef idx="2">
+            <a:schemeClr val="accent1"/>
+          </a:lnRef>
+          <a:fillRef idx="0">
+            <a:schemeClr val="accent1"/>
+          </a:fillRef>
+          <a:effectRef idx="1">
+            <a:schemeClr val="accent1"/>
+          </a:effectRef>
+          <a:fontRef idx="minor">
+            <a:schemeClr val="tx1"/>
+          </a:fontRef>
+        </p:style>
+      </p:cxnSp>
+      <p:cxnSp>
+        <p:nvCxnSpPr>
+          <p:cNvPr id="64" name="直線コネクタ 63">
+            <a:extLst>
+              <a:ext uri="{FF2B5EF4-FFF2-40B4-BE49-F238E27FC236}">
+                <a16:creationId xmlns:a16="http://schemas.microsoft.com/office/drawing/2014/main" id="{D2B6AE62-AAF1-4B82-CA64-762AE8F58305}"/>
+              </a:ext>
+            </a:extLst>
+          </p:cNvPr>
+          <p:cNvCxnSpPr>
+            <a:cxnSpLocks/>
+            <a:stCxn id="11" idx="3"/>
+          </p:cNvCxnSpPr>
+          <p:nvPr/>
+        </p:nvCxnSpPr>
+        <p:spPr>
+          <a:xfrm flipV="1">
+            <a:off x="6011864" y="2393349"/>
+            <a:ext cx="415930" cy="1"/>
+          </a:xfrm>
+          <a:prstGeom prst="line">
+            <a:avLst/>
+          </a:prstGeom>
+          <a:ln w="76200">
+            <a:solidFill>
+              <a:schemeClr val="tx1"/>
+            </a:solidFill>
+          </a:ln>
+        </p:spPr>
+        <p:style>
+          <a:lnRef idx="2">
+            <a:schemeClr val="accent1"/>
+          </a:lnRef>
+          <a:fillRef idx="0">
+            <a:schemeClr val="accent1"/>
+          </a:fillRef>
+          <a:effectRef idx="1">
+            <a:schemeClr val="accent1"/>
+          </a:effectRef>
+          <a:fontRef idx="minor">
+            <a:schemeClr val="tx1"/>
+          </a:fontRef>
+        </p:style>
+      </p:cxnSp>
+      <p:sp>
+        <p:nvSpPr>
+          <p:cNvPr id="6" name="テキスト ボックス 5">
+            <a:extLst>
+              <a:ext uri="{FF2B5EF4-FFF2-40B4-BE49-F238E27FC236}">
+                <a16:creationId xmlns:a16="http://schemas.microsoft.com/office/drawing/2014/main" id="{42D53C11-BFAE-9BBA-7C4F-2B56F9456AD5}"/>
+              </a:ext>
+            </a:extLst>
+          </p:cNvPr>
+          <p:cNvSpPr txBox="1"/>
+          <p:nvPr/>
+        </p:nvSpPr>
+        <p:spPr>
+          <a:xfrm>
+            <a:off x="9570128" y="5062237"/>
+            <a:ext cx="1255668" cy="276999"/>
+          </a:xfrm>
+          <a:prstGeom prst="rect">
+            <a:avLst/>
+          </a:prstGeom>
+          <a:noFill/>
+        </p:spPr>
+        <p:txBody>
+          <a:bodyPr wrap="square" rtlCol="0">
+            <a:spAutoFit/>
+          </a:bodyPr>
+          <a:lstStyle/>
+          <a:p>
+            <a:r>
+              <a:rPr kumimoji="1" lang="ja-JP" altLang="en-US" sz="1200" dirty="0"/>
+              <a:t>各項目を編集</a:t>
+            </a:r>
+          </a:p>
+        </p:txBody>
+      </p:sp>
     </p:spTree>
     <p:extLst>
       <p:ext uri="{BB962C8B-B14F-4D97-AF65-F5344CB8AC3E}">
